--- a/en/ProgrammingLessons/SoftwareandFirmware.pptx
+++ b/en/ProgrammingLessons/SoftwareandFirmware.pptx
@@ -2,23 +2,25 @@
 <file path=ppt/presentation.xml><?xml version="1.0" encoding="utf-8"?>
 <p:presentation xmlns:a="http://schemas.openxmlformats.org/drawingml/2006/main" xmlns:r="http://schemas.openxmlformats.org/officeDocument/2006/relationships" xmlns:p="http://schemas.openxmlformats.org/presentationml/2006/main" showSpecialPlsOnTitleSld="0" saveSubsetFonts="1" autoCompressPictures="0">
   <p:sldMasterIdLst>
-    <p:sldMasterId id="2147483761" r:id="rId1"/>
+    <p:sldMasterId id="2147483773" r:id="rId1"/>
   </p:sldMasterIdLst>
   <p:notesMasterIdLst>
-    <p:notesMasterId r:id="rId10"/>
+    <p:notesMasterId r:id="rId12"/>
   </p:notesMasterIdLst>
   <p:handoutMasterIdLst>
-    <p:handoutMasterId r:id="rId11"/>
+    <p:handoutMasterId r:id="rId13"/>
   </p:handoutMasterIdLst>
   <p:sldIdLst>
     <p:sldId id="275" r:id="rId2"/>
     <p:sldId id="257" r:id="rId3"/>
     <p:sldId id="271" r:id="rId4"/>
-    <p:sldId id="287" r:id="rId5"/>
-    <p:sldId id="288" r:id="rId6"/>
-    <p:sldId id="285" r:id="rId7"/>
-    <p:sldId id="286" r:id="rId8"/>
-    <p:sldId id="284" r:id="rId9"/>
+    <p:sldId id="286" r:id="rId5"/>
+    <p:sldId id="289" r:id="rId6"/>
+    <p:sldId id="287" r:id="rId7"/>
+    <p:sldId id="285" r:id="rId8"/>
+    <p:sldId id="290" r:id="rId9"/>
+    <p:sldId id="288" r:id="rId10"/>
+    <p:sldId id="284" r:id="rId11"/>
   </p:sldIdLst>
   <p:sldSz cx="9144000" cy="6858000" type="screen4x3"/>
   <p:notesSz cx="6858000" cy="9144000"/>
@@ -218,7 +220,7 @@
           <a:p>
             <a:fld id="{58040048-1E4D-CD41-AC49-0750EB72586B}" type="datetimeFigureOut">
               <a:rPr lang="en-US" smtClean="0"/>
-              <a:t>01/08/2020</a:t>
+              <a:t>12/17/20</a:t>
             </a:fld>
             <a:endParaRPr lang="en-US"/>
           </a:p>
@@ -384,7 +386,7 @@
           <a:p>
             <a:fld id="{2B8484CF-5098-F24E-8881-583515D5C406}" type="datetimeFigureOut">
               <a:rPr lang="en-US" smtClean="0"/>
-              <a:t>01/08/2020</a:t>
+              <a:t>12/17/20</a:t>
             </a:fld>
             <a:endParaRPr lang="en-US"/>
           </a:p>
@@ -677,7 +679,7 @@
         </p:nvSpPr>
         <p:spPr>
           <a:xfrm>
-            <a:off x="182241" y="2203290"/>
+            <a:off x="182241" y="2579003"/>
             <a:ext cx="8787652" cy="2468585"/>
           </a:xfrm>
           <a:prstGeom prst="rect">
@@ -718,7 +720,7 @@
         </p:nvSpPr>
         <p:spPr>
           <a:xfrm>
-            <a:off x="242754" y="2300865"/>
+            <a:off x="242754" y="2676578"/>
             <a:ext cx="5815852" cy="1504844"/>
           </a:xfrm>
           <a:effectLst/>
@@ -737,6 +739,10 @@
             </a:lvl1pPr>
           </a:lstStyle>
           <a:p>
+            <a:r>
+              <a:rPr lang="en-US"/>
+              <a:t>Click to edit Master title style</a:t>
+            </a:r>
             <a:endParaRPr lang="en-US" dirty="0"/>
           </a:p>
         </p:txBody>
@@ -753,7 +759,7 @@
         </p:nvSpPr>
         <p:spPr>
           <a:xfrm>
-            <a:off x="316712" y="3800535"/>
+            <a:off x="316712" y="4176248"/>
             <a:ext cx="5741894" cy="590321"/>
           </a:xfrm>
         </p:spPr>
@@ -766,7 +772,7 @@
               <a:buNone/>
               <a:defRPr sz="1600" cap="all">
                 <a:solidFill>
-                  <a:schemeClr val="accent2"/>
+                  <a:srgbClr val="0EAE9F"/>
                 </a:solidFill>
               </a:defRPr>
             </a:lvl1pPr>
@@ -871,7 +877,7 @@
           <p:cNvSpPr txBox="1">
             <a:spLocks/>
           </p:cNvSpPr>
-          <p:nvPr userDrawn="1"/>
+          <p:nvPr/>
         </p:nvSpPr>
         <p:spPr>
           <a:xfrm>
@@ -1092,51 +1098,11 @@
             </a:pPr>
             <a:r>
               <a:rPr lang="en-US" sz="3200" dirty="0"/>
-              <a:t>SPIKE PRIME LESSONS</a:t>
-            </a:r>
-          </a:p>
-        </p:txBody>
-      </p:sp>
-      <p:pic>
-        <p:nvPicPr>
-          <p:cNvPr id="9" name="Picture 8" descr="A picture containing drawing&#10;&#10;Description automatically generated">
-            <a:extLst>
-              <a:ext uri="{FF2B5EF4-FFF2-40B4-BE49-F238E27FC236}">
-                <a16:creationId xmlns:a16="http://schemas.microsoft.com/office/drawing/2014/main" id="{26780A6E-BC42-443E-B6EE-CF18D754C376}"/>
-              </a:ext>
-            </a:extLst>
-          </p:cNvPr>
-          <p:cNvPicPr>
-            <a:picLocks noChangeAspect="1"/>
-          </p:cNvPicPr>
-          <p:nvPr userDrawn="1"/>
-        </p:nvPicPr>
-        <p:blipFill rotWithShape="1">
-          <a:blip r:embed="rId2">
-            <a:clrChange>
-              <a:clrFrom>
-                <a:srgbClr val="000000"/>
-              </a:clrFrom>
-              <a:clrTo>
-                <a:srgbClr val="000000">
-                  <a:alpha val="0"/>
-                </a:srgbClr>
-              </a:clrTo>
-            </a:clrChange>
-          </a:blip>
-          <a:srcRect b="32885"/>
-          <a:stretch/>
-        </p:blipFill>
-        <p:spPr>
-          <a:xfrm>
-            <a:off x="179837" y="1052244"/>
-            <a:ext cx="1668346" cy="1119706"/>
-          </a:xfrm>
-          <a:prstGeom prst="rect">
-            <a:avLst/>
-          </a:prstGeom>
-        </p:spPr>
-      </p:pic>
+              <a:t>PRIME LESSONS</a:t>
+            </a:r>
+          </a:p>
+        </p:txBody>
+      </p:sp>
       <p:sp>
         <p:nvSpPr>
           <p:cNvPr id="11" name="TextBox 10">
@@ -1147,12 +1113,12 @@
             </a:extLst>
           </p:cNvPr>
           <p:cNvSpPr txBox="1"/>
-          <p:nvPr userDrawn="1"/>
-        </p:nvSpPr>
-        <p:spPr>
-          <a:xfrm>
-            <a:off x="6058605" y="737053"/>
-            <a:ext cx="2911288" cy="615553"/>
+          <p:nvPr/>
+        </p:nvSpPr>
+        <p:spPr>
+          <a:xfrm>
+            <a:off x="6331000" y="685891"/>
+            <a:ext cx="2440110" cy="307777"/>
           </a:xfrm>
           <a:prstGeom prst="rect">
             <a:avLst/>
@@ -1165,7 +1131,7 @@
           </a:bodyPr>
           <a:lstStyle/>
           <a:p>
-            <a:pPr marL="0" marR="0" lvl="0" indent="0" algn="l" defTabSz="914400" rtl="0" eaLnBrk="1" fontAlgn="auto" latinLnBrk="0" hangingPunct="1">
+            <a:pPr marL="0" marR="0" lvl="0" indent="0" algn="ctr" defTabSz="914400" rtl="0" eaLnBrk="1" fontAlgn="auto" latinLnBrk="0" hangingPunct="1">
               <a:lnSpc>
                 <a:spcPct val="100000"/>
               </a:lnSpc>
@@ -1183,191 +1149,314 @@
               <a:defRPr/>
             </a:pPr>
             <a:r>
-              <a:rPr lang="en-US" sz="1600" dirty="0"/>
-              <a:t>By the Creators of EV3Lessons</a:t>
-            </a:r>
-          </a:p>
-          <a:p>
-            <a:endParaRPr lang="en-US" dirty="0"/>
+              <a:rPr lang="en-US" sz="1400" dirty="0"/>
+              <a:t>By the Makers of EV3Lessons</a:t>
+            </a:r>
           </a:p>
         </p:txBody>
       </p:sp>
       <p:pic>
         <p:nvPicPr>
-          <p:cNvPr id="12" name="Picture 11" descr="A picture containing sitting, game, remote, video&#10;&#10;Description automatically generated">
-            <a:extLst>
-              <a:ext uri="{FF2B5EF4-FFF2-40B4-BE49-F238E27FC236}">
-                <a16:creationId xmlns:a16="http://schemas.microsoft.com/office/drawing/2014/main" id="{19D0660C-C674-40CA-9A39-C1E73533C99D}"/>
+          <p:cNvPr id="18" name="Picture 17" descr="A picture containing application&#10;&#10;Description automatically generated">
+            <a:extLst>
+              <a:ext uri="{FF2B5EF4-FFF2-40B4-BE49-F238E27FC236}">
+                <a16:creationId xmlns:a16="http://schemas.microsoft.com/office/drawing/2014/main" id="{69DF8FC2-9ED1-BB44-8E96-5B069F6C6497}"/>
               </a:ext>
             </a:extLst>
           </p:cNvPr>
           <p:cNvPicPr>
             <a:picLocks noChangeAspect="1"/>
           </p:cNvPicPr>
+          <p:nvPr/>
+        </p:nvPicPr>
+        <p:blipFill>
+          <a:blip r:embed="rId2"/>
+          <a:stretch>
+            <a:fillRect/>
+          </a:stretch>
+        </p:blipFill>
+        <p:spPr>
+          <a:xfrm>
+            <a:off x="7612649" y="993668"/>
+            <a:ext cx="1158461" cy="1158461"/>
+          </a:xfrm>
+          <a:prstGeom prst="rect">
+            <a:avLst/>
+          </a:prstGeom>
+        </p:spPr>
+      </p:pic>
+      <p:pic>
+        <p:nvPicPr>
+          <p:cNvPr id="19" name="Picture 18" descr="Shape, square&#10;&#10;Description automatically generated">
+            <a:extLst>
+              <a:ext uri="{FF2B5EF4-FFF2-40B4-BE49-F238E27FC236}">
+                <a16:creationId xmlns:a16="http://schemas.microsoft.com/office/drawing/2014/main" id="{2D46D815-081F-064A-AFA6-098A6E7A3DD2}"/>
+              </a:ext>
+            </a:extLst>
+          </p:cNvPr>
+          <p:cNvPicPr>
+            <a:picLocks noChangeAspect="1"/>
+          </p:cNvPicPr>
+          <p:nvPr/>
+        </p:nvPicPr>
+        <p:blipFill>
+          <a:blip r:embed="rId3"/>
+          <a:stretch>
+            <a:fillRect/>
+          </a:stretch>
+        </p:blipFill>
+        <p:spPr>
+          <a:xfrm>
+            <a:off x="6399647" y="993669"/>
+            <a:ext cx="1158461" cy="1158461"/>
+          </a:xfrm>
+          <a:prstGeom prst="rect">
+            <a:avLst/>
+          </a:prstGeom>
+        </p:spPr>
+      </p:pic>
+      <p:sp>
+        <p:nvSpPr>
+          <p:cNvPr id="9" name="Subtitle 1">
+            <a:extLst>
+              <a:ext uri="{FF2B5EF4-FFF2-40B4-BE49-F238E27FC236}">
+                <a16:creationId xmlns:a16="http://schemas.microsoft.com/office/drawing/2014/main" id="{2ACC5EA9-F271-D04B-86B9-696BB16F9951}"/>
+              </a:ext>
+            </a:extLst>
+          </p:cNvPr>
+          <p:cNvSpPr txBox="1">
+            <a:spLocks/>
+          </p:cNvSpPr>
           <p:nvPr userDrawn="1"/>
-        </p:nvPicPr>
-        <p:blipFill rotWithShape="1">
-          <a:blip r:embed="rId3">
-            <a:alphaModFix/>
-          </a:blip>
-          <a:srcRect l="24583" t="2888" r="29917" b="4667"/>
-          <a:stretch/>
-        </p:blipFill>
-        <p:spPr>
-          <a:xfrm>
-            <a:off x="6058605" y="1349909"/>
-            <a:ext cx="2672408" cy="4072241"/>
+        </p:nvSpPr>
+        <p:spPr>
+          <a:xfrm>
+            <a:off x="4808377" y="357846"/>
+            <a:ext cx="4161516" cy="509489"/>
           </a:xfrm>
           <a:prstGeom prst="rect">
             <a:avLst/>
           </a:prstGeom>
         </p:spPr>
-      </p:pic>
-      <p:grpSp>
-        <p:nvGrpSpPr>
-          <p:cNvPr id="10" name="Group 9">
-            <a:extLst>
-              <a:ext uri="{FF2B5EF4-FFF2-40B4-BE49-F238E27FC236}">
-                <a16:creationId xmlns:a16="http://schemas.microsoft.com/office/drawing/2014/main" id="{BB5CE556-FD32-458A-B0B0-D48CF3EE97BA}"/>
-              </a:ext>
-            </a:extLst>
-          </p:cNvPr>
-          <p:cNvGrpSpPr/>
-          <p:nvPr userDrawn="1"/>
-        </p:nvGrpSpPr>
-        <p:grpSpPr>
-          <a:xfrm>
-            <a:off x="191917" y="5040728"/>
-            <a:ext cx="4773538" cy="1188622"/>
-            <a:chOff x="131592" y="5034964"/>
-            <a:chExt cx="4773538" cy="1188622"/>
-          </a:xfrm>
-        </p:grpSpPr>
-        <p:pic>
-          <p:nvPicPr>
-            <p:cNvPr id="13" name="Picture 12" descr="A picture containing drawing, window&#10;&#10;Description automatically generated">
-              <a:extLst>
-                <a:ext uri="{FF2B5EF4-FFF2-40B4-BE49-F238E27FC236}">
-                  <a16:creationId xmlns:a16="http://schemas.microsoft.com/office/drawing/2014/main" id="{13E733DD-C2E3-44AF-A377-F9A3BA70CCF7}"/>
-                </a:ext>
-              </a:extLst>
-            </p:cNvPr>
-            <p:cNvPicPr>
-              <a:picLocks noChangeAspect="1"/>
-            </p:cNvPicPr>
-            <p:nvPr/>
-          </p:nvPicPr>
-          <p:blipFill>
-            <a:blip r:embed="rId4"/>
-            <a:stretch>
-              <a:fillRect/>
-            </a:stretch>
-          </p:blipFill>
-          <p:spPr>
-            <a:xfrm>
-              <a:off x="1326564" y="5034964"/>
-              <a:ext cx="1188622" cy="1188622"/>
-            </a:xfrm>
-            <a:prstGeom prst="rect">
-              <a:avLst/>
-            </a:prstGeom>
-          </p:spPr>
-        </p:pic>
-        <p:pic>
-          <p:nvPicPr>
-            <p:cNvPr id="14" name="Picture 13" descr="A picture containing building, drawing&#10;&#10;Description automatically generated">
-              <a:extLst>
-                <a:ext uri="{FF2B5EF4-FFF2-40B4-BE49-F238E27FC236}">
-                  <a16:creationId xmlns:a16="http://schemas.microsoft.com/office/drawing/2014/main" id="{E0C86AAD-E876-49DD-B8DB-2B8DE4475383}"/>
-                </a:ext>
-              </a:extLst>
-            </p:cNvPr>
-            <p:cNvPicPr>
-              <a:picLocks noChangeAspect="1"/>
-            </p:cNvPicPr>
-            <p:nvPr/>
-          </p:nvPicPr>
-          <p:blipFill>
-            <a:blip r:embed="rId5"/>
-            <a:stretch>
-              <a:fillRect/>
-            </a:stretch>
-          </p:blipFill>
-          <p:spPr>
-            <a:xfrm>
-              <a:off x="131592" y="5034964"/>
-              <a:ext cx="1188622" cy="1188622"/>
-            </a:xfrm>
-            <a:prstGeom prst="rect">
-              <a:avLst/>
-            </a:prstGeom>
-          </p:spPr>
-        </p:pic>
-        <p:pic>
-          <p:nvPicPr>
-            <p:cNvPr id="15" name="Picture 14" descr="A picture containing drawing, holding&#10;&#10;Description automatically generated">
-              <a:extLst>
-                <a:ext uri="{FF2B5EF4-FFF2-40B4-BE49-F238E27FC236}">
-                  <a16:creationId xmlns:a16="http://schemas.microsoft.com/office/drawing/2014/main" id="{49CF9A4F-A54B-40F4-848F-0404EF987E25}"/>
-                </a:ext>
-              </a:extLst>
-            </p:cNvPr>
-            <p:cNvPicPr>
-              <a:picLocks noChangeAspect="1"/>
-            </p:cNvPicPr>
-            <p:nvPr/>
-          </p:nvPicPr>
-          <p:blipFill>
-            <a:blip r:embed="rId6"/>
-            <a:stretch>
-              <a:fillRect/>
-            </a:stretch>
-          </p:blipFill>
-          <p:spPr>
-            <a:xfrm>
-              <a:off x="3716508" y="5034964"/>
-              <a:ext cx="1188622" cy="1188622"/>
-            </a:xfrm>
-            <a:prstGeom prst="rect">
-              <a:avLst/>
-            </a:prstGeom>
-          </p:spPr>
-        </p:pic>
-        <p:pic>
-          <p:nvPicPr>
-            <p:cNvPr id="16" name="Picture 15" descr="A picture containing drawing, building, purple, window&#10;&#10;Description automatically generated">
-              <a:extLst>
-                <a:ext uri="{FF2B5EF4-FFF2-40B4-BE49-F238E27FC236}">
-                  <a16:creationId xmlns:a16="http://schemas.microsoft.com/office/drawing/2014/main" id="{02C05BCF-25E9-43C8-8E7C-A33F94455D1E}"/>
-                </a:ext>
-              </a:extLst>
-            </p:cNvPr>
-            <p:cNvPicPr>
-              <a:picLocks noChangeAspect="1"/>
-            </p:cNvPicPr>
-            <p:nvPr/>
-          </p:nvPicPr>
-          <p:blipFill>
-            <a:blip r:embed="rId7"/>
-            <a:stretch>
-              <a:fillRect/>
-            </a:stretch>
-          </p:blipFill>
-          <p:spPr>
-            <a:xfrm>
-              <a:off x="2521536" y="5034964"/>
-              <a:ext cx="1188622" cy="1188622"/>
-            </a:xfrm>
-            <a:prstGeom prst="rect">
-              <a:avLst/>
-            </a:prstGeom>
-          </p:spPr>
-        </p:pic>
-      </p:grpSp>
+        <p:txBody>
+          <a:bodyPr vert="horz" lIns="91440" tIns="45720" rIns="91440" bIns="45720" rtlCol="0" anchor="t">
+            <a:normAutofit fontScale="92500" lnSpcReduction="10000"/>
+          </a:bodyPr>
+          <a:lstStyle>
+            <a:lvl1pPr marL="306000" indent="-306000" algn="l" defTabSz="457200" rtl="0" eaLnBrk="1" latinLnBrk="0" hangingPunct="1">
+              <a:spcBef>
+                <a:spcPct val="20000"/>
+              </a:spcBef>
+              <a:spcAft>
+                <a:spcPts val="600"/>
+              </a:spcAft>
+              <a:buClr>
+                <a:schemeClr val="accent2"/>
+              </a:buClr>
+              <a:buSzPct val="92000"/>
+              <a:buFont typeface="Wingdings 2" charset="2"/>
+              <a:buChar char=""/>
+              <a:defRPr sz="1800" kern="1200">
+                <a:solidFill>
+                  <a:schemeClr val="tx2"/>
+                </a:solidFill>
+                <a:latin typeface="+mn-lt"/>
+                <a:ea typeface="+mn-ea"/>
+                <a:cs typeface="+mn-cs"/>
+              </a:defRPr>
+            </a:lvl1pPr>
+            <a:lvl2pPr marL="630000" indent="-306000" algn="l" defTabSz="457200" rtl="0" eaLnBrk="1" latinLnBrk="0" hangingPunct="1">
+              <a:spcBef>
+                <a:spcPct val="20000"/>
+              </a:spcBef>
+              <a:spcAft>
+                <a:spcPts val="600"/>
+              </a:spcAft>
+              <a:buClr>
+                <a:schemeClr val="accent2"/>
+              </a:buClr>
+              <a:buSzPct val="92000"/>
+              <a:buFont typeface="Wingdings 2" charset="2"/>
+              <a:buChar char=""/>
+              <a:defRPr sz="1600" kern="1200">
+                <a:solidFill>
+                  <a:schemeClr val="tx2"/>
+                </a:solidFill>
+                <a:latin typeface="+mn-lt"/>
+                <a:ea typeface="+mn-ea"/>
+                <a:cs typeface="+mn-cs"/>
+              </a:defRPr>
+            </a:lvl2pPr>
+            <a:lvl3pPr marL="900000" indent="-270000" algn="l" defTabSz="457200" rtl="0" eaLnBrk="1" latinLnBrk="0" hangingPunct="1">
+              <a:spcBef>
+                <a:spcPct val="20000"/>
+              </a:spcBef>
+              <a:spcAft>
+                <a:spcPts val="600"/>
+              </a:spcAft>
+              <a:buClr>
+                <a:schemeClr val="accent2"/>
+              </a:buClr>
+              <a:buSzPct val="92000"/>
+              <a:buFont typeface="Wingdings 2" charset="2"/>
+              <a:buChar char=""/>
+              <a:defRPr sz="1400" kern="1200">
+                <a:solidFill>
+                  <a:schemeClr val="tx2"/>
+                </a:solidFill>
+                <a:latin typeface="+mn-lt"/>
+                <a:ea typeface="+mn-ea"/>
+                <a:cs typeface="+mn-cs"/>
+              </a:defRPr>
+            </a:lvl3pPr>
+            <a:lvl4pPr marL="1242000" indent="-234000" algn="l" defTabSz="457200" rtl="0" eaLnBrk="1" latinLnBrk="0" hangingPunct="1">
+              <a:spcBef>
+                <a:spcPct val="20000"/>
+              </a:spcBef>
+              <a:spcAft>
+                <a:spcPts val="600"/>
+              </a:spcAft>
+              <a:buClr>
+                <a:schemeClr val="accent2"/>
+              </a:buClr>
+              <a:buSzPct val="92000"/>
+              <a:buFont typeface="Wingdings 2" charset="2"/>
+              <a:buChar char=""/>
+              <a:defRPr sz="1200" kern="1200">
+                <a:solidFill>
+                  <a:schemeClr val="tx2"/>
+                </a:solidFill>
+                <a:latin typeface="+mn-lt"/>
+                <a:ea typeface="+mn-ea"/>
+                <a:cs typeface="+mn-cs"/>
+              </a:defRPr>
+            </a:lvl4pPr>
+            <a:lvl5pPr marL="1602000" indent="-234000" algn="l" defTabSz="457200" rtl="0" eaLnBrk="1" latinLnBrk="0" hangingPunct="1">
+              <a:spcBef>
+                <a:spcPct val="20000"/>
+              </a:spcBef>
+              <a:spcAft>
+                <a:spcPts val="600"/>
+              </a:spcAft>
+              <a:buClr>
+                <a:schemeClr val="accent2"/>
+              </a:buClr>
+              <a:buSzPct val="92000"/>
+              <a:buFont typeface="Wingdings 2" charset="2"/>
+              <a:buChar char=""/>
+              <a:defRPr sz="1200" kern="1200">
+                <a:solidFill>
+                  <a:schemeClr val="tx2"/>
+                </a:solidFill>
+                <a:latin typeface="+mn-lt"/>
+                <a:ea typeface="+mn-ea"/>
+                <a:cs typeface="+mn-cs"/>
+              </a:defRPr>
+            </a:lvl5pPr>
+            <a:lvl6pPr marL="1900000" indent="-228600" algn="l" defTabSz="457200" rtl="0" eaLnBrk="1" latinLnBrk="0" hangingPunct="1">
+              <a:spcBef>
+                <a:spcPct val="20000"/>
+              </a:spcBef>
+              <a:spcAft>
+                <a:spcPts val="600"/>
+              </a:spcAft>
+              <a:buClr>
+                <a:schemeClr val="accent2"/>
+              </a:buClr>
+              <a:buSzPct val="92000"/>
+              <a:buFont typeface="Wingdings 2" charset="2"/>
+              <a:buChar char=""/>
+              <a:defRPr sz="1200" kern="1200">
+                <a:solidFill>
+                  <a:schemeClr val="tx2"/>
+                </a:solidFill>
+                <a:latin typeface="+mn-lt"/>
+                <a:ea typeface="+mn-ea"/>
+                <a:cs typeface="+mn-cs"/>
+              </a:defRPr>
+            </a:lvl6pPr>
+            <a:lvl7pPr marL="2200000" indent="-228600" algn="l" defTabSz="457200" rtl="0" eaLnBrk="1" latinLnBrk="0" hangingPunct="1">
+              <a:spcBef>
+                <a:spcPct val="20000"/>
+              </a:spcBef>
+              <a:spcAft>
+                <a:spcPts val="600"/>
+              </a:spcAft>
+              <a:buClr>
+                <a:schemeClr val="accent2"/>
+              </a:buClr>
+              <a:buSzPct val="92000"/>
+              <a:buFont typeface="Wingdings 2" charset="2"/>
+              <a:buChar char=""/>
+              <a:defRPr sz="1200" kern="1200">
+                <a:solidFill>
+                  <a:schemeClr val="tx2"/>
+                </a:solidFill>
+                <a:latin typeface="+mn-lt"/>
+                <a:ea typeface="+mn-ea"/>
+                <a:cs typeface="+mn-cs"/>
+              </a:defRPr>
+            </a:lvl7pPr>
+            <a:lvl8pPr marL="2500000" indent="-228600" algn="l" defTabSz="457200" rtl="0" eaLnBrk="1" latinLnBrk="0" hangingPunct="1">
+              <a:spcBef>
+                <a:spcPct val="20000"/>
+              </a:spcBef>
+              <a:spcAft>
+                <a:spcPts val="600"/>
+              </a:spcAft>
+              <a:buClr>
+                <a:schemeClr val="accent2"/>
+              </a:buClr>
+              <a:buSzPct val="92000"/>
+              <a:buFont typeface="Wingdings 2" charset="2"/>
+              <a:buChar char=""/>
+              <a:defRPr sz="1200" kern="1200">
+                <a:solidFill>
+                  <a:schemeClr val="tx2"/>
+                </a:solidFill>
+                <a:latin typeface="+mn-lt"/>
+                <a:ea typeface="+mn-ea"/>
+                <a:cs typeface="+mn-cs"/>
+              </a:defRPr>
+            </a:lvl8pPr>
+            <a:lvl9pPr marL="2800000" indent="-228600" algn="l" defTabSz="457200" rtl="0" eaLnBrk="1" latinLnBrk="0" hangingPunct="1">
+              <a:spcBef>
+                <a:spcPct val="20000"/>
+              </a:spcBef>
+              <a:spcAft>
+                <a:spcPts val="600"/>
+              </a:spcAft>
+              <a:buClr>
+                <a:schemeClr val="accent2"/>
+              </a:buClr>
+              <a:buSzPct val="92000"/>
+              <a:buFont typeface="Wingdings 2" panose="05020102010507070707" pitchFamily="18" charset="2"/>
+              <a:buChar char=""/>
+              <a:defRPr sz="1200" kern="1200">
+                <a:solidFill>
+                  <a:schemeClr val="tx2"/>
+                </a:solidFill>
+                <a:latin typeface="+mn-lt"/>
+                <a:ea typeface="+mn-ea"/>
+                <a:cs typeface="+mn-cs"/>
+              </a:defRPr>
+            </a:lvl9pPr>
+          </a:lstStyle>
+          <a:p>
+            <a:pPr marL="0" indent="0" algn="r">
+              <a:buNone/>
+            </a:pPr>
+            <a:r>
+              <a:rPr lang="en-US" sz="3200" dirty="0"/>
+              <a:t>PRIME LESSONS</a:t>
+            </a:r>
+          </a:p>
+        </p:txBody>
+      </p:sp>
     </p:spTree>
     <p:extLst>
       <p:ext uri="{BB962C8B-B14F-4D97-AF65-F5344CB8AC3E}">
-        <p14:creationId xmlns:p14="http://schemas.microsoft.com/office/powerpoint/2010/main" val="2462555266"/>
+        <p14:creationId xmlns:p14="http://schemas.microsoft.com/office/powerpoint/2010/main" val="2794026746"/>
       </p:ext>
     </p:extLst>
   </p:cSld>
@@ -1576,7 +1665,7 @@
           <a:p>
             <a:r>
               <a:rPr lang="en-US"/>
-              <a:t>Copyright © 2020 SPIKE Prime Lessons (primelessons.org) CC-BY-NC-SA.  (Last edit: 1/9/2020)</a:t>
+              <a:t>Copyright © 2020 Prime Lessons (primelessons.org) CC-BY-NC-SA.  (Last edit: 12/14/2020)</a:t>
             </a:r>
             <a:endParaRPr lang="en-US" dirty="0"/>
           </a:p>
@@ -1616,7 +1705,7 @@
     </p:spTree>
     <p:extLst>
       <p:ext uri="{BB962C8B-B14F-4D97-AF65-F5344CB8AC3E}">
-        <p14:creationId xmlns:p14="http://schemas.microsoft.com/office/powerpoint/2010/main" val="383043856"/>
+        <p14:creationId xmlns:p14="http://schemas.microsoft.com/office/powerpoint/2010/main" val="2510156435"/>
       </p:ext>
     </p:extLst>
   </p:cSld>
@@ -1830,7 +1919,7 @@
           <a:p>
             <a:r>
               <a:rPr lang="en-US"/>
-              <a:t>Copyright © 2020 SPIKE Prime Lessons (primelessons.org) CC-BY-NC-SA.  (Last edit: 1/9/2020)</a:t>
+              <a:t>Copyright © 2020 Prime Lessons (primelessons.org) CC-BY-NC-SA.  (Last edit: 12/14/2020)</a:t>
             </a:r>
             <a:endParaRPr lang="en-US" dirty="0"/>
           </a:p>
@@ -1881,7 +1970,1328 @@
     </p:spTree>
     <p:extLst>
       <p:ext uri="{BB962C8B-B14F-4D97-AF65-F5344CB8AC3E}">
-        <p14:creationId xmlns:p14="http://schemas.microsoft.com/office/powerpoint/2010/main" val="103737683"/>
+        <p14:creationId xmlns:p14="http://schemas.microsoft.com/office/powerpoint/2010/main" val="3270334755"/>
+      </p:ext>
+    </p:extLst>
+  </p:cSld>
+  <p:clrMapOvr>
+    <a:masterClrMapping/>
+  </p:clrMapOvr>
+</p:sldLayout>
+</file>
+
+<file path=ppt/slideLayouts/slideLayout12.xml><?xml version="1.0" encoding="utf-8"?>
+<p:sldLayout xmlns:a="http://schemas.openxmlformats.org/drawingml/2006/main" xmlns:r="http://schemas.openxmlformats.org/officeDocument/2006/relationships" xmlns:p="http://schemas.openxmlformats.org/presentationml/2006/main" preserve="1" userDrawn="1">
+  <p:cSld name="1_Two Content">
+    <p:spTree>
+      <p:nvGrpSpPr>
+        <p:cNvPr id="1" name=""/>
+        <p:cNvGrpSpPr/>
+        <p:nvPr/>
+      </p:nvGrpSpPr>
+      <p:grpSpPr>
+        <a:xfrm>
+          <a:off x="0" y="0"/>
+          <a:ext cx="0" cy="0"/>
+          <a:chOff x="0" y="0"/>
+          <a:chExt cx="0" cy="0"/>
+        </a:xfrm>
+      </p:grpSpPr>
+      <p:sp>
+        <p:nvSpPr>
+          <p:cNvPr id="3" name="Content Placeholder 2"/>
+          <p:cNvSpPr>
+            <a:spLocks noGrp="1"/>
+          </p:cNvSpPr>
+          <p:nvPr>
+            <p:ph sz="half" idx="1"/>
+          </p:nvPr>
+        </p:nvSpPr>
+        <p:spPr>
+          <a:xfrm>
+            <a:off x="142200" y="1174924"/>
+            <a:ext cx="4185204" cy="4967864"/>
+          </a:xfrm>
+        </p:spPr>
+        <p:txBody>
+          <a:bodyPr>
+            <a:normAutofit/>
+          </a:bodyPr>
+          <a:lstStyle>
+            <a:lvl1pPr algn="l">
+              <a:defRPr/>
+            </a:lvl1pPr>
+            <a:lvl2pPr algn="l">
+              <a:defRPr/>
+            </a:lvl2pPr>
+            <a:lvl3pPr algn="l">
+              <a:defRPr/>
+            </a:lvl3pPr>
+            <a:lvl4pPr algn="l">
+              <a:defRPr/>
+            </a:lvl4pPr>
+            <a:lvl5pPr algn="l">
+              <a:defRPr/>
+            </a:lvl5pPr>
+          </a:lstStyle>
+          <a:p>
+            <a:pPr lvl="0"/>
+            <a:r>
+              <a:rPr lang="en-US"/>
+              <a:t>Click to edit Master text styles</a:t>
+            </a:r>
+          </a:p>
+          <a:p>
+            <a:pPr lvl="1"/>
+            <a:r>
+              <a:rPr lang="en-US"/>
+              <a:t>Second level</a:t>
+            </a:r>
+          </a:p>
+          <a:p>
+            <a:pPr lvl="2"/>
+            <a:r>
+              <a:rPr lang="en-US"/>
+              <a:t>Third level</a:t>
+            </a:r>
+          </a:p>
+          <a:p>
+            <a:pPr lvl="3"/>
+            <a:r>
+              <a:rPr lang="en-US"/>
+              <a:t>Fourth level</a:t>
+            </a:r>
+          </a:p>
+          <a:p>
+            <a:pPr lvl="4"/>
+            <a:r>
+              <a:rPr lang="en-US"/>
+              <a:t>Fifth level</a:t>
+            </a:r>
+            <a:endParaRPr lang="en-US" dirty="0"/>
+          </a:p>
+        </p:txBody>
+      </p:sp>
+      <p:sp>
+        <p:nvSpPr>
+          <p:cNvPr id="4" name="Content Placeholder 3"/>
+          <p:cNvSpPr>
+            <a:spLocks noGrp="1"/>
+          </p:cNvSpPr>
+          <p:nvPr>
+            <p:ph sz="half" idx="2"/>
+          </p:nvPr>
+        </p:nvSpPr>
+        <p:spPr>
+          <a:xfrm>
+            <a:off x="4757752" y="1177439"/>
+            <a:ext cx="4226411" cy="4967864"/>
+          </a:xfrm>
+        </p:spPr>
+        <p:txBody>
+          <a:bodyPr>
+            <a:normAutofit/>
+          </a:bodyPr>
+          <a:lstStyle>
+            <a:lvl1pPr algn="l">
+              <a:defRPr/>
+            </a:lvl1pPr>
+            <a:lvl2pPr algn="l">
+              <a:defRPr/>
+            </a:lvl2pPr>
+            <a:lvl3pPr algn="l">
+              <a:defRPr/>
+            </a:lvl3pPr>
+            <a:lvl4pPr algn="l">
+              <a:defRPr/>
+            </a:lvl4pPr>
+            <a:lvl5pPr algn="l">
+              <a:defRPr/>
+            </a:lvl5pPr>
+          </a:lstStyle>
+          <a:p>
+            <a:pPr lvl="0"/>
+            <a:r>
+              <a:rPr lang="en-US"/>
+              <a:t>Click to edit Master text styles</a:t>
+            </a:r>
+          </a:p>
+          <a:p>
+            <a:pPr lvl="1"/>
+            <a:r>
+              <a:rPr lang="en-US"/>
+              <a:t>Second level</a:t>
+            </a:r>
+          </a:p>
+          <a:p>
+            <a:pPr lvl="2"/>
+            <a:r>
+              <a:rPr lang="en-US"/>
+              <a:t>Third level</a:t>
+            </a:r>
+          </a:p>
+          <a:p>
+            <a:pPr lvl="3"/>
+            <a:r>
+              <a:rPr lang="en-US"/>
+              <a:t>Fourth level</a:t>
+            </a:r>
+          </a:p>
+          <a:p>
+            <a:pPr lvl="4"/>
+            <a:r>
+              <a:rPr lang="en-US"/>
+              <a:t>Fifth level</a:t>
+            </a:r>
+            <a:endParaRPr lang="en-US" dirty="0"/>
+          </a:p>
+        </p:txBody>
+      </p:sp>
+      <p:sp>
+        <p:nvSpPr>
+          <p:cNvPr id="9" name="Footer Placeholder 4">
+            <a:extLst>
+              <a:ext uri="{FF2B5EF4-FFF2-40B4-BE49-F238E27FC236}">
+                <a16:creationId xmlns:a16="http://schemas.microsoft.com/office/drawing/2014/main" id="{593A4B09-24AC-454E-8A0C-D31EDE125503}"/>
+              </a:ext>
+            </a:extLst>
+          </p:cNvPr>
+          <p:cNvSpPr>
+            <a:spLocks noGrp="1"/>
+          </p:cNvSpPr>
+          <p:nvPr>
+            <p:ph type="ftr" sz="quarter" idx="11"/>
+          </p:nvPr>
+        </p:nvSpPr>
+        <p:spPr>
+          <a:xfrm>
+            <a:off x="88409" y="6266485"/>
+            <a:ext cx="4870585" cy="365125"/>
+          </a:xfrm>
+          <a:prstGeom prst="rect">
+            <a:avLst/>
+          </a:prstGeom>
+        </p:spPr>
+        <p:txBody>
+          <a:bodyPr/>
+          <a:lstStyle/>
+          <a:p>
+            <a:r>
+              <a:rPr lang="en-US"/>
+              <a:t>Copyright © 2020 Prime Lessons (primelessons.org) CC-BY-NC-SA.  (Last edit: 12/14/2020)</a:t>
+            </a:r>
+            <a:endParaRPr lang="en-US" dirty="0"/>
+          </a:p>
+        </p:txBody>
+      </p:sp>
+      <p:sp>
+        <p:nvSpPr>
+          <p:cNvPr id="10" name="Slide Number Placeholder 5">
+            <a:extLst>
+              <a:ext uri="{FF2B5EF4-FFF2-40B4-BE49-F238E27FC236}">
+                <a16:creationId xmlns:a16="http://schemas.microsoft.com/office/drawing/2014/main" id="{24EC4D01-901A-4258-A65D-27A4329F0F2D}"/>
+              </a:ext>
+            </a:extLst>
+          </p:cNvPr>
+          <p:cNvSpPr>
+            <a:spLocks noGrp="1"/>
+          </p:cNvSpPr>
+          <p:nvPr>
+            <p:ph type="sldNum" sz="quarter" idx="12"/>
+          </p:nvPr>
+        </p:nvSpPr>
+        <p:spPr>
+          <a:xfrm>
+            <a:off x="8236372" y="6280641"/>
+            <a:ext cx="770468" cy="365125"/>
+          </a:xfrm>
+          <a:prstGeom prst="rect">
+            <a:avLst/>
+          </a:prstGeom>
+        </p:spPr>
+        <p:txBody>
+          <a:bodyPr/>
+          <a:lstStyle/>
+          <a:p>
+            <a:fld id="{BBD74847-7BE4-4E4D-8159-51DF7B93C616}" type="slidenum">
+              <a:rPr lang="en-US" smtClean="0"/>
+              <a:t>‹#›</a:t>
+            </a:fld>
+            <a:endParaRPr lang="en-US"/>
+          </a:p>
+        </p:txBody>
+      </p:sp>
+      <p:cxnSp>
+        <p:nvCxnSpPr>
+          <p:cNvPr id="11" name="Straight Connector 10">
+            <a:extLst>
+              <a:ext uri="{FF2B5EF4-FFF2-40B4-BE49-F238E27FC236}">
+                <a16:creationId xmlns:a16="http://schemas.microsoft.com/office/drawing/2014/main" id="{BE3A7F9C-E99E-44C1-89A0-A6ED28ADCEF0}"/>
+              </a:ext>
+            </a:extLst>
+          </p:cNvPr>
+          <p:cNvCxnSpPr/>
+          <p:nvPr userDrawn="1"/>
+        </p:nvCxnSpPr>
+        <p:spPr>
+          <a:xfrm>
+            <a:off x="175260" y="6316935"/>
+            <a:ext cx="8831580" cy="0"/>
+          </a:xfrm>
+          <a:prstGeom prst="line">
+            <a:avLst/>
+          </a:prstGeom>
+        </p:spPr>
+        <p:style>
+          <a:lnRef idx="1">
+            <a:schemeClr val="dk1"/>
+          </a:lnRef>
+          <a:fillRef idx="0">
+            <a:schemeClr val="dk1"/>
+          </a:fillRef>
+          <a:effectRef idx="0">
+            <a:schemeClr val="dk1"/>
+          </a:effectRef>
+          <a:fontRef idx="minor">
+            <a:schemeClr val="tx1"/>
+          </a:fontRef>
+        </p:style>
+      </p:cxnSp>
+      <p:sp>
+        <p:nvSpPr>
+          <p:cNvPr id="15" name="Rectangle 14">
+            <a:extLst>
+              <a:ext uri="{FF2B5EF4-FFF2-40B4-BE49-F238E27FC236}">
+                <a16:creationId xmlns:a16="http://schemas.microsoft.com/office/drawing/2014/main" id="{8F86C8F5-3CD8-41C6-A6C4-EF53AE7214CB}"/>
+              </a:ext>
+            </a:extLst>
+          </p:cNvPr>
+          <p:cNvSpPr>
+            <a:spLocks noChangeAspect="1"/>
+          </p:cNvSpPr>
+          <p:nvPr userDrawn="1"/>
+        </p:nvSpPr>
+        <p:spPr>
+          <a:xfrm>
+            <a:off x="142200" y="249101"/>
+            <a:ext cx="8831579" cy="840455"/>
+          </a:xfrm>
+          <a:prstGeom prst="rect">
+            <a:avLst/>
+          </a:prstGeom>
+          <a:solidFill>
+            <a:schemeClr val="accent1"/>
+          </a:solidFill>
+          <a:ln>
+            <a:noFill/>
+          </a:ln>
+          <a:effectLst/>
+        </p:spPr>
+        <p:style>
+          <a:lnRef idx="1">
+            <a:schemeClr val="accent1"/>
+          </a:lnRef>
+          <a:fillRef idx="3">
+            <a:schemeClr val="accent1"/>
+          </a:fillRef>
+          <a:effectRef idx="2">
+            <a:schemeClr val="accent1"/>
+          </a:effectRef>
+          <a:fontRef idx="minor">
+            <a:schemeClr val="lt1"/>
+          </a:fontRef>
+        </p:style>
+        <p:txBody>
+          <a:bodyPr/>
+          <a:lstStyle/>
+          <a:p>
+            <a:endParaRPr lang="en-US" dirty="0"/>
+          </a:p>
+        </p:txBody>
+      </p:sp>
+      <p:sp>
+        <p:nvSpPr>
+          <p:cNvPr id="16" name="Title 1">
+            <a:extLst>
+              <a:ext uri="{FF2B5EF4-FFF2-40B4-BE49-F238E27FC236}">
+                <a16:creationId xmlns:a16="http://schemas.microsoft.com/office/drawing/2014/main" id="{389BF07E-558D-420A-943A-465BCC22754A}"/>
+              </a:ext>
+            </a:extLst>
+          </p:cNvPr>
+          <p:cNvSpPr>
+            <a:spLocks noGrp="1"/>
+          </p:cNvSpPr>
+          <p:nvPr>
+            <p:ph type="title"/>
+          </p:nvPr>
+        </p:nvSpPr>
+        <p:spPr>
+          <a:xfrm>
+            <a:off x="175260" y="292975"/>
+            <a:ext cx="8746864" cy="752706"/>
+          </a:xfrm>
+        </p:spPr>
+        <p:txBody>
+          <a:bodyPr anchor="t"/>
+          <a:lstStyle>
+            <a:lvl1pPr>
+              <a:defRPr>
+                <a:solidFill>
+                  <a:schemeClr val="tx1"/>
+                </a:solidFill>
+              </a:defRPr>
+            </a:lvl1pPr>
+          </a:lstStyle>
+          <a:p>
+            <a:r>
+              <a:rPr lang="en-US" dirty="0"/>
+              <a:t>Click to edit Master title style</a:t>
+            </a:r>
+          </a:p>
+        </p:txBody>
+      </p:sp>
+    </p:spTree>
+    <p:extLst>
+      <p:ext uri="{BB962C8B-B14F-4D97-AF65-F5344CB8AC3E}">
+        <p14:creationId xmlns:p14="http://schemas.microsoft.com/office/powerpoint/2010/main" val="2698762354"/>
+      </p:ext>
+    </p:extLst>
+  </p:cSld>
+  <p:clrMapOvr>
+    <a:masterClrMapping/>
+  </p:clrMapOvr>
+</p:sldLayout>
+</file>
+
+<file path=ppt/slideLayouts/slideLayout13.xml><?xml version="1.0" encoding="utf-8"?>
+<p:sldLayout xmlns:a="http://schemas.openxmlformats.org/drawingml/2006/main" xmlns:r="http://schemas.openxmlformats.org/officeDocument/2006/relationships" xmlns:p="http://schemas.openxmlformats.org/presentationml/2006/main" preserve="1" userDrawn="1">
+  <p:cSld name="1_Comparison">
+    <p:spTree>
+      <p:nvGrpSpPr>
+        <p:cNvPr id="1" name=""/>
+        <p:cNvGrpSpPr/>
+        <p:nvPr/>
+      </p:nvGrpSpPr>
+      <p:grpSpPr>
+        <a:xfrm>
+          <a:off x="0" y="0"/>
+          <a:ext cx="0" cy="0"/>
+          <a:chOff x="0" y="0"/>
+          <a:chExt cx="0" cy="0"/>
+        </a:xfrm>
+      </p:grpSpPr>
+      <p:sp>
+        <p:nvSpPr>
+          <p:cNvPr id="3" name="Text Placeholder 2"/>
+          <p:cNvSpPr>
+            <a:spLocks noGrp="1"/>
+          </p:cNvSpPr>
+          <p:nvPr>
+            <p:ph type="body" idx="1"/>
+          </p:nvPr>
+        </p:nvSpPr>
+        <p:spPr>
+          <a:xfrm>
+            <a:off x="887219" y="2228003"/>
+            <a:ext cx="3593500" cy="576262"/>
+          </a:xfrm>
+        </p:spPr>
+        <p:txBody>
+          <a:bodyPr anchor="b">
+            <a:noAutofit/>
+          </a:bodyPr>
+          <a:lstStyle>
+            <a:lvl1pPr marL="0" indent="0">
+              <a:buNone/>
+              <a:defRPr sz="2200" b="0">
+                <a:solidFill>
+                  <a:schemeClr val="accent2"/>
+                </a:solidFill>
+              </a:defRPr>
+            </a:lvl1pPr>
+            <a:lvl2pPr marL="457200" indent="0">
+              <a:buNone/>
+              <a:defRPr sz="2000" b="1"/>
+            </a:lvl2pPr>
+            <a:lvl3pPr marL="914400" indent="0">
+              <a:buNone/>
+              <a:defRPr sz="1800" b="1"/>
+            </a:lvl3pPr>
+            <a:lvl4pPr marL="1371600" indent="0">
+              <a:buNone/>
+              <a:defRPr sz="1600" b="1"/>
+            </a:lvl4pPr>
+            <a:lvl5pPr marL="1828800" indent="0">
+              <a:buNone/>
+              <a:defRPr sz="1600" b="1"/>
+            </a:lvl5pPr>
+            <a:lvl6pPr marL="2286000" indent="0">
+              <a:buNone/>
+              <a:defRPr sz="1600" b="1"/>
+            </a:lvl6pPr>
+            <a:lvl7pPr marL="2743200" indent="0">
+              <a:buNone/>
+              <a:defRPr sz="1600" b="1"/>
+            </a:lvl7pPr>
+            <a:lvl8pPr marL="3200400" indent="0">
+              <a:buNone/>
+              <a:defRPr sz="1600" b="1"/>
+            </a:lvl8pPr>
+            <a:lvl9pPr marL="3657600" indent="0">
+              <a:buNone/>
+              <a:defRPr sz="1600" b="1"/>
+            </a:lvl9pPr>
+          </a:lstStyle>
+          <a:p>
+            <a:pPr lvl="0"/>
+            <a:r>
+              <a:rPr lang="en-US"/>
+              <a:t>Click to edit Master text styles</a:t>
+            </a:r>
+          </a:p>
+        </p:txBody>
+      </p:sp>
+      <p:sp>
+        <p:nvSpPr>
+          <p:cNvPr id="4" name="Content Placeholder 3"/>
+          <p:cNvSpPr>
+            <a:spLocks noGrp="1"/>
+          </p:cNvSpPr>
+          <p:nvPr>
+            <p:ph sz="half" idx="2"/>
+          </p:nvPr>
+        </p:nvSpPr>
+        <p:spPr>
+          <a:xfrm>
+            <a:off x="581192" y="2926051"/>
+            <a:ext cx="3899527" cy="2934999"/>
+          </a:xfrm>
+        </p:spPr>
+        <p:txBody>
+          <a:bodyPr anchor="t">
+            <a:normAutofit/>
+          </a:bodyPr>
+          <a:lstStyle/>
+          <a:p>
+            <a:pPr lvl="0"/>
+            <a:r>
+              <a:rPr lang="en-US"/>
+              <a:t>Click to edit Master text styles</a:t>
+            </a:r>
+          </a:p>
+          <a:p>
+            <a:pPr lvl="1"/>
+            <a:r>
+              <a:rPr lang="en-US"/>
+              <a:t>Second level</a:t>
+            </a:r>
+          </a:p>
+          <a:p>
+            <a:pPr lvl="2"/>
+            <a:r>
+              <a:rPr lang="en-US"/>
+              <a:t>Third level</a:t>
+            </a:r>
+          </a:p>
+          <a:p>
+            <a:pPr lvl="3"/>
+            <a:r>
+              <a:rPr lang="en-US"/>
+              <a:t>Fourth level</a:t>
+            </a:r>
+          </a:p>
+          <a:p>
+            <a:pPr lvl="4"/>
+            <a:r>
+              <a:rPr lang="en-US"/>
+              <a:t>Fifth level</a:t>
+            </a:r>
+            <a:endParaRPr lang="en-US" dirty="0"/>
+          </a:p>
+        </p:txBody>
+      </p:sp>
+      <p:sp>
+        <p:nvSpPr>
+          <p:cNvPr id="5" name="Text Placeholder 4"/>
+          <p:cNvSpPr>
+            <a:spLocks noGrp="1"/>
+          </p:cNvSpPr>
+          <p:nvPr>
+            <p:ph type="body" sz="quarter" idx="3"/>
+          </p:nvPr>
+        </p:nvSpPr>
+        <p:spPr>
+          <a:xfrm>
+            <a:off x="4969308" y="2228003"/>
+            <a:ext cx="3601635" cy="576262"/>
+          </a:xfrm>
+        </p:spPr>
+        <p:txBody>
+          <a:bodyPr anchor="b">
+            <a:noAutofit/>
+          </a:bodyPr>
+          <a:lstStyle>
+            <a:lvl1pPr marL="0" indent="0">
+              <a:buNone/>
+              <a:defRPr sz="2200" b="0">
+                <a:solidFill>
+                  <a:schemeClr val="accent2"/>
+                </a:solidFill>
+              </a:defRPr>
+            </a:lvl1pPr>
+            <a:lvl2pPr marL="457200" indent="0">
+              <a:buNone/>
+              <a:defRPr sz="2000" b="1"/>
+            </a:lvl2pPr>
+            <a:lvl3pPr marL="914400" indent="0">
+              <a:buNone/>
+              <a:defRPr sz="1800" b="1"/>
+            </a:lvl3pPr>
+            <a:lvl4pPr marL="1371600" indent="0">
+              <a:buNone/>
+              <a:defRPr sz="1600" b="1"/>
+            </a:lvl4pPr>
+            <a:lvl5pPr marL="1828800" indent="0">
+              <a:buNone/>
+              <a:defRPr sz="1600" b="1"/>
+            </a:lvl5pPr>
+            <a:lvl6pPr marL="2286000" indent="0">
+              <a:buNone/>
+              <a:defRPr sz="1600" b="1"/>
+            </a:lvl6pPr>
+            <a:lvl7pPr marL="2743200" indent="0">
+              <a:buNone/>
+              <a:defRPr sz="1600" b="1"/>
+            </a:lvl7pPr>
+            <a:lvl8pPr marL="3200400" indent="0">
+              <a:buNone/>
+              <a:defRPr sz="1600" b="1"/>
+            </a:lvl8pPr>
+            <a:lvl9pPr marL="3657600" indent="0">
+              <a:buNone/>
+              <a:defRPr sz="1600" b="1"/>
+            </a:lvl9pPr>
+          </a:lstStyle>
+          <a:p>
+            <a:pPr lvl="0"/>
+            <a:r>
+              <a:rPr lang="en-US"/>
+              <a:t>Click to edit Master text styles</a:t>
+            </a:r>
+          </a:p>
+        </p:txBody>
+      </p:sp>
+      <p:sp>
+        <p:nvSpPr>
+          <p:cNvPr id="6" name="Content Placeholder 5"/>
+          <p:cNvSpPr>
+            <a:spLocks noGrp="1"/>
+          </p:cNvSpPr>
+          <p:nvPr>
+            <p:ph sz="quarter" idx="4"/>
+          </p:nvPr>
+        </p:nvSpPr>
+        <p:spPr>
+          <a:xfrm>
+            <a:off x="4663282" y="2926051"/>
+            <a:ext cx="3907662" cy="2934999"/>
+          </a:xfrm>
+        </p:spPr>
+        <p:txBody>
+          <a:bodyPr anchor="t">
+            <a:normAutofit/>
+          </a:bodyPr>
+          <a:lstStyle/>
+          <a:p>
+            <a:pPr lvl="0"/>
+            <a:r>
+              <a:rPr lang="en-US"/>
+              <a:t>Click to edit Master text styles</a:t>
+            </a:r>
+          </a:p>
+          <a:p>
+            <a:pPr lvl="1"/>
+            <a:r>
+              <a:rPr lang="en-US"/>
+              <a:t>Second level</a:t>
+            </a:r>
+          </a:p>
+          <a:p>
+            <a:pPr lvl="2"/>
+            <a:r>
+              <a:rPr lang="en-US"/>
+              <a:t>Third level</a:t>
+            </a:r>
+          </a:p>
+          <a:p>
+            <a:pPr lvl="3"/>
+            <a:r>
+              <a:rPr lang="en-US"/>
+              <a:t>Fourth level</a:t>
+            </a:r>
+          </a:p>
+          <a:p>
+            <a:pPr lvl="4"/>
+            <a:r>
+              <a:rPr lang="en-US"/>
+              <a:t>Fifth level</a:t>
+            </a:r>
+            <a:endParaRPr lang="en-US" dirty="0"/>
+          </a:p>
+        </p:txBody>
+      </p:sp>
+      <p:sp>
+        <p:nvSpPr>
+          <p:cNvPr id="7" name="Date Placeholder 6"/>
+          <p:cNvSpPr>
+            <a:spLocks noGrp="1"/>
+          </p:cNvSpPr>
+          <p:nvPr>
+            <p:ph type="dt" sz="half" idx="10"/>
+          </p:nvPr>
+        </p:nvSpPr>
+        <p:spPr>
+          <a:xfrm>
+            <a:off x="5559327" y="5956136"/>
+            <a:ext cx="2133600" cy="365125"/>
+          </a:xfrm>
+          <a:prstGeom prst="rect">
+            <a:avLst/>
+          </a:prstGeom>
+        </p:spPr>
+        <p:txBody>
+          <a:bodyPr/>
+          <a:lstStyle/>
+          <a:p>
+            <a:endParaRPr lang="en-US"/>
+          </a:p>
+        </p:txBody>
+      </p:sp>
+      <p:sp>
+        <p:nvSpPr>
+          <p:cNvPr id="8" name="Footer Placeholder 7"/>
+          <p:cNvSpPr>
+            <a:spLocks noGrp="1"/>
+          </p:cNvSpPr>
+          <p:nvPr>
+            <p:ph type="ftr" sz="quarter" idx="11"/>
+          </p:nvPr>
+        </p:nvSpPr>
+        <p:spPr>
+          <a:xfrm>
+            <a:off x="581192" y="5951810"/>
+            <a:ext cx="4870585" cy="365125"/>
+          </a:xfrm>
+          <a:prstGeom prst="rect">
+            <a:avLst/>
+          </a:prstGeom>
+        </p:spPr>
+        <p:txBody>
+          <a:bodyPr/>
+          <a:lstStyle/>
+          <a:p>
+            <a:r>
+              <a:rPr lang="en-US"/>
+              <a:t>Copyright © 2020 Prime Lessons (primelessons.org) CC-BY-NC-SA.  (Last edit: 12/14/2020)</a:t>
+            </a:r>
+            <a:endParaRPr lang="en-US" dirty="0"/>
+          </a:p>
+        </p:txBody>
+      </p:sp>
+      <p:sp>
+        <p:nvSpPr>
+          <p:cNvPr id="9" name="Slide Number Placeholder 8"/>
+          <p:cNvSpPr>
+            <a:spLocks noGrp="1"/>
+          </p:cNvSpPr>
+          <p:nvPr>
+            <p:ph type="sldNum" sz="quarter" idx="12"/>
+          </p:nvPr>
+        </p:nvSpPr>
+        <p:spPr>
+          <a:xfrm>
+            <a:off x="7800476" y="5956136"/>
+            <a:ext cx="770468" cy="365125"/>
+          </a:xfrm>
+          <a:prstGeom prst="rect">
+            <a:avLst/>
+          </a:prstGeom>
+        </p:spPr>
+        <p:txBody>
+          <a:bodyPr/>
+          <a:lstStyle/>
+          <a:p>
+            <a:fld id="{BBD74847-7BE4-4E4D-8159-51DF7B93C616}" type="slidenum">
+              <a:rPr lang="en-US" smtClean="0"/>
+              <a:t>‹#›</a:t>
+            </a:fld>
+            <a:endParaRPr lang="en-US"/>
+          </a:p>
+        </p:txBody>
+      </p:sp>
+      <p:sp>
+        <p:nvSpPr>
+          <p:cNvPr id="14" name="Rectangle 13">
+            <a:extLst>
+              <a:ext uri="{FF2B5EF4-FFF2-40B4-BE49-F238E27FC236}">
+                <a16:creationId xmlns:a16="http://schemas.microsoft.com/office/drawing/2014/main" id="{4E7E6853-34E8-4052-808F-422B5860D591}"/>
+              </a:ext>
+            </a:extLst>
+          </p:cNvPr>
+          <p:cNvSpPr>
+            <a:spLocks noChangeAspect="1"/>
+          </p:cNvSpPr>
+          <p:nvPr userDrawn="1"/>
+        </p:nvSpPr>
+        <p:spPr>
+          <a:xfrm>
+            <a:off x="142200" y="249101"/>
+            <a:ext cx="8831579" cy="840455"/>
+          </a:xfrm>
+          <a:prstGeom prst="rect">
+            <a:avLst/>
+          </a:prstGeom>
+          <a:solidFill>
+            <a:schemeClr val="accent1"/>
+          </a:solidFill>
+          <a:ln>
+            <a:noFill/>
+          </a:ln>
+          <a:effectLst/>
+        </p:spPr>
+        <p:style>
+          <a:lnRef idx="1">
+            <a:schemeClr val="accent1"/>
+          </a:lnRef>
+          <a:fillRef idx="3">
+            <a:schemeClr val="accent1"/>
+          </a:fillRef>
+          <a:effectRef idx="2">
+            <a:schemeClr val="accent1"/>
+          </a:effectRef>
+          <a:fontRef idx="minor">
+            <a:schemeClr val="lt1"/>
+          </a:fontRef>
+        </p:style>
+        <p:txBody>
+          <a:bodyPr/>
+          <a:lstStyle/>
+          <a:p>
+            <a:endParaRPr lang="en-US" dirty="0"/>
+          </a:p>
+        </p:txBody>
+      </p:sp>
+      <p:sp>
+        <p:nvSpPr>
+          <p:cNvPr id="15" name="Title 1">
+            <a:extLst>
+              <a:ext uri="{FF2B5EF4-FFF2-40B4-BE49-F238E27FC236}">
+                <a16:creationId xmlns:a16="http://schemas.microsoft.com/office/drawing/2014/main" id="{0EFA1566-CE68-450F-950A-CED460092EA8}"/>
+              </a:ext>
+            </a:extLst>
+          </p:cNvPr>
+          <p:cNvSpPr>
+            <a:spLocks noGrp="1"/>
+          </p:cNvSpPr>
+          <p:nvPr>
+            <p:ph type="title"/>
+          </p:nvPr>
+        </p:nvSpPr>
+        <p:spPr>
+          <a:xfrm>
+            <a:off x="175260" y="292975"/>
+            <a:ext cx="8746864" cy="752706"/>
+          </a:xfrm>
+        </p:spPr>
+        <p:txBody>
+          <a:bodyPr anchor="t"/>
+          <a:lstStyle>
+            <a:lvl1pPr>
+              <a:defRPr>
+                <a:solidFill>
+                  <a:schemeClr val="tx1"/>
+                </a:solidFill>
+              </a:defRPr>
+            </a:lvl1pPr>
+          </a:lstStyle>
+          <a:p>
+            <a:r>
+              <a:rPr lang="en-US" dirty="0"/>
+              <a:t>Click to edit Master title style</a:t>
+            </a:r>
+          </a:p>
+        </p:txBody>
+      </p:sp>
+    </p:spTree>
+    <p:extLst>
+      <p:ext uri="{BB962C8B-B14F-4D97-AF65-F5344CB8AC3E}">
+        <p14:creationId xmlns:p14="http://schemas.microsoft.com/office/powerpoint/2010/main" val="303082619"/>
+      </p:ext>
+    </p:extLst>
+  </p:cSld>
+  <p:clrMapOvr>
+    <a:masterClrMapping/>
+  </p:clrMapOvr>
+</p:sldLayout>
+</file>
+
+<file path=ppt/slideLayouts/slideLayout14.xml><?xml version="1.0" encoding="utf-8"?>
+<p:sldLayout xmlns:a="http://schemas.openxmlformats.org/drawingml/2006/main" xmlns:r="http://schemas.openxmlformats.org/officeDocument/2006/relationships" xmlns:p="http://schemas.openxmlformats.org/presentationml/2006/main" preserve="1" userDrawn="1">
+  <p:cSld name="1_Title Only">
+    <p:spTree>
+      <p:nvGrpSpPr>
+        <p:cNvPr id="1" name=""/>
+        <p:cNvGrpSpPr/>
+        <p:nvPr/>
+      </p:nvGrpSpPr>
+      <p:grpSpPr>
+        <a:xfrm>
+          <a:off x="0" y="0"/>
+          <a:ext cx="0" cy="0"/>
+          <a:chOff x="0" y="0"/>
+          <a:chExt cx="0" cy="0"/>
+        </a:xfrm>
+      </p:grpSpPr>
+      <p:sp>
+        <p:nvSpPr>
+          <p:cNvPr id="7" name="Footer Placeholder 4">
+            <a:extLst>
+              <a:ext uri="{FF2B5EF4-FFF2-40B4-BE49-F238E27FC236}">
+                <a16:creationId xmlns:a16="http://schemas.microsoft.com/office/drawing/2014/main" id="{42632993-FC7F-42E0-9D01-6C58965FB8BB}"/>
+              </a:ext>
+            </a:extLst>
+          </p:cNvPr>
+          <p:cNvSpPr>
+            <a:spLocks noGrp="1"/>
+          </p:cNvSpPr>
+          <p:nvPr>
+            <p:ph type="ftr" sz="quarter" idx="11"/>
+          </p:nvPr>
+        </p:nvSpPr>
+        <p:spPr>
+          <a:xfrm>
+            <a:off x="88409" y="6266485"/>
+            <a:ext cx="4870585" cy="365125"/>
+          </a:xfrm>
+          <a:prstGeom prst="rect">
+            <a:avLst/>
+          </a:prstGeom>
+        </p:spPr>
+        <p:txBody>
+          <a:bodyPr/>
+          <a:lstStyle/>
+          <a:p>
+            <a:r>
+              <a:rPr lang="en-US"/>
+              <a:t>Copyright © 2020 Prime Lessons (primelessons.org) CC-BY-NC-SA.  (Last edit: 12/14/2020)</a:t>
+            </a:r>
+            <a:endParaRPr lang="en-US" dirty="0"/>
+          </a:p>
+        </p:txBody>
+      </p:sp>
+      <p:sp>
+        <p:nvSpPr>
+          <p:cNvPr id="8" name="Slide Number Placeholder 5">
+            <a:extLst>
+              <a:ext uri="{FF2B5EF4-FFF2-40B4-BE49-F238E27FC236}">
+                <a16:creationId xmlns:a16="http://schemas.microsoft.com/office/drawing/2014/main" id="{57B8D68D-165F-4007-99ED-9807B7E8CBDC}"/>
+              </a:ext>
+            </a:extLst>
+          </p:cNvPr>
+          <p:cNvSpPr>
+            <a:spLocks noGrp="1"/>
+          </p:cNvSpPr>
+          <p:nvPr>
+            <p:ph type="sldNum" sz="quarter" idx="12"/>
+          </p:nvPr>
+        </p:nvSpPr>
+        <p:spPr>
+          <a:xfrm>
+            <a:off x="8236372" y="6280641"/>
+            <a:ext cx="770468" cy="365125"/>
+          </a:xfrm>
+          <a:prstGeom prst="rect">
+            <a:avLst/>
+          </a:prstGeom>
+        </p:spPr>
+        <p:txBody>
+          <a:bodyPr/>
+          <a:lstStyle/>
+          <a:p>
+            <a:fld id="{BBD74847-7BE4-4E4D-8159-51DF7B93C616}" type="slidenum">
+              <a:rPr lang="en-US" smtClean="0"/>
+              <a:t>‹#›</a:t>
+            </a:fld>
+            <a:endParaRPr lang="en-US"/>
+          </a:p>
+        </p:txBody>
+      </p:sp>
+      <p:cxnSp>
+        <p:nvCxnSpPr>
+          <p:cNvPr id="9" name="Straight Connector 8">
+            <a:extLst>
+              <a:ext uri="{FF2B5EF4-FFF2-40B4-BE49-F238E27FC236}">
+                <a16:creationId xmlns:a16="http://schemas.microsoft.com/office/drawing/2014/main" id="{72068E05-BA91-41C0-82CA-8F2AD35C67E8}"/>
+              </a:ext>
+            </a:extLst>
+          </p:cNvPr>
+          <p:cNvCxnSpPr/>
+          <p:nvPr userDrawn="1"/>
+        </p:nvCxnSpPr>
+        <p:spPr>
+          <a:xfrm>
+            <a:off x="175260" y="6316935"/>
+            <a:ext cx="8831580" cy="0"/>
+          </a:xfrm>
+          <a:prstGeom prst="line">
+            <a:avLst/>
+          </a:prstGeom>
+        </p:spPr>
+        <p:style>
+          <a:lnRef idx="1">
+            <a:schemeClr val="dk1"/>
+          </a:lnRef>
+          <a:fillRef idx="0">
+            <a:schemeClr val="dk1"/>
+          </a:fillRef>
+          <a:effectRef idx="0">
+            <a:schemeClr val="dk1"/>
+          </a:effectRef>
+          <a:fontRef idx="minor">
+            <a:schemeClr val="tx1"/>
+          </a:fontRef>
+        </p:style>
+      </p:cxnSp>
+      <p:sp>
+        <p:nvSpPr>
+          <p:cNvPr id="13" name="Rectangle 12">
+            <a:extLst>
+              <a:ext uri="{FF2B5EF4-FFF2-40B4-BE49-F238E27FC236}">
+                <a16:creationId xmlns:a16="http://schemas.microsoft.com/office/drawing/2014/main" id="{B2971BF8-D77B-4814-931D-48F5EB38C3C1}"/>
+              </a:ext>
+            </a:extLst>
+          </p:cNvPr>
+          <p:cNvSpPr>
+            <a:spLocks noChangeAspect="1"/>
+          </p:cNvSpPr>
+          <p:nvPr userDrawn="1"/>
+        </p:nvSpPr>
+        <p:spPr>
+          <a:xfrm>
+            <a:off x="142200" y="249101"/>
+            <a:ext cx="8831579" cy="840455"/>
+          </a:xfrm>
+          <a:prstGeom prst="rect">
+            <a:avLst/>
+          </a:prstGeom>
+          <a:solidFill>
+            <a:schemeClr val="accent1"/>
+          </a:solidFill>
+          <a:ln>
+            <a:noFill/>
+          </a:ln>
+          <a:effectLst/>
+        </p:spPr>
+        <p:style>
+          <a:lnRef idx="1">
+            <a:schemeClr val="accent1"/>
+          </a:lnRef>
+          <a:fillRef idx="3">
+            <a:schemeClr val="accent1"/>
+          </a:fillRef>
+          <a:effectRef idx="2">
+            <a:schemeClr val="accent1"/>
+          </a:effectRef>
+          <a:fontRef idx="minor">
+            <a:schemeClr val="lt1"/>
+          </a:fontRef>
+        </p:style>
+        <p:txBody>
+          <a:bodyPr/>
+          <a:lstStyle/>
+          <a:p>
+            <a:endParaRPr lang="en-US" dirty="0"/>
+          </a:p>
+        </p:txBody>
+      </p:sp>
+      <p:sp>
+        <p:nvSpPr>
+          <p:cNvPr id="14" name="Title 1">
+            <a:extLst>
+              <a:ext uri="{FF2B5EF4-FFF2-40B4-BE49-F238E27FC236}">
+                <a16:creationId xmlns:a16="http://schemas.microsoft.com/office/drawing/2014/main" id="{37D59584-71E8-443A-AF13-6C99AD60823A}"/>
+              </a:ext>
+            </a:extLst>
+          </p:cNvPr>
+          <p:cNvSpPr>
+            <a:spLocks noGrp="1"/>
+          </p:cNvSpPr>
+          <p:nvPr>
+            <p:ph type="title"/>
+          </p:nvPr>
+        </p:nvSpPr>
+        <p:spPr>
+          <a:xfrm>
+            <a:off x="175260" y="292975"/>
+            <a:ext cx="8746864" cy="752706"/>
+          </a:xfrm>
+        </p:spPr>
+        <p:txBody>
+          <a:bodyPr anchor="t"/>
+          <a:lstStyle>
+            <a:lvl1pPr>
+              <a:defRPr>
+                <a:solidFill>
+                  <a:schemeClr val="tx1"/>
+                </a:solidFill>
+              </a:defRPr>
+            </a:lvl1pPr>
+          </a:lstStyle>
+          <a:p>
+            <a:r>
+              <a:rPr lang="en-US" dirty="0"/>
+              <a:t>Click to edit Master title style</a:t>
+            </a:r>
+          </a:p>
+        </p:txBody>
+      </p:sp>
+    </p:spTree>
+    <p:extLst>
+      <p:ext uri="{BB962C8B-B14F-4D97-AF65-F5344CB8AC3E}">
+        <p14:creationId xmlns:p14="http://schemas.microsoft.com/office/powerpoint/2010/main" val="997795342"/>
+      </p:ext>
+    </p:extLst>
+  </p:cSld>
+  <p:clrMapOvr>
+    <a:masterClrMapping/>
+  </p:clrMapOvr>
+</p:sldLayout>
+</file>
+
+<file path=ppt/slideLayouts/slideLayout15.xml><?xml version="1.0" encoding="utf-8"?>
+<p:sldLayout xmlns:a="http://schemas.openxmlformats.org/drawingml/2006/main" xmlns:r="http://schemas.openxmlformats.org/officeDocument/2006/relationships" xmlns:p="http://schemas.openxmlformats.org/presentationml/2006/main" preserve="1" userDrawn="1">
+  <p:cSld name="1_Blank">
+    <p:spTree>
+      <p:nvGrpSpPr>
+        <p:cNvPr id="1" name=""/>
+        <p:cNvGrpSpPr/>
+        <p:nvPr/>
+      </p:nvGrpSpPr>
+      <p:grpSpPr>
+        <a:xfrm>
+          <a:off x="0" y="0"/>
+          <a:ext cx="0" cy="0"/>
+          <a:chOff x="0" y="0"/>
+          <a:chExt cx="0" cy="0"/>
+        </a:xfrm>
+      </p:grpSpPr>
+      <p:sp>
+        <p:nvSpPr>
+          <p:cNvPr id="8" name="Rectangle 7">
+            <a:extLst>
+              <a:ext uri="{FF2B5EF4-FFF2-40B4-BE49-F238E27FC236}">
+                <a16:creationId xmlns:a16="http://schemas.microsoft.com/office/drawing/2014/main" id="{8DE18750-3B08-429F-A276-D977DF7F7295}"/>
+              </a:ext>
+            </a:extLst>
+          </p:cNvPr>
+          <p:cNvSpPr>
+            <a:spLocks noChangeAspect="1"/>
+          </p:cNvSpPr>
+          <p:nvPr userDrawn="1"/>
+        </p:nvSpPr>
+        <p:spPr>
+          <a:xfrm>
+            <a:off x="142200" y="249101"/>
+            <a:ext cx="8831579" cy="840455"/>
+          </a:xfrm>
+          <a:prstGeom prst="rect">
+            <a:avLst/>
+          </a:prstGeom>
+          <a:solidFill>
+            <a:schemeClr val="accent1"/>
+          </a:solidFill>
+          <a:ln>
+            <a:noFill/>
+          </a:ln>
+          <a:effectLst/>
+        </p:spPr>
+        <p:style>
+          <a:lnRef idx="1">
+            <a:schemeClr val="accent1"/>
+          </a:lnRef>
+          <a:fillRef idx="3">
+            <a:schemeClr val="accent1"/>
+          </a:fillRef>
+          <a:effectRef idx="2">
+            <a:schemeClr val="accent1"/>
+          </a:effectRef>
+          <a:fontRef idx="minor">
+            <a:schemeClr val="lt1"/>
+          </a:fontRef>
+        </p:style>
+        <p:txBody>
+          <a:bodyPr/>
+          <a:lstStyle/>
+          <a:p>
+            <a:endParaRPr lang="en-US" dirty="0"/>
+          </a:p>
+        </p:txBody>
+      </p:sp>
+      <p:sp>
+        <p:nvSpPr>
+          <p:cNvPr id="9" name="Title 1">
+            <a:extLst>
+              <a:ext uri="{FF2B5EF4-FFF2-40B4-BE49-F238E27FC236}">
+                <a16:creationId xmlns:a16="http://schemas.microsoft.com/office/drawing/2014/main" id="{09B12976-4243-42C3-AD82-8647817437DB}"/>
+              </a:ext>
+            </a:extLst>
+          </p:cNvPr>
+          <p:cNvSpPr>
+            <a:spLocks noGrp="1"/>
+          </p:cNvSpPr>
+          <p:nvPr>
+            <p:ph type="title"/>
+          </p:nvPr>
+        </p:nvSpPr>
+        <p:spPr>
+          <a:xfrm>
+            <a:off x="175260" y="292975"/>
+            <a:ext cx="8746864" cy="752706"/>
+          </a:xfrm>
+        </p:spPr>
+        <p:txBody>
+          <a:bodyPr anchor="t"/>
+          <a:lstStyle>
+            <a:lvl1pPr>
+              <a:defRPr>
+                <a:solidFill>
+                  <a:schemeClr val="tx1"/>
+                </a:solidFill>
+              </a:defRPr>
+            </a:lvl1pPr>
+          </a:lstStyle>
+          <a:p>
+            <a:r>
+              <a:rPr lang="en-US" dirty="0"/>
+              <a:t>Click to edit Master title style</a:t>
+            </a:r>
+          </a:p>
+        </p:txBody>
+      </p:sp>
+      <p:sp>
+        <p:nvSpPr>
+          <p:cNvPr id="10" name="Slide Number Placeholder 5">
+            <a:extLst>
+              <a:ext uri="{FF2B5EF4-FFF2-40B4-BE49-F238E27FC236}">
+                <a16:creationId xmlns:a16="http://schemas.microsoft.com/office/drawing/2014/main" id="{AB5BF95A-3885-4491-876B-4C99D444A819}"/>
+              </a:ext>
+            </a:extLst>
+          </p:cNvPr>
+          <p:cNvSpPr>
+            <a:spLocks noGrp="1"/>
+          </p:cNvSpPr>
+          <p:nvPr>
+            <p:ph type="sldNum" sz="quarter" idx="12"/>
+          </p:nvPr>
+        </p:nvSpPr>
+        <p:spPr>
+          <a:xfrm>
+            <a:off x="8236372" y="6280641"/>
+            <a:ext cx="770468" cy="365125"/>
+          </a:xfrm>
+          <a:prstGeom prst="rect">
+            <a:avLst/>
+          </a:prstGeom>
+        </p:spPr>
+        <p:txBody>
+          <a:bodyPr/>
+          <a:lstStyle/>
+          <a:p>
+            <a:fld id="{BBD74847-7BE4-4E4D-8159-51DF7B93C616}" type="slidenum">
+              <a:rPr lang="en-US" smtClean="0"/>
+              <a:t>‹#›</a:t>
+            </a:fld>
+            <a:endParaRPr lang="en-US"/>
+          </a:p>
+        </p:txBody>
+      </p:sp>
+      <p:cxnSp>
+        <p:nvCxnSpPr>
+          <p:cNvPr id="11" name="Straight Connector 10">
+            <a:extLst>
+              <a:ext uri="{FF2B5EF4-FFF2-40B4-BE49-F238E27FC236}">
+                <a16:creationId xmlns:a16="http://schemas.microsoft.com/office/drawing/2014/main" id="{A625C0E0-87AD-4A9A-8CC2-D51E549C54AC}"/>
+              </a:ext>
+            </a:extLst>
+          </p:cNvPr>
+          <p:cNvCxnSpPr/>
+          <p:nvPr userDrawn="1"/>
+        </p:nvCxnSpPr>
+        <p:spPr>
+          <a:xfrm>
+            <a:off x="175260" y="6316935"/>
+            <a:ext cx="8831580" cy="0"/>
+          </a:xfrm>
+          <a:prstGeom prst="line">
+            <a:avLst/>
+          </a:prstGeom>
+        </p:spPr>
+        <p:style>
+          <a:lnRef idx="1">
+            <a:schemeClr val="dk1"/>
+          </a:lnRef>
+          <a:fillRef idx="0">
+            <a:schemeClr val="dk1"/>
+          </a:fillRef>
+          <a:effectRef idx="0">
+            <a:schemeClr val="dk1"/>
+          </a:effectRef>
+          <a:fontRef idx="minor">
+            <a:schemeClr val="tx1"/>
+          </a:fontRef>
+        </p:style>
+      </p:cxnSp>
+      <p:sp>
+        <p:nvSpPr>
+          <p:cNvPr id="12" name="Footer Placeholder 4">
+            <a:extLst>
+              <a:ext uri="{FF2B5EF4-FFF2-40B4-BE49-F238E27FC236}">
+                <a16:creationId xmlns:a16="http://schemas.microsoft.com/office/drawing/2014/main" id="{957F6DEB-B3FE-4632-A871-23BAA7FEADD1}"/>
+              </a:ext>
+            </a:extLst>
+          </p:cNvPr>
+          <p:cNvSpPr>
+            <a:spLocks noGrp="1"/>
+          </p:cNvSpPr>
+          <p:nvPr>
+            <p:ph type="ftr" sz="quarter" idx="11"/>
+          </p:nvPr>
+        </p:nvSpPr>
+        <p:spPr>
+          <a:xfrm>
+            <a:off x="88409" y="6266485"/>
+            <a:ext cx="4870585" cy="365125"/>
+          </a:xfrm>
+          <a:prstGeom prst="rect">
+            <a:avLst/>
+          </a:prstGeom>
+        </p:spPr>
+        <p:txBody>
+          <a:bodyPr/>
+          <a:lstStyle/>
+          <a:p>
+            <a:r>
+              <a:rPr lang="en-US"/>
+              <a:t>Copyright © 2020 Prime Lessons (primelessons.org) CC-BY-NC-SA.  (Last edit: 12/14/2020)</a:t>
+            </a:r>
+            <a:endParaRPr lang="en-US" dirty="0"/>
+          </a:p>
+        </p:txBody>
+      </p:sp>
+    </p:spTree>
+    <p:extLst>
+      <p:ext uri="{BB962C8B-B14F-4D97-AF65-F5344CB8AC3E}">
+        <p14:creationId xmlns:p14="http://schemas.microsoft.com/office/powerpoint/2010/main" val="2961518194"/>
       </p:ext>
     </p:extLst>
   </p:cSld>
@@ -1983,9 +3393,10 @@
           </a:lstStyle>
           <a:p>
             <a:r>
-              <a:rPr lang="en-US" dirty="0"/>
+              <a:rPr lang="en-US"/>
               <a:t>Click to edit Master title style</a:t>
             </a:r>
+            <a:endParaRPr lang="en-US" dirty="0"/>
           </a:p>
         </p:txBody>
       </p:sp>
@@ -2011,37 +3422,38 @@
           <a:p>
             <a:pPr lvl="0"/>
             <a:r>
-              <a:rPr lang="en-US" dirty="0"/>
+              <a:rPr lang="en-US"/>
               <a:t>Click to edit Master text styles</a:t>
             </a:r>
           </a:p>
           <a:p>
             <a:pPr lvl="1"/>
             <a:r>
-              <a:rPr lang="en-US" dirty="0"/>
+              <a:rPr lang="en-US"/>
               <a:t>Second level</a:t>
             </a:r>
           </a:p>
           <a:p>
             <a:pPr lvl="2"/>
             <a:r>
-              <a:rPr lang="en-US" dirty="0"/>
+              <a:rPr lang="en-US"/>
               <a:t>Third level</a:t>
             </a:r>
           </a:p>
           <a:p>
             <a:pPr lvl="3"/>
             <a:r>
-              <a:rPr lang="en-US" dirty="0"/>
+              <a:rPr lang="en-US"/>
               <a:t>Fourth level</a:t>
             </a:r>
           </a:p>
           <a:p>
             <a:pPr lvl="4"/>
             <a:r>
-              <a:rPr lang="en-US" dirty="0"/>
+              <a:rPr lang="en-US"/>
               <a:t>Fifth level</a:t>
             </a:r>
+            <a:endParaRPr lang="en-US" dirty="0"/>
           </a:p>
         </p:txBody>
       </p:sp>
@@ -2057,7 +3469,7 @@
         </p:nvSpPr>
         <p:spPr>
           <a:xfrm>
-            <a:off x="88409" y="6321349"/>
+            <a:off x="88409" y="6320275"/>
             <a:ext cx="4870585" cy="365125"/>
           </a:xfrm>
           <a:prstGeom prst="rect">
@@ -2074,7 +3486,7 @@
           <a:p>
             <a:r>
               <a:rPr lang="en-US"/>
-              <a:t>Copyright © 2020 SPIKE Prime Lessons (primelessons.org) CC-BY-NC-SA.  (Last edit: 1/9/2020)</a:t>
+              <a:t>Copyright © 2020 Prime Lessons (primelessons.org) CC-BY-NC-SA.  (Last edit: 12/14/2020)</a:t>
             </a:r>
             <a:endParaRPr lang="en-US" dirty="0"/>
           </a:p>
@@ -2092,7 +3504,7 @@
         </p:nvSpPr>
         <p:spPr>
           <a:xfrm>
-            <a:off x="8236372" y="6317217"/>
+            <a:off x="8236372" y="6316501"/>
             <a:ext cx="770468" cy="365125"/>
           </a:xfrm>
           <a:prstGeom prst="rect">
@@ -2117,6 +3529,42 @@
             <a:extLst>
               <a:ext uri="{FF2B5EF4-FFF2-40B4-BE49-F238E27FC236}">
                 <a16:creationId xmlns:a16="http://schemas.microsoft.com/office/drawing/2014/main" id="{D59C872A-C57F-4B1F-AFD0-FDF125C3C485}"/>
+              </a:ext>
+            </a:extLst>
+          </p:cNvPr>
+          <p:cNvCxnSpPr/>
+          <p:nvPr/>
+        </p:nvCxnSpPr>
+        <p:spPr>
+          <a:xfrm>
+            <a:off x="175260" y="6316935"/>
+            <a:ext cx="8831580" cy="0"/>
+          </a:xfrm>
+          <a:prstGeom prst="line">
+            <a:avLst/>
+          </a:prstGeom>
+        </p:spPr>
+        <p:style>
+          <a:lnRef idx="1">
+            <a:schemeClr val="dk1"/>
+          </a:lnRef>
+          <a:fillRef idx="0">
+            <a:schemeClr val="dk1"/>
+          </a:fillRef>
+          <a:effectRef idx="0">
+            <a:schemeClr val="dk1"/>
+          </a:effectRef>
+          <a:fontRef idx="minor">
+            <a:schemeClr val="tx1"/>
+          </a:fontRef>
+        </p:style>
+      </p:cxnSp>
+      <p:cxnSp>
+        <p:nvCxnSpPr>
+          <p:cNvPr id="8" name="Straight Connector 7">
+            <a:extLst>
+              <a:ext uri="{FF2B5EF4-FFF2-40B4-BE49-F238E27FC236}">
+                <a16:creationId xmlns:a16="http://schemas.microsoft.com/office/drawing/2014/main" id="{13418147-32A9-FC4A-B97C-1D7FD5DAF438}"/>
               </a:ext>
             </a:extLst>
           </p:cNvPr>
@@ -2150,7 +3598,7 @@
     </p:spTree>
     <p:extLst>
       <p:ext uri="{BB962C8B-B14F-4D97-AF65-F5344CB8AC3E}">
-        <p14:creationId xmlns:p14="http://schemas.microsoft.com/office/powerpoint/2010/main" val="1690037162"/>
+        <p14:creationId xmlns:p14="http://schemas.microsoft.com/office/powerpoint/2010/main" val="3189619789"/>
       </p:ext>
     </p:extLst>
   </p:cSld>
@@ -2447,7 +3895,7 @@
           <a:p>
             <a:r>
               <a:rPr lang="en-US"/>
-              <a:t>Copyright © 2020 SPIKE Prime Lessons (primelessons.org) CC-BY-NC-SA.  (Last edit: 1/9/2020)</a:t>
+              <a:t>Copyright © 2020 Prime Lessons (primelessons.org) CC-BY-NC-SA.  (Last edit: 12/14/2020)</a:t>
             </a:r>
             <a:endParaRPr lang="en-US" dirty="0"/>
           </a:p>
@@ -2507,7 +3955,7 @@
           <p:cNvSpPr>
             <a:spLocks noChangeAspect="1"/>
           </p:cNvSpPr>
-          <p:nvPr userDrawn="1"/>
+          <p:nvPr/>
         </p:nvSpPr>
         <p:spPr>
           <a:xfrm>
@@ -2559,7 +4007,7 @@
           <p:cNvSpPr txBox="1">
             <a:spLocks/>
           </p:cNvSpPr>
-          <p:nvPr userDrawn="1"/>
+          <p:nvPr/>
         </p:nvSpPr>
         <p:spPr>
           <a:xfrm>
@@ -2655,10 +4103,170 @@
           </a:p>
         </p:txBody>
       </p:sp>
+      <p:sp>
+        <p:nvSpPr>
+          <p:cNvPr id="10" name="Rectangle 9">
+            <a:extLst>
+              <a:ext uri="{FF2B5EF4-FFF2-40B4-BE49-F238E27FC236}">
+                <a16:creationId xmlns:a16="http://schemas.microsoft.com/office/drawing/2014/main" id="{9C1C8239-1367-D244-852D-5860FAEDB671}"/>
+              </a:ext>
+            </a:extLst>
+          </p:cNvPr>
+          <p:cNvSpPr>
+            <a:spLocks noChangeAspect="1"/>
+          </p:cNvSpPr>
+          <p:nvPr userDrawn="1"/>
+        </p:nvSpPr>
+        <p:spPr>
+          <a:xfrm>
+            <a:off x="142200" y="249101"/>
+            <a:ext cx="8831579" cy="840455"/>
+          </a:xfrm>
+          <a:prstGeom prst="rect">
+            <a:avLst/>
+          </a:prstGeom>
+          <a:solidFill>
+            <a:schemeClr val="accent1"/>
+          </a:solidFill>
+          <a:ln>
+            <a:noFill/>
+          </a:ln>
+          <a:effectLst/>
+        </p:spPr>
+        <p:style>
+          <a:lnRef idx="1">
+            <a:schemeClr val="accent1"/>
+          </a:lnRef>
+          <a:fillRef idx="3">
+            <a:schemeClr val="accent1"/>
+          </a:fillRef>
+          <a:effectRef idx="2">
+            <a:schemeClr val="accent1"/>
+          </a:effectRef>
+          <a:fontRef idx="minor">
+            <a:schemeClr val="lt1"/>
+          </a:fontRef>
+        </p:style>
+        <p:txBody>
+          <a:bodyPr/>
+          <a:lstStyle/>
+          <a:p>
+            <a:endParaRPr lang="en-US" dirty="0"/>
+          </a:p>
+        </p:txBody>
+      </p:sp>
+      <p:sp>
+        <p:nvSpPr>
+          <p:cNvPr id="13" name="Title 1">
+            <a:extLst>
+              <a:ext uri="{FF2B5EF4-FFF2-40B4-BE49-F238E27FC236}">
+                <a16:creationId xmlns:a16="http://schemas.microsoft.com/office/drawing/2014/main" id="{E069ABC4-056D-BF49-B051-2CA0748BE975}"/>
+              </a:ext>
+            </a:extLst>
+          </p:cNvPr>
+          <p:cNvSpPr txBox="1">
+            <a:spLocks/>
+          </p:cNvSpPr>
+          <p:nvPr userDrawn="1"/>
+        </p:nvSpPr>
+        <p:spPr>
+          <a:xfrm>
+            <a:off x="175260" y="292975"/>
+            <a:ext cx="8746864" cy="752706"/>
+          </a:xfrm>
+          <a:prstGeom prst="rect">
+            <a:avLst/>
+          </a:prstGeom>
+        </p:spPr>
+        <p:txBody>
+          <a:bodyPr vert="horz" lIns="91440" tIns="45720" rIns="91440" bIns="45720" rtlCol="0" anchor="t">
+            <a:normAutofit/>
+          </a:bodyPr>
+          <a:lstStyle>
+            <a:lvl1pPr algn="l" defTabSz="457200" rtl="0" eaLnBrk="1" latinLnBrk="0" hangingPunct="1">
+              <a:spcBef>
+                <a:spcPct val="0"/>
+              </a:spcBef>
+              <a:buNone/>
+              <a:defRPr sz="2800" b="0" kern="1200" cap="all">
+                <a:solidFill>
+                  <a:schemeClr val="tx1"/>
+                </a:solidFill>
+                <a:latin typeface="+mj-lt"/>
+                <a:ea typeface="+mj-ea"/>
+                <a:cs typeface="+mj-cs"/>
+              </a:defRPr>
+            </a:lvl1pPr>
+            <a:lvl2pPr eaLnBrk="1" hangingPunct="1">
+              <a:defRPr>
+                <a:solidFill>
+                  <a:schemeClr val="tx2"/>
+                </a:solidFill>
+              </a:defRPr>
+            </a:lvl2pPr>
+            <a:lvl3pPr eaLnBrk="1" hangingPunct="1">
+              <a:defRPr>
+                <a:solidFill>
+                  <a:schemeClr val="tx2"/>
+                </a:solidFill>
+              </a:defRPr>
+            </a:lvl3pPr>
+            <a:lvl4pPr eaLnBrk="1" hangingPunct="1">
+              <a:defRPr>
+                <a:solidFill>
+                  <a:schemeClr val="tx2"/>
+                </a:solidFill>
+              </a:defRPr>
+            </a:lvl4pPr>
+            <a:lvl5pPr eaLnBrk="1" hangingPunct="1">
+              <a:defRPr>
+                <a:solidFill>
+                  <a:schemeClr val="tx2"/>
+                </a:solidFill>
+              </a:defRPr>
+            </a:lvl5pPr>
+            <a:lvl6pPr eaLnBrk="1" hangingPunct="1">
+              <a:defRPr>
+                <a:solidFill>
+                  <a:schemeClr val="tx2"/>
+                </a:solidFill>
+              </a:defRPr>
+            </a:lvl6pPr>
+            <a:lvl7pPr eaLnBrk="1" hangingPunct="1">
+              <a:defRPr>
+                <a:solidFill>
+                  <a:schemeClr val="tx2"/>
+                </a:solidFill>
+              </a:defRPr>
+            </a:lvl7pPr>
+            <a:lvl8pPr eaLnBrk="1" hangingPunct="1">
+              <a:defRPr>
+                <a:solidFill>
+                  <a:schemeClr val="tx2"/>
+                </a:solidFill>
+              </a:defRPr>
+            </a:lvl8pPr>
+            <a:lvl9pPr eaLnBrk="1" hangingPunct="1">
+              <a:defRPr>
+                <a:solidFill>
+                  <a:schemeClr val="tx2"/>
+                </a:solidFill>
+              </a:defRPr>
+            </a:lvl9pPr>
+          </a:lstStyle>
+          <a:p>
+            <a:r>
+              <a:rPr lang="en-US"/>
+              <a:t>Click to edit Master title style</a:t>
+            </a:r>
+            <a:endParaRPr lang="en-US" dirty="0"/>
+          </a:p>
+        </p:txBody>
+      </p:sp>
     </p:spTree>
     <p:extLst>
       <p:ext uri="{BB962C8B-B14F-4D97-AF65-F5344CB8AC3E}">
-        <p14:creationId xmlns:p14="http://schemas.microsoft.com/office/powerpoint/2010/main" val="709269958"/>
+        <p14:creationId xmlns:p14="http://schemas.microsoft.com/office/powerpoint/2010/main" val="2793698032"/>
       </p:ext>
     </p:extLst>
   </p:cSld>
@@ -2669,7 +4277,7 @@
 </file>
 
 <file path=ppt/slideLayouts/slideLayout4.xml><?xml version="1.0" encoding="utf-8"?>
-<p:sldLayout xmlns:a="http://schemas.openxmlformats.org/drawingml/2006/main" xmlns:r="http://schemas.openxmlformats.org/officeDocument/2006/relationships" xmlns:p="http://schemas.openxmlformats.org/presentationml/2006/main" preserve="1" userDrawn="1">
+<p:sldLayout xmlns:a="http://schemas.openxmlformats.org/drawingml/2006/main" xmlns:r="http://schemas.openxmlformats.org/officeDocument/2006/relationships" xmlns:p="http://schemas.openxmlformats.org/presentationml/2006/main" preserve="1">
   <p:cSld name="Two Content">
     <p:spTree>
       <p:nvGrpSpPr>
@@ -2866,7 +4474,7 @@
           <a:p>
             <a:r>
               <a:rPr lang="en-US"/>
-              <a:t>Copyright © 2020 SPIKE Prime Lessons (primelessons.org) CC-BY-NC-SA.  (Last edit: 1/9/2020)</a:t>
+              <a:t>Copyright © 2020 Prime Lessons (primelessons.org) CC-BY-NC-SA.  (Last edit: 12/14/2020)</a:t>
             </a:r>
             <a:endParaRPr lang="en-US" dirty="0"/>
           </a:p>
@@ -2919,7 +4527,7 @@
             </a:extLst>
           </p:cNvPr>
           <p:cNvCxnSpPr/>
-          <p:nvPr userDrawn="1"/>
+          <p:nvPr/>
         </p:nvCxnSpPr>
         <p:spPr>
           <a:xfrm>
@@ -2957,7 +4565,7 @@
           <p:cNvSpPr>
             <a:spLocks noChangeAspect="1"/>
           </p:cNvSpPr>
-          <p:nvPr userDrawn="1"/>
+          <p:nvPr/>
         </p:nvSpPr>
         <p:spPr>
           <a:xfrm>
@@ -3032,16 +4640,105 @@
           </a:lstStyle>
           <a:p>
             <a:r>
-              <a:rPr lang="en-US" dirty="0"/>
+              <a:rPr lang="en-US"/>
               <a:t>Click to edit Master title style</a:t>
             </a:r>
+            <a:endParaRPr lang="en-US" dirty="0"/>
+          </a:p>
+        </p:txBody>
+      </p:sp>
+      <p:cxnSp>
+        <p:nvCxnSpPr>
+          <p:cNvPr id="12" name="Straight Connector 11">
+            <a:extLst>
+              <a:ext uri="{FF2B5EF4-FFF2-40B4-BE49-F238E27FC236}">
+                <a16:creationId xmlns:a16="http://schemas.microsoft.com/office/drawing/2014/main" id="{B9F777DF-E839-6246-853D-1D2AD26B2B63}"/>
+              </a:ext>
+            </a:extLst>
+          </p:cNvPr>
+          <p:cNvCxnSpPr/>
+          <p:nvPr userDrawn="1"/>
+        </p:nvCxnSpPr>
+        <p:spPr>
+          <a:xfrm>
+            <a:off x="175260" y="6316935"/>
+            <a:ext cx="8831580" cy="0"/>
+          </a:xfrm>
+          <a:prstGeom prst="line">
+            <a:avLst/>
+          </a:prstGeom>
+        </p:spPr>
+        <p:style>
+          <a:lnRef idx="1">
+            <a:schemeClr val="dk1"/>
+          </a:lnRef>
+          <a:fillRef idx="0">
+            <a:schemeClr val="dk1"/>
+          </a:fillRef>
+          <a:effectRef idx="0">
+            <a:schemeClr val="dk1"/>
+          </a:effectRef>
+          <a:fontRef idx="minor">
+            <a:schemeClr val="tx1"/>
+          </a:fontRef>
+        </p:style>
+      </p:cxnSp>
+      <p:sp>
+        <p:nvSpPr>
+          <p:cNvPr id="13" name="Rectangle 12">
+            <a:extLst>
+              <a:ext uri="{FF2B5EF4-FFF2-40B4-BE49-F238E27FC236}">
+                <a16:creationId xmlns:a16="http://schemas.microsoft.com/office/drawing/2014/main" id="{65CD4BA4-9024-7344-8B83-EC29B58DB080}"/>
+              </a:ext>
+            </a:extLst>
+          </p:cNvPr>
+          <p:cNvSpPr>
+            <a:spLocks noChangeAspect="1"/>
+          </p:cNvSpPr>
+          <p:nvPr userDrawn="1"/>
+        </p:nvSpPr>
+        <p:spPr>
+          <a:xfrm>
+            <a:off x="142200" y="249101"/>
+            <a:ext cx="8831579" cy="840455"/>
+          </a:xfrm>
+          <a:prstGeom prst="rect">
+            <a:avLst/>
+          </a:prstGeom>
+          <a:solidFill>
+            <a:schemeClr val="accent1"/>
+          </a:solidFill>
+          <a:ln>
+            <a:noFill/>
+          </a:ln>
+          <a:effectLst/>
+        </p:spPr>
+        <p:style>
+          <a:lnRef idx="1">
+            <a:schemeClr val="accent1"/>
+          </a:lnRef>
+          <a:fillRef idx="3">
+            <a:schemeClr val="accent1"/>
+          </a:fillRef>
+          <a:effectRef idx="2">
+            <a:schemeClr val="accent1"/>
+          </a:effectRef>
+          <a:fontRef idx="minor">
+            <a:schemeClr val="lt1"/>
+          </a:fontRef>
+        </p:style>
+        <p:txBody>
+          <a:bodyPr/>
+          <a:lstStyle/>
+          <a:p>
+            <a:endParaRPr lang="en-US" dirty="0"/>
           </a:p>
         </p:txBody>
       </p:sp>
     </p:spTree>
     <p:extLst>
       <p:ext uri="{BB962C8B-B14F-4D97-AF65-F5344CB8AC3E}">
-        <p14:creationId xmlns:p14="http://schemas.microsoft.com/office/powerpoint/2010/main" val="2698762354"/>
+        <p14:creationId xmlns:p14="http://schemas.microsoft.com/office/powerpoint/2010/main" val="2441328446"/>
       </p:ext>
     </p:extLst>
   </p:cSld>
@@ -3052,7 +4749,7 @@
 </file>
 
 <file path=ppt/slideLayouts/slideLayout5.xml><?xml version="1.0" encoding="utf-8"?>
-<p:sldLayout xmlns:a="http://schemas.openxmlformats.org/drawingml/2006/main" xmlns:r="http://schemas.openxmlformats.org/officeDocument/2006/relationships" xmlns:p="http://schemas.openxmlformats.org/presentationml/2006/main" preserve="1" userDrawn="1">
+<p:sldLayout xmlns:a="http://schemas.openxmlformats.org/drawingml/2006/main" xmlns:r="http://schemas.openxmlformats.org/officeDocument/2006/relationships" xmlns:p="http://schemas.openxmlformats.org/presentationml/2006/main" preserve="1">
   <p:cSld name="Comparison">
     <p:spTree>
       <p:nvGrpSpPr>
@@ -3380,7 +5077,7 @@
           <a:p>
             <a:r>
               <a:rPr lang="en-US"/>
-              <a:t>Copyright © 2020 SPIKE Prime Lessons (primelessons.org) CC-BY-NC-SA.  (Last edit: 1/9/2020)</a:t>
+              <a:t>Copyright © 2020 Prime Lessons (primelessons.org) CC-BY-NC-SA.  (Last edit: 12/14/2020)</a:t>
             </a:r>
             <a:endParaRPr lang="en-US" dirty="0"/>
           </a:p>
@@ -3429,7 +5126,7 @@
           <p:cNvSpPr>
             <a:spLocks noChangeAspect="1"/>
           </p:cNvSpPr>
-          <p:nvPr userDrawn="1"/>
+          <p:nvPr/>
         </p:nvSpPr>
         <p:spPr>
           <a:xfrm>
@@ -3504,16 +5201,69 @@
           </a:lstStyle>
           <a:p>
             <a:r>
-              <a:rPr lang="en-US" dirty="0"/>
+              <a:rPr lang="en-US"/>
               <a:t>Click to edit Master title style</a:t>
             </a:r>
+            <a:endParaRPr lang="en-US" dirty="0"/>
+          </a:p>
+        </p:txBody>
+      </p:sp>
+      <p:sp>
+        <p:nvSpPr>
+          <p:cNvPr id="11" name="Rectangle 10">
+            <a:extLst>
+              <a:ext uri="{FF2B5EF4-FFF2-40B4-BE49-F238E27FC236}">
+                <a16:creationId xmlns:a16="http://schemas.microsoft.com/office/drawing/2014/main" id="{339BA3C4-123E-6346-A496-D75ED2DB34B4}"/>
+              </a:ext>
+            </a:extLst>
+          </p:cNvPr>
+          <p:cNvSpPr>
+            <a:spLocks noChangeAspect="1"/>
+          </p:cNvSpPr>
+          <p:nvPr userDrawn="1"/>
+        </p:nvSpPr>
+        <p:spPr>
+          <a:xfrm>
+            <a:off x="142200" y="249101"/>
+            <a:ext cx="8831579" cy="840455"/>
+          </a:xfrm>
+          <a:prstGeom prst="rect">
+            <a:avLst/>
+          </a:prstGeom>
+          <a:solidFill>
+            <a:schemeClr val="accent1"/>
+          </a:solidFill>
+          <a:ln>
+            <a:noFill/>
+          </a:ln>
+          <a:effectLst/>
+        </p:spPr>
+        <p:style>
+          <a:lnRef idx="1">
+            <a:schemeClr val="accent1"/>
+          </a:lnRef>
+          <a:fillRef idx="3">
+            <a:schemeClr val="accent1"/>
+          </a:fillRef>
+          <a:effectRef idx="2">
+            <a:schemeClr val="accent1"/>
+          </a:effectRef>
+          <a:fontRef idx="minor">
+            <a:schemeClr val="lt1"/>
+          </a:fontRef>
+        </p:style>
+        <p:txBody>
+          <a:bodyPr/>
+          <a:lstStyle/>
+          <a:p>
+            <a:endParaRPr lang="en-US" dirty="0"/>
           </a:p>
         </p:txBody>
       </p:sp>
     </p:spTree>
     <p:extLst>
       <p:ext uri="{BB962C8B-B14F-4D97-AF65-F5344CB8AC3E}">
-        <p14:creationId xmlns:p14="http://schemas.microsoft.com/office/powerpoint/2010/main" val="303082619"/>
+        <p14:creationId xmlns:p14="http://schemas.microsoft.com/office/powerpoint/2010/main" val="1400210439"/>
       </p:ext>
     </p:extLst>
   </p:cSld>
@@ -3524,7 +5274,7 @@
 </file>
 
 <file path=ppt/slideLayouts/slideLayout6.xml><?xml version="1.0" encoding="utf-8"?>
-<p:sldLayout xmlns:a="http://schemas.openxmlformats.org/drawingml/2006/main" xmlns:r="http://schemas.openxmlformats.org/officeDocument/2006/relationships" xmlns:p="http://schemas.openxmlformats.org/presentationml/2006/main" preserve="1" userDrawn="1">
+<p:sldLayout xmlns:a="http://schemas.openxmlformats.org/drawingml/2006/main" xmlns:r="http://schemas.openxmlformats.org/officeDocument/2006/relationships" xmlns:p="http://schemas.openxmlformats.org/presentationml/2006/main" preserve="1">
   <p:cSld name="Title Only">
     <p:spTree>
       <p:nvGrpSpPr>
@@ -3571,7 +5321,7 @@
           <a:p>
             <a:r>
               <a:rPr lang="en-US"/>
-              <a:t>Copyright © 2020 SPIKE Prime Lessons (primelessons.org) CC-BY-NC-SA.  (Last edit: 1/9/2020)</a:t>
+              <a:t>Copyright © 2020 Prime Lessons (primelessons.org) CC-BY-NC-SA.  (Last edit: 12/14/2020)</a:t>
             </a:r>
             <a:endParaRPr lang="en-US" dirty="0"/>
           </a:p>
@@ -3624,7 +5374,7 @@
             </a:extLst>
           </p:cNvPr>
           <p:cNvCxnSpPr/>
-          <p:nvPr userDrawn="1"/>
+          <p:nvPr/>
         </p:nvCxnSpPr>
         <p:spPr>
           <a:xfrm>
@@ -3662,7 +5412,7 @@
           <p:cNvSpPr>
             <a:spLocks noChangeAspect="1"/>
           </p:cNvSpPr>
-          <p:nvPr userDrawn="1"/>
+          <p:nvPr/>
         </p:nvSpPr>
         <p:spPr>
           <a:xfrm>
@@ -3737,16 +5487,105 @@
           </a:lstStyle>
           <a:p>
             <a:r>
-              <a:rPr lang="en-US" dirty="0"/>
+              <a:rPr lang="en-US"/>
               <a:t>Click to edit Master title style</a:t>
             </a:r>
+            <a:endParaRPr lang="en-US" dirty="0"/>
+          </a:p>
+        </p:txBody>
+      </p:sp>
+      <p:cxnSp>
+        <p:nvCxnSpPr>
+          <p:cNvPr id="10" name="Straight Connector 9">
+            <a:extLst>
+              <a:ext uri="{FF2B5EF4-FFF2-40B4-BE49-F238E27FC236}">
+                <a16:creationId xmlns:a16="http://schemas.microsoft.com/office/drawing/2014/main" id="{2D92400A-BAB6-8241-B2FB-D7BB1F786478}"/>
+              </a:ext>
+            </a:extLst>
+          </p:cNvPr>
+          <p:cNvCxnSpPr/>
+          <p:nvPr userDrawn="1"/>
+        </p:nvCxnSpPr>
+        <p:spPr>
+          <a:xfrm>
+            <a:off x="175260" y="6316935"/>
+            <a:ext cx="8831580" cy="0"/>
+          </a:xfrm>
+          <a:prstGeom prst="line">
+            <a:avLst/>
+          </a:prstGeom>
+        </p:spPr>
+        <p:style>
+          <a:lnRef idx="1">
+            <a:schemeClr val="dk1"/>
+          </a:lnRef>
+          <a:fillRef idx="0">
+            <a:schemeClr val="dk1"/>
+          </a:fillRef>
+          <a:effectRef idx="0">
+            <a:schemeClr val="dk1"/>
+          </a:effectRef>
+          <a:fontRef idx="minor">
+            <a:schemeClr val="tx1"/>
+          </a:fontRef>
+        </p:style>
+      </p:cxnSp>
+      <p:sp>
+        <p:nvSpPr>
+          <p:cNvPr id="11" name="Rectangle 10">
+            <a:extLst>
+              <a:ext uri="{FF2B5EF4-FFF2-40B4-BE49-F238E27FC236}">
+                <a16:creationId xmlns:a16="http://schemas.microsoft.com/office/drawing/2014/main" id="{CF9BD06F-1BE0-5441-81A7-81E0D40AFAF1}"/>
+              </a:ext>
+            </a:extLst>
+          </p:cNvPr>
+          <p:cNvSpPr>
+            <a:spLocks noChangeAspect="1"/>
+          </p:cNvSpPr>
+          <p:nvPr userDrawn="1"/>
+        </p:nvSpPr>
+        <p:spPr>
+          <a:xfrm>
+            <a:off x="142200" y="249101"/>
+            <a:ext cx="8831579" cy="840455"/>
+          </a:xfrm>
+          <a:prstGeom prst="rect">
+            <a:avLst/>
+          </a:prstGeom>
+          <a:solidFill>
+            <a:schemeClr val="accent1"/>
+          </a:solidFill>
+          <a:ln>
+            <a:noFill/>
+          </a:ln>
+          <a:effectLst/>
+        </p:spPr>
+        <p:style>
+          <a:lnRef idx="1">
+            <a:schemeClr val="accent1"/>
+          </a:lnRef>
+          <a:fillRef idx="3">
+            <a:schemeClr val="accent1"/>
+          </a:fillRef>
+          <a:effectRef idx="2">
+            <a:schemeClr val="accent1"/>
+          </a:effectRef>
+          <a:fontRef idx="minor">
+            <a:schemeClr val="lt1"/>
+          </a:fontRef>
+        </p:style>
+        <p:txBody>
+          <a:bodyPr/>
+          <a:lstStyle/>
+          <a:p>
+            <a:endParaRPr lang="en-US" dirty="0"/>
           </a:p>
         </p:txBody>
       </p:sp>
     </p:spTree>
     <p:extLst>
       <p:ext uri="{BB962C8B-B14F-4D97-AF65-F5344CB8AC3E}">
-        <p14:creationId xmlns:p14="http://schemas.microsoft.com/office/powerpoint/2010/main" val="997795342"/>
+        <p14:creationId xmlns:p14="http://schemas.microsoft.com/office/powerpoint/2010/main" val="2159391708"/>
       </p:ext>
     </p:extLst>
   </p:cSld>
@@ -3757,7 +5596,7 @@
 </file>
 
 <file path=ppt/slideLayouts/slideLayout7.xml><?xml version="1.0" encoding="utf-8"?>
-<p:sldLayout xmlns:a="http://schemas.openxmlformats.org/drawingml/2006/main" xmlns:r="http://schemas.openxmlformats.org/officeDocument/2006/relationships" xmlns:p="http://schemas.openxmlformats.org/presentationml/2006/main" preserve="1" userDrawn="1">
+<p:sldLayout xmlns:a="http://schemas.openxmlformats.org/drawingml/2006/main" xmlns:r="http://schemas.openxmlformats.org/officeDocument/2006/relationships" xmlns:p="http://schemas.openxmlformats.org/presentationml/2006/main" preserve="1">
   <p:cSld name="Blank">
     <p:spTree>
       <p:nvGrpSpPr>
@@ -3785,7 +5624,7 @@
           <p:cNvSpPr>
             <a:spLocks noChangeAspect="1"/>
           </p:cNvSpPr>
-          <p:nvPr userDrawn="1"/>
+          <p:nvPr/>
         </p:nvSpPr>
         <p:spPr>
           <a:xfrm>
@@ -3860,9 +5699,10 @@
           </a:lstStyle>
           <a:p>
             <a:r>
-              <a:rPr lang="en-US" dirty="0"/>
+              <a:rPr lang="en-US"/>
               <a:t>Click to edit Master title style</a:t>
             </a:r>
+            <a:endParaRPr lang="en-US" dirty="0"/>
           </a:p>
         </p:txBody>
       </p:sp>
@@ -3913,7 +5753,7 @@
             </a:extLst>
           </p:cNvPr>
           <p:cNvCxnSpPr/>
-          <p:nvPr userDrawn="1"/>
+          <p:nvPr/>
         </p:nvCxnSpPr>
         <p:spPr>
           <a:xfrm>
@@ -3970,16 +5810,104 @@
           <a:p>
             <a:r>
               <a:rPr lang="en-US"/>
-              <a:t>Copyright © 2020 SPIKE Prime Lessons (primelessons.org) CC-BY-NC-SA.  (Last edit: 1/9/2020)</a:t>
+              <a:t>Copyright © 2020 Prime Lessons (primelessons.org) CC-BY-NC-SA.  (Last edit: 12/14/2020)</a:t>
             </a:r>
             <a:endParaRPr lang="en-US" dirty="0"/>
           </a:p>
         </p:txBody>
       </p:sp>
+      <p:sp>
+        <p:nvSpPr>
+          <p:cNvPr id="7" name="Rectangle 6">
+            <a:extLst>
+              <a:ext uri="{FF2B5EF4-FFF2-40B4-BE49-F238E27FC236}">
+                <a16:creationId xmlns:a16="http://schemas.microsoft.com/office/drawing/2014/main" id="{D6F692AE-5891-3A41-A2F2-37AD9D2BE08B}"/>
+              </a:ext>
+            </a:extLst>
+          </p:cNvPr>
+          <p:cNvSpPr>
+            <a:spLocks noChangeAspect="1"/>
+          </p:cNvSpPr>
+          <p:nvPr userDrawn="1"/>
+        </p:nvSpPr>
+        <p:spPr>
+          <a:xfrm>
+            <a:off x="142200" y="249101"/>
+            <a:ext cx="8831579" cy="840455"/>
+          </a:xfrm>
+          <a:prstGeom prst="rect">
+            <a:avLst/>
+          </a:prstGeom>
+          <a:solidFill>
+            <a:schemeClr val="accent1"/>
+          </a:solidFill>
+          <a:ln>
+            <a:noFill/>
+          </a:ln>
+          <a:effectLst/>
+        </p:spPr>
+        <p:style>
+          <a:lnRef idx="1">
+            <a:schemeClr val="accent1"/>
+          </a:lnRef>
+          <a:fillRef idx="3">
+            <a:schemeClr val="accent1"/>
+          </a:fillRef>
+          <a:effectRef idx="2">
+            <a:schemeClr val="accent1"/>
+          </a:effectRef>
+          <a:fontRef idx="minor">
+            <a:schemeClr val="lt1"/>
+          </a:fontRef>
+        </p:style>
+        <p:txBody>
+          <a:bodyPr/>
+          <a:lstStyle/>
+          <a:p>
+            <a:endParaRPr lang="en-US" dirty="0"/>
+          </a:p>
+        </p:txBody>
+      </p:sp>
+      <p:cxnSp>
+        <p:nvCxnSpPr>
+          <p:cNvPr id="13" name="Straight Connector 12">
+            <a:extLst>
+              <a:ext uri="{FF2B5EF4-FFF2-40B4-BE49-F238E27FC236}">
+                <a16:creationId xmlns:a16="http://schemas.microsoft.com/office/drawing/2014/main" id="{C0726470-A58D-2340-B8C0-518075458D0B}"/>
+              </a:ext>
+            </a:extLst>
+          </p:cNvPr>
+          <p:cNvCxnSpPr/>
+          <p:nvPr userDrawn="1"/>
+        </p:nvCxnSpPr>
+        <p:spPr>
+          <a:xfrm>
+            <a:off x="175260" y="6316935"/>
+            <a:ext cx="8831580" cy="0"/>
+          </a:xfrm>
+          <a:prstGeom prst="line">
+            <a:avLst/>
+          </a:prstGeom>
+        </p:spPr>
+        <p:style>
+          <a:lnRef idx="1">
+            <a:schemeClr val="dk1"/>
+          </a:lnRef>
+          <a:fillRef idx="0">
+            <a:schemeClr val="dk1"/>
+          </a:fillRef>
+          <a:effectRef idx="0">
+            <a:schemeClr val="dk1"/>
+          </a:effectRef>
+          <a:fontRef idx="minor">
+            <a:schemeClr val="tx1"/>
+          </a:fontRef>
+        </p:style>
+      </p:cxnSp>
     </p:spTree>
     <p:extLst>
       <p:ext uri="{BB962C8B-B14F-4D97-AF65-F5344CB8AC3E}">
-        <p14:creationId xmlns:p14="http://schemas.microsoft.com/office/powerpoint/2010/main" val="2961518194"/>
+        <p14:creationId xmlns:p14="http://schemas.microsoft.com/office/powerpoint/2010/main" val="1820941496"/>
       </p:ext>
     </p:extLst>
   </p:cSld>
@@ -4352,7 +6280,7 @@
           <a:p>
             <a:r>
               <a:rPr lang="en-US"/>
-              <a:t>Copyright © 2020 SPIKE Prime Lessons (primelessons.org) CC-BY-NC-SA.  (Last edit: 1/9/2020)</a:t>
+              <a:t>Copyright © 2020 Prime Lessons (primelessons.org) CC-BY-NC-SA.  (Last edit: 12/14/2020)</a:t>
             </a:r>
           </a:p>
         </p:txBody>
@@ -4402,7 +6330,7 @@
     </p:spTree>
     <p:extLst>
       <p:ext uri="{BB962C8B-B14F-4D97-AF65-F5344CB8AC3E}">
-        <p14:creationId xmlns:p14="http://schemas.microsoft.com/office/powerpoint/2010/main" val="4019911693"/>
+        <p14:creationId xmlns:p14="http://schemas.microsoft.com/office/powerpoint/2010/main" val="2105074101"/>
       </p:ext>
     </p:extLst>
   </p:cSld>
@@ -4653,7 +6581,7 @@
           <a:p>
             <a:r>
               <a:rPr lang="en-US"/>
-              <a:t>Copyright © 2020 SPIKE Prime Lessons (primelessons.org) CC-BY-NC-SA.  (Last edit: 1/9/2020)</a:t>
+              <a:t>Copyright © 2020 Prime Lessons (primelessons.org) CC-BY-NC-SA.  (Last edit: 12/14/2020)</a:t>
             </a:r>
             <a:endParaRPr lang="en-US" dirty="0"/>
           </a:p>
@@ -4693,7 +6621,7 @@
     </p:spTree>
     <p:extLst>
       <p:ext uri="{BB962C8B-B14F-4D97-AF65-F5344CB8AC3E}">
-        <p14:creationId xmlns:p14="http://schemas.microsoft.com/office/powerpoint/2010/main" val="2749694223"/>
+        <p14:creationId xmlns:p14="http://schemas.microsoft.com/office/powerpoint/2010/main" val="2222103555"/>
       </p:ext>
     </p:extLst>
   </p:cSld>
@@ -4751,9 +6679,10 @@
           <a:lstStyle/>
           <a:p>
             <a:r>
-              <a:rPr lang="en-US" dirty="0"/>
+              <a:rPr lang="en-US"/>
               <a:t>Click to edit Master title style</a:t>
             </a:r>
+            <a:endParaRPr lang="en-US" dirty="0"/>
           </a:p>
         </p:txBody>
       </p:sp>
@@ -4784,37 +6713,38 @@
           <a:p>
             <a:pPr lvl="0"/>
             <a:r>
-              <a:rPr lang="en-US" dirty="0"/>
+              <a:rPr lang="en-US"/>
               <a:t>Click to edit Master text styles</a:t>
             </a:r>
           </a:p>
           <a:p>
             <a:pPr lvl="1"/>
             <a:r>
-              <a:rPr lang="en-US" dirty="0"/>
+              <a:rPr lang="en-US"/>
               <a:t>Second level</a:t>
             </a:r>
           </a:p>
           <a:p>
             <a:pPr lvl="2"/>
             <a:r>
-              <a:rPr lang="en-US" dirty="0"/>
+              <a:rPr lang="en-US"/>
               <a:t>Third level</a:t>
             </a:r>
           </a:p>
           <a:p>
             <a:pPr lvl="3"/>
             <a:r>
-              <a:rPr lang="en-US" dirty="0"/>
+              <a:rPr lang="en-US"/>
               <a:t>Fourth level</a:t>
             </a:r>
           </a:p>
           <a:p>
             <a:pPr lvl="4"/>
             <a:r>
-              <a:rPr lang="en-US" dirty="0"/>
+              <a:rPr lang="en-US"/>
               <a:t>Fifth level</a:t>
             </a:r>
+            <a:endParaRPr lang="en-US" dirty="0"/>
           </a:p>
         </p:txBody>
       </p:sp>
@@ -4833,7 +6763,7 @@
             <a:avLst/>
           </a:prstGeom>
           <a:solidFill>
-            <a:srgbClr val="65D7FF"/>
+            <a:schemeClr val="tx1"/>
           </a:solidFill>
           <a:ln>
             <a:noFill/>
@@ -4877,7 +6807,7 @@
             <a:avLst/>
           </a:prstGeom>
           <a:solidFill>
-            <a:srgbClr val="FFD500"/>
+            <a:srgbClr val="0EAE9F"/>
           </a:solidFill>
           <a:ln>
             <a:noFill/>
@@ -4914,7 +6844,7 @@
             <a:avLst/>
           </a:prstGeom>
           <a:solidFill>
-            <a:srgbClr val="961BDB"/>
+            <a:srgbClr val="FFD500"/>
           </a:solidFill>
           <a:ln>
             <a:noFill/>
@@ -4955,7 +6885,7 @@
         <p:spPr>
           <a:xfrm>
             <a:off x="88409" y="6266485"/>
-            <a:ext cx="4870585" cy="365125"/>
+            <a:ext cx="7599835" cy="365125"/>
           </a:xfrm>
           <a:prstGeom prst="rect">
             <a:avLst/>
@@ -4971,7 +6901,7 @@
           <a:p>
             <a:r>
               <a:rPr lang="en-US"/>
-              <a:t>Copyright © 2020 SPIKE Prime Lessons (primelessons.org) CC-BY-NC-SA.  (Last edit: 1/9/2020)</a:t>
+              <a:t>Copyright © 2020 Prime Lessons (primelessons.org) CC-BY-NC-SA.  (Last edit: 12/14/2020)</a:t>
             </a:r>
             <a:endParaRPr lang="en-US" dirty="0"/>
           </a:p>
@@ -5025,6 +6955,42 @@
             <a:extLst>
               <a:ext uri="{FF2B5EF4-FFF2-40B4-BE49-F238E27FC236}">
                 <a16:creationId xmlns:a16="http://schemas.microsoft.com/office/drawing/2014/main" id="{6AF90A68-628C-4E8F-BCF5-404070DD47EC}"/>
+              </a:ext>
+            </a:extLst>
+          </p:cNvPr>
+          <p:cNvCxnSpPr/>
+          <p:nvPr/>
+        </p:nvCxnSpPr>
+        <p:spPr>
+          <a:xfrm>
+            <a:off x="175260" y="6316935"/>
+            <a:ext cx="8831580" cy="0"/>
+          </a:xfrm>
+          <a:prstGeom prst="line">
+            <a:avLst/>
+          </a:prstGeom>
+        </p:spPr>
+        <p:style>
+          <a:lnRef idx="1">
+            <a:schemeClr val="dk1"/>
+          </a:lnRef>
+          <a:fillRef idx="0">
+            <a:schemeClr val="dk1"/>
+          </a:fillRef>
+          <a:effectRef idx="0">
+            <a:schemeClr val="dk1"/>
+          </a:effectRef>
+          <a:fontRef idx="minor">
+            <a:schemeClr val="tx1"/>
+          </a:fontRef>
+        </p:style>
+      </p:cxnSp>
+      <p:cxnSp>
+        <p:nvCxnSpPr>
+          <p:cNvPr id="15" name="Straight Connector 14">
+            <a:extLst>
+              <a:ext uri="{FF2B5EF4-FFF2-40B4-BE49-F238E27FC236}">
+                <a16:creationId xmlns:a16="http://schemas.microsoft.com/office/drawing/2014/main" id="{3305DD56-825F-664B-833B-06C3F75BB5B8}"/>
               </a:ext>
             </a:extLst>
           </p:cNvPr>
@@ -5058,23 +7024,27 @@
     </p:spTree>
     <p:extLst>
       <p:ext uri="{BB962C8B-B14F-4D97-AF65-F5344CB8AC3E}">
-        <p14:creationId xmlns:p14="http://schemas.microsoft.com/office/powerpoint/2010/main" val="3144911534"/>
+        <p14:creationId xmlns:p14="http://schemas.microsoft.com/office/powerpoint/2010/main" val="3246269193"/>
       </p:ext>
     </p:extLst>
   </p:cSld>
   <p:clrMap bg1="lt1" tx1="dk1" bg2="lt2" tx2="dk2" accent1="accent1" accent2="accent2" accent3="accent3" accent4="accent4" accent5="accent5" accent6="accent6" hlink="hlink" folHlink="folHlink"/>
   <p:sldLayoutIdLst>
-    <p:sldLayoutId id="2147483762" r:id="rId1"/>
-    <p:sldLayoutId id="2147483763" r:id="rId2"/>
-    <p:sldLayoutId id="2147483764" r:id="rId3"/>
-    <p:sldLayoutId id="2147483765" r:id="rId4"/>
-    <p:sldLayoutId id="2147483766" r:id="rId5"/>
-    <p:sldLayoutId id="2147483767" r:id="rId6"/>
-    <p:sldLayoutId id="2147483768" r:id="rId7"/>
-    <p:sldLayoutId id="2147483769" r:id="rId8"/>
-    <p:sldLayoutId id="2147483770" r:id="rId9"/>
-    <p:sldLayoutId id="2147483771" r:id="rId10"/>
-    <p:sldLayoutId id="2147483772" r:id="rId11"/>
+    <p:sldLayoutId id="2147483774" r:id="rId1"/>
+    <p:sldLayoutId id="2147483775" r:id="rId2"/>
+    <p:sldLayoutId id="2147483776" r:id="rId3"/>
+    <p:sldLayoutId id="2147483777" r:id="rId4"/>
+    <p:sldLayoutId id="2147483778" r:id="rId5"/>
+    <p:sldLayoutId id="2147483779" r:id="rId6"/>
+    <p:sldLayoutId id="2147483780" r:id="rId7"/>
+    <p:sldLayoutId id="2147483781" r:id="rId8"/>
+    <p:sldLayoutId id="2147483782" r:id="rId9"/>
+    <p:sldLayoutId id="2147483783" r:id="rId10"/>
+    <p:sldLayoutId id="2147483784" r:id="rId11"/>
+    <p:sldLayoutId id="2147483765" r:id="rId12"/>
+    <p:sldLayoutId id="2147483766" r:id="rId13"/>
+    <p:sldLayoutId id="2147483767" r:id="rId14"/>
+    <p:sldLayoutId id="2147483768" r:id="rId15"/>
   </p:sldLayoutIdLst>
   <p:hf hdr="0" dt="0"/>
   <p:txStyles>
@@ -5482,14 +7452,19 @@
             <p:ph type="ctrTitle"/>
           </p:nvPr>
         </p:nvSpPr>
-        <p:spPr/>
+        <p:spPr>
+          <a:xfrm>
+            <a:off x="242754" y="2676578"/>
+            <a:ext cx="8584534" cy="1504844"/>
+          </a:xfrm>
+        </p:spPr>
         <p:txBody>
           <a:bodyPr/>
           <a:lstStyle/>
           <a:p>
             <a:r>
               <a:rPr lang="en-US" dirty="0"/>
-              <a:t>installing software &amp; Firmware</a:t>
+              <a:t>installing software &amp; Firmware on SPIKE Prime and ROBOT INVENTOR </a:t>
             </a:r>
           </a:p>
         </p:txBody>
@@ -5535,7 +7510,7 @@
 </p:sld>
 </file>
 
-<file path=ppt/slides/slide2.xml><?xml version="1.0" encoding="utf-8"?>
+<file path=ppt/slides/slide10.xml><?xml version="1.0" encoding="utf-8"?>
 <p:sld xmlns:a="http://schemas.openxmlformats.org/drawingml/2006/main" xmlns:r="http://schemas.openxmlformats.org/officeDocument/2006/relationships" xmlns:p="http://schemas.openxmlformats.org/presentationml/2006/main">
   <p:cSld>
     <p:spTree>
@@ -5569,7 +7544,7 @@
           <a:p>
             <a:r>
               <a:rPr lang="en-US" dirty="0"/>
-              <a:t>Lesson Objectives</a:t>
+              <a:t>CREDITS</a:t>
             </a:r>
           </a:p>
         </p:txBody>
@@ -5586,202 +7561,8 @@
         </p:nvSpPr>
         <p:spPr>
           <a:xfrm>
-            <a:off x="155088" y="1140007"/>
-            <a:ext cx="8831580" cy="2409220"/>
-          </a:xfrm>
-        </p:spPr>
-        <p:txBody>
-          <a:bodyPr/>
-          <a:lstStyle/>
-          <a:p>
-            <a:r>
-              <a:rPr lang="en-US" dirty="0"/>
-              <a:t>Learn how to update SPIKE Prime</a:t>
-            </a:r>
-          </a:p>
-          <a:p>
-            <a:endParaRPr lang="en-US" dirty="0"/>
-          </a:p>
-          <a:p>
-            <a:endParaRPr lang="en-US" dirty="0"/>
-          </a:p>
-        </p:txBody>
-      </p:sp>
-      <p:sp>
-        <p:nvSpPr>
-          <p:cNvPr id="4" name="Footer Placeholder 3"/>
-          <p:cNvSpPr>
-            <a:spLocks noGrp="1"/>
-          </p:cNvSpPr>
-          <p:nvPr>
-            <p:ph type="ftr" sz="quarter" idx="11"/>
-          </p:nvPr>
-        </p:nvSpPr>
-        <p:spPr/>
-        <p:txBody>
-          <a:bodyPr/>
-          <a:lstStyle/>
-          <a:p>
-            <a:r>
-              <a:rPr lang="en-US"/>
-              <a:t>Copyright © 2020 SPIKE Prime Lessons (primelessons.org) CC-BY-NC-SA.  (Last edit: 1/9/2020)</a:t>
-            </a:r>
-          </a:p>
-        </p:txBody>
-      </p:sp>
-      <p:pic>
-        <p:nvPicPr>
-          <p:cNvPr id="6" name="Picture 5" descr="A close up of a box&#10;&#10;Description automatically generated">
-            <a:extLst>
-              <a:ext uri="{FF2B5EF4-FFF2-40B4-BE49-F238E27FC236}">
-                <a16:creationId xmlns:a16="http://schemas.microsoft.com/office/drawing/2014/main" id="{FEE34A32-27D6-4080-BD6B-C5454C87DCF2}"/>
-              </a:ext>
-            </a:extLst>
-          </p:cNvPr>
-          <p:cNvPicPr>
-            <a:picLocks noChangeAspect="1"/>
-          </p:cNvPicPr>
-          <p:nvPr/>
-        </p:nvPicPr>
-        <p:blipFill rotWithShape="1">
-          <a:blip r:embed="rId2"/>
-          <a:srcRect l="11679" r="12411"/>
-          <a:stretch/>
-        </p:blipFill>
-        <p:spPr>
-          <a:xfrm>
-            <a:off x="4324572" y="1368878"/>
-            <a:ext cx="4401879" cy="4349115"/>
-          </a:xfrm>
-          <a:prstGeom prst="rect">
-            <a:avLst/>
-          </a:prstGeom>
-        </p:spPr>
-      </p:pic>
-      <p:sp>
-        <p:nvSpPr>
-          <p:cNvPr id="7" name="Slide Number Placeholder 6">
-            <a:extLst>
-              <a:ext uri="{FF2B5EF4-FFF2-40B4-BE49-F238E27FC236}">
-                <a16:creationId xmlns:a16="http://schemas.microsoft.com/office/drawing/2014/main" id="{8D64AAE4-28AB-4B08-8A92-91AD24C926BD}"/>
-              </a:ext>
-            </a:extLst>
-          </p:cNvPr>
-          <p:cNvSpPr>
-            <a:spLocks noGrp="1"/>
-          </p:cNvSpPr>
-          <p:nvPr>
-            <p:ph type="sldNum" sz="quarter" idx="12"/>
-          </p:nvPr>
-        </p:nvSpPr>
-        <p:spPr/>
-        <p:txBody>
-          <a:bodyPr/>
-          <a:lstStyle/>
-          <a:p>
-            <a:fld id="{BBD74847-7BE4-4E4D-8159-51DF7B93C616}" type="slidenum">
-              <a:rPr lang="en-US" smtClean="0"/>
-              <a:t>2</a:t>
-            </a:fld>
-            <a:endParaRPr lang="en-US"/>
-          </a:p>
-        </p:txBody>
-      </p:sp>
-    </p:spTree>
-    <p:extLst>
-      <p:ext uri="{BB962C8B-B14F-4D97-AF65-F5344CB8AC3E}">
-        <p14:creationId xmlns:p14="http://schemas.microsoft.com/office/powerpoint/2010/main" val="675085363"/>
-      </p:ext>
-    </p:extLst>
-  </p:cSld>
-  <p:clrMapOvr>
-    <a:masterClrMapping/>
-  </p:clrMapOvr>
-</p:sld>
-</file>
-
-<file path=ppt/slides/slide3.xml><?xml version="1.0" encoding="utf-8"?>
-<p:sld xmlns:a="http://schemas.openxmlformats.org/drawingml/2006/main" xmlns:r="http://schemas.openxmlformats.org/officeDocument/2006/relationships" xmlns:p="http://schemas.openxmlformats.org/presentationml/2006/main">
-  <p:cSld>
-    <p:spTree>
-      <p:nvGrpSpPr>
-        <p:cNvPr id="1" name=""/>
-        <p:cNvGrpSpPr/>
-        <p:nvPr/>
-      </p:nvGrpSpPr>
-      <p:grpSpPr>
-        <a:xfrm>
-          <a:off x="0" y="0"/>
-          <a:ext cx="0" cy="0"/>
-          <a:chOff x="0" y="0"/>
-          <a:chExt cx="0" cy="0"/>
-        </a:xfrm>
-      </p:grpSpPr>
-      <p:pic>
-        <p:nvPicPr>
-          <p:cNvPr id="5" name="Picture 4">
-            <a:extLst>
-              <a:ext uri="{FF2B5EF4-FFF2-40B4-BE49-F238E27FC236}">
-                <a16:creationId xmlns:a16="http://schemas.microsoft.com/office/drawing/2014/main" id="{FA399B84-BCC1-4BA3-B95D-5928C70046E0}"/>
-              </a:ext>
-            </a:extLst>
-          </p:cNvPr>
-          <p:cNvPicPr>
-            <a:picLocks noChangeAspect="1"/>
-          </p:cNvPicPr>
-          <p:nvPr/>
-        </p:nvPicPr>
-        <p:blipFill rotWithShape="1">
-          <a:blip r:embed="rId2"/>
-          <a:srcRect t="4720"/>
-          <a:stretch/>
-        </p:blipFill>
-        <p:spPr>
-          <a:xfrm>
-            <a:off x="159493" y="1177853"/>
-            <a:ext cx="3520970" cy="2521040"/>
-          </a:xfrm>
-          <a:prstGeom prst="rect">
-            <a:avLst/>
-          </a:prstGeom>
-        </p:spPr>
-      </p:pic>
-      <p:sp>
-        <p:nvSpPr>
-          <p:cNvPr id="2" name="Title 1"/>
-          <p:cNvSpPr>
-            <a:spLocks noGrp="1"/>
-          </p:cNvSpPr>
-          <p:nvPr>
-            <p:ph type="title"/>
-          </p:nvPr>
-        </p:nvSpPr>
-        <p:spPr/>
-        <p:txBody>
-          <a:bodyPr/>
-          <a:lstStyle/>
-          <a:p>
-            <a:r>
-              <a:rPr lang="en-US" dirty="0"/>
-              <a:t>Connect to hub</a:t>
-            </a:r>
-          </a:p>
-        </p:txBody>
-      </p:sp>
-      <p:sp>
-        <p:nvSpPr>
-          <p:cNvPr id="7" name="Content Placeholder 6"/>
-          <p:cNvSpPr>
-            <a:spLocks noGrp="1"/>
-          </p:cNvSpPr>
-          <p:nvPr>
-            <p:ph idx="1"/>
-          </p:nvPr>
-        </p:nvSpPr>
-        <p:spPr>
-          <a:xfrm>
-            <a:off x="3942080" y="1242218"/>
-            <a:ext cx="5042427" cy="4312933"/>
+            <a:off x="457200" y="1317983"/>
+            <a:ext cx="8245474" cy="1145345"/>
           </a:xfrm>
         </p:spPr>
         <p:txBody>
@@ -5791,28 +7572,14 @@
           <a:lstStyle/>
           <a:p>
             <a:r>
-              <a:rPr lang="en-US" dirty="0"/>
-              <a:t>Connect your SPIKE Prime to your computer using the USB Cable for OS Updates</a:t>
-            </a:r>
-          </a:p>
-          <a:p>
-            <a:r>
-              <a:rPr lang="en-US" dirty="0"/>
-              <a:t>The software will auto-connect to the brick if you are using USB</a:t>
-            </a:r>
-          </a:p>
-          <a:p>
-            <a:r>
-              <a:rPr lang="en-US" dirty="0"/>
-              <a:t>Note: If you are using the iOS</a:t>
-            </a:r>
-            <a:r>
-              <a:rPr lang="en-US"/>
-              <a:t>,  Android, </a:t>
-            </a:r>
-            <a:r>
-              <a:rPr lang="en-US" dirty="0"/>
-              <a:t>or Chromebook version of the software, you may need to connect to your Hub using a computer the very first time to update the firmware on the Hub. Subsequent updates may be possible via Bluetooth. [This process may get updated.]</a:t>
+              <a:rPr lang="en-US" sz="1600" dirty="0"/>
+              <a:t>This lesson was created by Sanjay Seshan and Arvind Seshan for Prime Lessons</a:t>
+            </a:r>
+          </a:p>
+          <a:p>
+            <a:r>
+              <a:rPr lang="en-US" sz="1600" dirty="0"/>
+              <a:t>More lessons are available at www.primelessons.org</a:t>
             </a:r>
           </a:p>
         </p:txBody>
@@ -5834,61 +7601,18 @@
           <a:p>
             <a:r>
               <a:rPr lang="en-US"/>
-              <a:t>Copyright © 2020 SPIKE Prime Lessons (primelessons.org) CC-BY-NC-SA.  (Last edit: 1/9/2020)</a:t>
-            </a:r>
-          </a:p>
-        </p:txBody>
-      </p:sp>
-      <p:sp>
-        <p:nvSpPr>
-          <p:cNvPr id="10" name="Rectangle 9"/>
-          <p:cNvSpPr/>
-          <p:nvPr/>
-        </p:nvSpPr>
-        <p:spPr>
-          <a:xfrm>
-            <a:off x="1245462" y="1374409"/>
-            <a:ext cx="325641" cy="312615"/>
-          </a:xfrm>
-          <a:prstGeom prst="rect">
-            <a:avLst/>
-          </a:prstGeom>
-          <a:noFill/>
-          <a:ln w="57150" cmpd="sng">
-            <a:solidFill>
-              <a:srgbClr val="FFD500"/>
-            </a:solidFill>
-          </a:ln>
-        </p:spPr>
-        <p:style>
-          <a:lnRef idx="1">
-            <a:schemeClr val="accent1"/>
-          </a:lnRef>
-          <a:fillRef idx="3">
-            <a:schemeClr val="accent1"/>
-          </a:fillRef>
-          <a:effectRef idx="2">
-            <a:schemeClr val="accent1"/>
-          </a:effectRef>
-          <a:fontRef idx="minor">
-            <a:schemeClr val="lt1"/>
-          </a:fontRef>
-        </p:style>
-        <p:txBody>
-          <a:bodyPr rtlCol="0" anchor="ctr"/>
-          <a:lstStyle/>
-          <a:p>
-            <a:pPr algn="ctr"/>
-            <a:endParaRPr lang="en-US"/>
-          </a:p>
-        </p:txBody>
-      </p:sp>
-      <p:sp>
-        <p:nvSpPr>
-          <p:cNvPr id="14" name="Slide Number Placeholder 13">
-            <a:extLst>
-              <a:ext uri="{FF2B5EF4-FFF2-40B4-BE49-F238E27FC236}">
-                <a16:creationId xmlns:a16="http://schemas.microsoft.com/office/drawing/2014/main" id="{D318FC27-407A-4F8C-85FE-2F82CAB12653}"/>
+              <a:t>Copyright © 2020 Prime Lessons (primelessons.org) CC-BY-NC-SA.  (Last edit: 12/14/2020)</a:t>
+            </a:r>
+            <a:endParaRPr lang="en-US" dirty="0"/>
+          </a:p>
+        </p:txBody>
+      </p:sp>
+      <p:sp>
+        <p:nvSpPr>
+          <p:cNvPr id="7" name="Slide Number Placeholder 6">
+            <a:extLst>
+              <a:ext uri="{FF2B5EF4-FFF2-40B4-BE49-F238E27FC236}">
+                <a16:creationId xmlns:a16="http://schemas.microsoft.com/office/drawing/2014/main" id="{F6739919-47A8-43E0-85A2-F648492C26DE}"/>
               </a:ext>
             </a:extLst>
           </p:cNvPr>
@@ -5906,1134 +7630,9 @@
           <a:p>
             <a:fld id="{BBD74847-7BE4-4E4D-8159-51DF7B93C616}" type="slidenum">
               <a:rPr lang="en-US" smtClean="0"/>
-              <a:t>3</a:t>
+              <a:t>10</a:t>
             </a:fld>
             <a:endParaRPr lang="en-US"/>
-          </a:p>
-        </p:txBody>
-      </p:sp>
-    </p:spTree>
-    <p:extLst>
-      <p:ext uri="{BB962C8B-B14F-4D97-AF65-F5344CB8AC3E}">
-        <p14:creationId xmlns:p14="http://schemas.microsoft.com/office/powerpoint/2010/main" val="1494063988"/>
-      </p:ext>
-    </p:extLst>
-  </p:cSld>
-  <p:clrMapOvr>
-    <a:masterClrMapping/>
-  </p:clrMapOvr>
-</p:sld>
-</file>
-
-<file path=ppt/slides/slide4.xml><?xml version="1.0" encoding="utf-8"?>
-<p:sld xmlns:a="http://schemas.openxmlformats.org/drawingml/2006/main" xmlns:r="http://schemas.openxmlformats.org/officeDocument/2006/relationships" xmlns:p="http://schemas.openxmlformats.org/presentationml/2006/main">
-  <p:cSld>
-    <p:spTree>
-      <p:nvGrpSpPr>
-        <p:cNvPr id="1" name=""/>
-        <p:cNvGrpSpPr/>
-        <p:nvPr/>
-      </p:nvGrpSpPr>
-      <p:grpSpPr>
-        <a:xfrm>
-          <a:off x="0" y="0"/>
-          <a:ext cx="0" cy="0"/>
-          <a:chOff x="0" y="0"/>
-          <a:chExt cx="0" cy="0"/>
-        </a:xfrm>
-      </p:grpSpPr>
-      <p:sp>
-        <p:nvSpPr>
-          <p:cNvPr id="2" name="Title 1">
-            <a:extLst>
-              <a:ext uri="{FF2B5EF4-FFF2-40B4-BE49-F238E27FC236}">
-                <a16:creationId xmlns:a16="http://schemas.microsoft.com/office/drawing/2014/main" id="{49DA58AE-222D-48A7-8021-BF3B6C1588BF}"/>
-              </a:ext>
-            </a:extLst>
-          </p:cNvPr>
-          <p:cNvSpPr>
-            <a:spLocks noGrp="1"/>
-          </p:cNvSpPr>
-          <p:nvPr>
-            <p:ph type="title"/>
-          </p:nvPr>
-        </p:nvSpPr>
-        <p:spPr/>
-        <p:txBody>
-          <a:bodyPr/>
-          <a:lstStyle/>
-          <a:p>
-            <a:r>
-              <a:rPr lang="en-US" dirty="0"/>
-              <a:t>Updating the hub operating system</a:t>
-            </a:r>
-          </a:p>
-        </p:txBody>
-      </p:sp>
-      <p:sp>
-        <p:nvSpPr>
-          <p:cNvPr id="3" name="Content Placeholder 2">
-            <a:extLst>
-              <a:ext uri="{FF2B5EF4-FFF2-40B4-BE49-F238E27FC236}">
-                <a16:creationId xmlns:a16="http://schemas.microsoft.com/office/drawing/2014/main" id="{386D02E9-0BA2-4B2E-939C-285D30C79977}"/>
-              </a:ext>
-            </a:extLst>
-          </p:cNvPr>
-          <p:cNvSpPr>
-            <a:spLocks noGrp="1"/>
-          </p:cNvSpPr>
-          <p:nvPr>
-            <p:ph idx="1"/>
-          </p:nvPr>
-        </p:nvSpPr>
-        <p:spPr>
-          <a:xfrm>
-            <a:off x="155088" y="1140006"/>
-            <a:ext cx="8767036" cy="5082601"/>
-          </a:xfrm>
-        </p:spPr>
-        <p:txBody>
-          <a:bodyPr/>
-          <a:lstStyle/>
-          <a:p>
-            <a:r>
-              <a:rPr lang="en-US" dirty="0"/>
-              <a:t>If there is an Update available, you will get a popup telling you to do so</a:t>
-            </a:r>
-          </a:p>
-        </p:txBody>
-      </p:sp>
-      <p:sp>
-        <p:nvSpPr>
-          <p:cNvPr id="4" name="Footer Placeholder 3">
-            <a:extLst>
-              <a:ext uri="{FF2B5EF4-FFF2-40B4-BE49-F238E27FC236}">
-                <a16:creationId xmlns:a16="http://schemas.microsoft.com/office/drawing/2014/main" id="{481B2C6E-16E0-4A03-AA7A-0AF57CE982F4}"/>
-              </a:ext>
-            </a:extLst>
-          </p:cNvPr>
-          <p:cNvSpPr>
-            <a:spLocks noGrp="1"/>
-          </p:cNvSpPr>
-          <p:nvPr>
-            <p:ph type="ftr" sz="quarter" idx="11"/>
-          </p:nvPr>
-        </p:nvSpPr>
-        <p:spPr/>
-        <p:txBody>
-          <a:bodyPr/>
-          <a:lstStyle/>
-          <a:p>
-            <a:r>
-              <a:rPr lang="en-US"/>
-              <a:t>Copyright © 2020 SPIKE Prime Lessons (primelessons.org) CC-BY-NC-SA.  (Last edit: 1/9/2020)</a:t>
-            </a:r>
-            <a:endParaRPr lang="en-US" dirty="0"/>
-          </a:p>
-        </p:txBody>
-      </p:sp>
-      <p:sp>
-        <p:nvSpPr>
-          <p:cNvPr id="5" name="Slide Number Placeholder 4">
-            <a:extLst>
-              <a:ext uri="{FF2B5EF4-FFF2-40B4-BE49-F238E27FC236}">
-                <a16:creationId xmlns:a16="http://schemas.microsoft.com/office/drawing/2014/main" id="{216512AA-9E5F-4D92-A3C5-2FB2AB5721AB}"/>
-              </a:ext>
-            </a:extLst>
-          </p:cNvPr>
-          <p:cNvSpPr>
-            <a:spLocks noGrp="1"/>
-          </p:cNvSpPr>
-          <p:nvPr>
-            <p:ph type="sldNum" sz="quarter" idx="12"/>
-          </p:nvPr>
-        </p:nvSpPr>
-        <p:spPr/>
-        <p:txBody>
-          <a:bodyPr/>
-          <a:lstStyle/>
-          <a:p>
-            <a:fld id="{BBD74847-7BE4-4E4D-8159-51DF7B93C616}" type="slidenum">
-              <a:rPr lang="en-US" smtClean="0"/>
-              <a:t>4</a:t>
-            </a:fld>
-            <a:endParaRPr lang="en-US"/>
-          </a:p>
-        </p:txBody>
-      </p:sp>
-      <p:pic>
-        <p:nvPicPr>
-          <p:cNvPr id="6" name="Picture 5">
-            <a:extLst>
-              <a:ext uri="{FF2B5EF4-FFF2-40B4-BE49-F238E27FC236}">
-                <a16:creationId xmlns:a16="http://schemas.microsoft.com/office/drawing/2014/main" id="{9EFC5250-7415-470B-AD57-8C240B0C14CF}"/>
-              </a:ext>
-            </a:extLst>
-          </p:cNvPr>
-          <p:cNvPicPr>
-            <a:picLocks noChangeAspect="1"/>
-          </p:cNvPicPr>
-          <p:nvPr/>
-        </p:nvPicPr>
-        <p:blipFill rotWithShape="1">
-          <a:blip r:embed="rId2"/>
-          <a:srcRect l="30369" t="31650" r="30642" b="28307"/>
-          <a:stretch/>
-        </p:blipFill>
-        <p:spPr>
-          <a:xfrm>
-            <a:off x="431425" y="1749074"/>
-            <a:ext cx="2918460" cy="2179320"/>
-          </a:xfrm>
-          <a:prstGeom prst="rect">
-            <a:avLst/>
-          </a:prstGeom>
-          <a:ln w="38100" cap="sq">
-            <a:solidFill>
-              <a:srgbClr val="000000"/>
-            </a:solidFill>
-            <a:prstDash val="solid"/>
-            <a:miter lim="800000"/>
-          </a:ln>
-          <a:effectLst>
-            <a:outerShdw blurRad="50800" dist="38100" dir="2700000" algn="tl" rotWithShape="0">
-              <a:srgbClr val="000000">
-                <a:alpha val="43000"/>
-              </a:srgbClr>
-            </a:outerShdw>
-          </a:effectLst>
-        </p:spPr>
-      </p:pic>
-      <p:pic>
-        <p:nvPicPr>
-          <p:cNvPr id="8" name="Picture 7">
-            <a:extLst>
-              <a:ext uri="{FF2B5EF4-FFF2-40B4-BE49-F238E27FC236}">
-                <a16:creationId xmlns:a16="http://schemas.microsoft.com/office/drawing/2014/main" id="{6FF1E039-CF0B-4B1B-A44A-D74AE8E935AD}"/>
-              </a:ext>
-            </a:extLst>
-          </p:cNvPr>
-          <p:cNvPicPr>
-            <a:picLocks noChangeAspect="1"/>
-          </p:cNvPicPr>
-          <p:nvPr/>
-        </p:nvPicPr>
-        <p:blipFill rotWithShape="1">
-          <a:blip r:embed="rId3"/>
-          <a:srcRect l="29495" t="39443" r="28804" b="37505"/>
-          <a:stretch/>
-        </p:blipFill>
-        <p:spPr>
-          <a:xfrm>
-            <a:off x="5435317" y="1990961"/>
-            <a:ext cx="3064792" cy="1421813"/>
-          </a:xfrm>
-          <a:prstGeom prst="rect">
-            <a:avLst/>
-          </a:prstGeom>
-        </p:spPr>
-      </p:pic>
-      <p:pic>
-        <p:nvPicPr>
-          <p:cNvPr id="9" name="Picture 8">
-            <a:extLst>
-              <a:ext uri="{FF2B5EF4-FFF2-40B4-BE49-F238E27FC236}">
-                <a16:creationId xmlns:a16="http://schemas.microsoft.com/office/drawing/2014/main" id="{BAE4FD8B-58AB-4384-ADA7-D27702178EED}"/>
-              </a:ext>
-            </a:extLst>
-          </p:cNvPr>
-          <p:cNvPicPr>
-            <a:picLocks noChangeAspect="1"/>
-          </p:cNvPicPr>
-          <p:nvPr/>
-        </p:nvPicPr>
-        <p:blipFill>
-          <a:blip r:embed="rId4"/>
-          <a:stretch>
-            <a:fillRect/>
-          </a:stretch>
-        </p:blipFill>
-        <p:spPr>
-          <a:xfrm>
-            <a:off x="2523701" y="3681306"/>
-            <a:ext cx="2944541" cy="2305686"/>
-          </a:xfrm>
-          <a:prstGeom prst="rect">
-            <a:avLst/>
-          </a:prstGeom>
-        </p:spPr>
-      </p:pic>
-    </p:spTree>
-    <p:extLst>
-      <p:ext uri="{BB962C8B-B14F-4D97-AF65-F5344CB8AC3E}">
-        <p14:creationId xmlns:p14="http://schemas.microsoft.com/office/powerpoint/2010/main" val="2648309337"/>
-      </p:ext>
-    </p:extLst>
-  </p:cSld>
-  <p:clrMapOvr>
-    <a:masterClrMapping/>
-  </p:clrMapOvr>
-</p:sld>
-</file>
-
-<file path=ppt/slides/slide5.xml><?xml version="1.0" encoding="utf-8"?>
-<p:sld xmlns:a="http://schemas.openxmlformats.org/drawingml/2006/main" xmlns:r="http://schemas.openxmlformats.org/officeDocument/2006/relationships" xmlns:p="http://schemas.openxmlformats.org/presentationml/2006/main">
-  <p:cSld>
-    <p:spTree>
-      <p:nvGrpSpPr>
-        <p:cNvPr id="1" name=""/>
-        <p:cNvGrpSpPr/>
-        <p:nvPr/>
-      </p:nvGrpSpPr>
-      <p:grpSpPr>
-        <a:xfrm>
-          <a:off x="0" y="0"/>
-          <a:ext cx="0" cy="0"/>
-          <a:chOff x="0" y="0"/>
-          <a:chExt cx="0" cy="0"/>
-        </a:xfrm>
-      </p:grpSpPr>
-      <p:sp>
-        <p:nvSpPr>
-          <p:cNvPr id="2" name="Title 1">
-            <a:extLst>
-              <a:ext uri="{FF2B5EF4-FFF2-40B4-BE49-F238E27FC236}">
-                <a16:creationId xmlns:a16="http://schemas.microsoft.com/office/drawing/2014/main" id="{6EBC100A-53EB-49A5-9E3B-8D22B2B28DDD}"/>
-              </a:ext>
-            </a:extLst>
-          </p:cNvPr>
-          <p:cNvSpPr>
-            <a:spLocks noGrp="1"/>
-          </p:cNvSpPr>
-          <p:nvPr>
-            <p:ph type="title"/>
-          </p:nvPr>
-        </p:nvSpPr>
-        <p:spPr/>
-        <p:txBody>
-          <a:bodyPr/>
-          <a:lstStyle/>
-          <a:p>
-            <a:r>
-              <a:rPr lang="en-US" dirty="0"/>
-              <a:t>Renaming </a:t>
-            </a:r>
-            <a:r>
-              <a:rPr lang="en-US" dirty="0" err="1"/>
-              <a:t>HUb</a:t>
-            </a:r>
-            <a:endParaRPr lang="en-US" dirty="0"/>
-          </a:p>
-        </p:txBody>
-      </p:sp>
-      <p:sp>
-        <p:nvSpPr>
-          <p:cNvPr id="3" name="Content Placeholder 2">
-            <a:extLst>
-              <a:ext uri="{FF2B5EF4-FFF2-40B4-BE49-F238E27FC236}">
-                <a16:creationId xmlns:a16="http://schemas.microsoft.com/office/drawing/2014/main" id="{B3A3AC9A-7C8D-4733-A46D-365835E6A716}"/>
-              </a:ext>
-            </a:extLst>
-          </p:cNvPr>
-          <p:cNvSpPr>
-            <a:spLocks noGrp="1"/>
-          </p:cNvSpPr>
-          <p:nvPr>
-            <p:ph idx="1"/>
-          </p:nvPr>
-        </p:nvSpPr>
-        <p:spPr>
-          <a:xfrm>
-            <a:off x="155088" y="1140007"/>
-            <a:ext cx="8831580" cy="696414"/>
-          </a:xfrm>
-        </p:spPr>
-        <p:txBody>
-          <a:bodyPr/>
-          <a:lstStyle/>
-          <a:p>
-            <a:r>
-              <a:rPr lang="en-US" dirty="0"/>
-              <a:t>The first time you update your Hub OS, you will be prompted to rename your Hub</a:t>
-            </a:r>
-          </a:p>
-        </p:txBody>
-      </p:sp>
-      <p:sp>
-        <p:nvSpPr>
-          <p:cNvPr id="4" name="Footer Placeholder 3">
-            <a:extLst>
-              <a:ext uri="{FF2B5EF4-FFF2-40B4-BE49-F238E27FC236}">
-                <a16:creationId xmlns:a16="http://schemas.microsoft.com/office/drawing/2014/main" id="{D2F77D15-F323-4FCD-BF5D-CFEF54AAC392}"/>
-              </a:ext>
-            </a:extLst>
-          </p:cNvPr>
-          <p:cNvSpPr>
-            <a:spLocks noGrp="1"/>
-          </p:cNvSpPr>
-          <p:nvPr>
-            <p:ph type="ftr" sz="quarter" idx="11"/>
-          </p:nvPr>
-        </p:nvSpPr>
-        <p:spPr/>
-        <p:txBody>
-          <a:bodyPr/>
-          <a:lstStyle/>
-          <a:p>
-            <a:r>
-              <a:rPr lang="en-US"/>
-              <a:t>Copyright © 2020 SPIKE Prime Lessons (primelessons.org) CC-BY-NC-SA.  (Last edit: 1/9/2020)</a:t>
-            </a:r>
-            <a:endParaRPr lang="en-US" dirty="0"/>
-          </a:p>
-        </p:txBody>
-      </p:sp>
-      <p:sp>
-        <p:nvSpPr>
-          <p:cNvPr id="5" name="Slide Number Placeholder 4">
-            <a:extLst>
-              <a:ext uri="{FF2B5EF4-FFF2-40B4-BE49-F238E27FC236}">
-                <a16:creationId xmlns:a16="http://schemas.microsoft.com/office/drawing/2014/main" id="{9B90A42F-B1D0-45E7-B8FF-F78AC16759A4}"/>
-              </a:ext>
-            </a:extLst>
-          </p:cNvPr>
-          <p:cNvSpPr>
-            <a:spLocks noGrp="1"/>
-          </p:cNvSpPr>
-          <p:nvPr>
-            <p:ph type="sldNum" sz="quarter" idx="12"/>
-          </p:nvPr>
-        </p:nvSpPr>
-        <p:spPr/>
-        <p:txBody>
-          <a:bodyPr/>
-          <a:lstStyle/>
-          <a:p>
-            <a:fld id="{BBD74847-7BE4-4E4D-8159-51DF7B93C616}" type="slidenum">
-              <a:rPr lang="en-US" smtClean="0"/>
-              <a:t>5</a:t>
-            </a:fld>
-            <a:endParaRPr lang="en-US"/>
-          </a:p>
-        </p:txBody>
-      </p:sp>
-      <p:pic>
-        <p:nvPicPr>
-          <p:cNvPr id="6" name="Picture 5">
-            <a:extLst>
-              <a:ext uri="{FF2B5EF4-FFF2-40B4-BE49-F238E27FC236}">
-                <a16:creationId xmlns:a16="http://schemas.microsoft.com/office/drawing/2014/main" id="{469622F6-D4AA-486F-8E9F-D8F0EF4154FB}"/>
-              </a:ext>
-            </a:extLst>
-          </p:cNvPr>
-          <p:cNvPicPr>
-            <a:picLocks noChangeAspect="1"/>
-          </p:cNvPicPr>
-          <p:nvPr/>
-        </p:nvPicPr>
-        <p:blipFill>
-          <a:blip r:embed="rId2"/>
-          <a:stretch>
-            <a:fillRect/>
-          </a:stretch>
-        </p:blipFill>
-        <p:spPr>
-          <a:xfrm>
-            <a:off x="316250" y="2263139"/>
-            <a:ext cx="4025998" cy="3157567"/>
-          </a:xfrm>
-          <a:prstGeom prst="rect">
-            <a:avLst/>
-          </a:prstGeom>
-        </p:spPr>
-      </p:pic>
-      <p:pic>
-        <p:nvPicPr>
-          <p:cNvPr id="7" name="Content Placeholder 5">
-            <a:extLst>
-              <a:ext uri="{FF2B5EF4-FFF2-40B4-BE49-F238E27FC236}">
-                <a16:creationId xmlns:a16="http://schemas.microsoft.com/office/drawing/2014/main" id="{ADC99FA2-F9C5-49A3-80FB-8C73CD850DE3}"/>
-              </a:ext>
-            </a:extLst>
-          </p:cNvPr>
-          <p:cNvPicPr>
-            <a:picLocks noChangeAspect="1"/>
-          </p:cNvPicPr>
-          <p:nvPr/>
-        </p:nvPicPr>
-        <p:blipFill rotWithShape="1">
-          <a:blip r:embed="rId3"/>
-          <a:srcRect t="1439" r="1057" b="1439"/>
-          <a:stretch/>
-        </p:blipFill>
-        <p:spPr>
-          <a:xfrm>
-            <a:off x="4570879" y="2263139"/>
-            <a:ext cx="4025998" cy="3157568"/>
-          </a:xfrm>
-          <a:prstGeom prst="rect">
-            <a:avLst/>
-          </a:prstGeom>
-          <a:ln w="28575">
-            <a:solidFill>
-              <a:srgbClr val="FFD500"/>
-            </a:solidFill>
-          </a:ln>
-        </p:spPr>
-      </p:pic>
-    </p:spTree>
-    <p:extLst>
-      <p:ext uri="{BB962C8B-B14F-4D97-AF65-F5344CB8AC3E}">
-        <p14:creationId xmlns:p14="http://schemas.microsoft.com/office/powerpoint/2010/main" val="2051401757"/>
-      </p:ext>
-    </p:extLst>
-  </p:cSld>
-  <p:clrMapOvr>
-    <a:masterClrMapping/>
-  </p:clrMapOvr>
-</p:sld>
-</file>
-
-<file path=ppt/slides/slide6.xml><?xml version="1.0" encoding="utf-8"?>
-<p:sld xmlns:a="http://schemas.openxmlformats.org/drawingml/2006/main" xmlns:r="http://schemas.openxmlformats.org/officeDocument/2006/relationships" xmlns:p="http://schemas.openxmlformats.org/presentationml/2006/main">
-  <p:cSld>
-    <p:spTree>
-      <p:nvGrpSpPr>
-        <p:cNvPr id="1" name=""/>
-        <p:cNvGrpSpPr/>
-        <p:nvPr/>
-      </p:nvGrpSpPr>
-      <p:grpSpPr>
-        <a:xfrm>
-          <a:off x="0" y="0"/>
-          <a:ext cx="0" cy="0"/>
-          <a:chOff x="0" y="0"/>
-          <a:chExt cx="0" cy="0"/>
-        </a:xfrm>
-      </p:grpSpPr>
-      <p:sp>
-        <p:nvSpPr>
-          <p:cNvPr id="2" name="Title 1">
-            <a:extLst>
-              <a:ext uri="{FF2B5EF4-FFF2-40B4-BE49-F238E27FC236}">
-                <a16:creationId xmlns:a16="http://schemas.microsoft.com/office/drawing/2014/main" id="{6FC96A1A-9317-4BB3-AD5C-605881A5C949}"/>
-              </a:ext>
-            </a:extLst>
-          </p:cNvPr>
-          <p:cNvSpPr>
-            <a:spLocks noGrp="1"/>
-          </p:cNvSpPr>
-          <p:nvPr>
-            <p:ph type="title"/>
-          </p:nvPr>
-        </p:nvSpPr>
-        <p:spPr/>
-        <p:txBody>
-          <a:bodyPr/>
-          <a:lstStyle/>
-          <a:p>
-            <a:r>
-              <a:rPr lang="en-US" dirty="0"/>
-              <a:t>INSTALL LATEST HUB OS</a:t>
-            </a:r>
-          </a:p>
-        </p:txBody>
-      </p:sp>
-      <p:sp>
-        <p:nvSpPr>
-          <p:cNvPr id="3" name="Content Placeholder 2">
-            <a:extLst>
-              <a:ext uri="{FF2B5EF4-FFF2-40B4-BE49-F238E27FC236}">
-                <a16:creationId xmlns:a16="http://schemas.microsoft.com/office/drawing/2014/main" id="{BBBC0176-2A9F-4007-A517-D511C43E9FBC}"/>
-              </a:ext>
-            </a:extLst>
-          </p:cNvPr>
-          <p:cNvSpPr>
-            <a:spLocks noGrp="1"/>
-          </p:cNvSpPr>
-          <p:nvPr>
-            <p:ph idx="1"/>
-          </p:nvPr>
-        </p:nvSpPr>
-        <p:spPr>
-          <a:xfrm>
-            <a:off x="155088" y="1140006"/>
-            <a:ext cx="4028292" cy="5082601"/>
-          </a:xfrm>
-        </p:spPr>
-        <p:txBody>
-          <a:bodyPr/>
-          <a:lstStyle/>
-          <a:p>
-            <a:r>
-              <a:rPr lang="en-US" dirty="0"/>
-              <a:t>When a new Hub OS is available a button labeled Update will appear next to the current Hub OS in the Hub Dashboard </a:t>
-            </a:r>
-          </a:p>
-          <a:p>
-            <a:r>
-              <a:rPr lang="en-US" dirty="0"/>
-              <a:t>You may also see a pop-up show up on the right side of the screen indicating a Hub OS update is available</a:t>
-            </a:r>
-          </a:p>
-          <a:p>
-            <a:r>
-              <a:rPr lang="en-US" dirty="0"/>
-              <a:t>Never disconnect the Hub while the update is in progress</a:t>
-            </a:r>
-          </a:p>
-        </p:txBody>
-      </p:sp>
-      <p:sp>
-        <p:nvSpPr>
-          <p:cNvPr id="4" name="Footer Placeholder 3">
-            <a:extLst>
-              <a:ext uri="{FF2B5EF4-FFF2-40B4-BE49-F238E27FC236}">
-                <a16:creationId xmlns:a16="http://schemas.microsoft.com/office/drawing/2014/main" id="{5D1B66A8-24BD-4123-B6A1-613DC0F066AF}"/>
-              </a:ext>
-            </a:extLst>
-          </p:cNvPr>
-          <p:cNvSpPr>
-            <a:spLocks noGrp="1"/>
-          </p:cNvSpPr>
-          <p:nvPr>
-            <p:ph type="ftr" sz="quarter" idx="11"/>
-          </p:nvPr>
-        </p:nvSpPr>
-        <p:spPr/>
-        <p:txBody>
-          <a:bodyPr/>
-          <a:lstStyle/>
-          <a:p>
-            <a:r>
-              <a:rPr lang="en-US"/>
-              <a:t>Copyright © 2020 SPIKE Prime Lessons (primelessons.org) CC-BY-NC-SA.  (Last edit: 1/9/2020)</a:t>
-            </a:r>
-            <a:endParaRPr lang="en-US" dirty="0"/>
-          </a:p>
-        </p:txBody>
-      </p:sp>
-      <p:sp>
-        <p:nvSpPr>
-          <p:cNvPr id="5" name="Slide Number Placeholder 4">
-            <a:extLst>
-              <a:ext uri="{FF2B5EF4-FFF2-40B4-BE49-F238E27FC236}">
-                <a16:creationId xmlns:a16="http://schemas.microsoft.com/office/drawing/2014/main" id="{491CEB4A-7D09-4DBC-A075-6B4167FD56C8}"/>
-              </a:ext>
-            </a:extLst>
-          </p:cNvPr>
-          <p:cNvSpPr>
-            <a:spLocks noGrp="1"/>
-          </p:cNvSpPr>
-          <p:nvPr>
-            <p:ph type="sldNum" sz="quarter" idx="12"/>
-          </p:nvPr>
-        </p:nvSpPr>
-        <p:spPr/>
-        <p:txBody>
-          <a:bodyPr/>
-          <a:lstStyle/>
-          <a:p>
-            <a:fld id="{BBD74847-7BE4-4E4D-8159-51DF7B93C616}" type="slidenum">
-              <a:rPr lang="en-US" smtClean="0"/>
-              <a:t>6</a:t>
-            </a:fld>
-            <a:endParaRPr lang="en-US"/>
-          </a:p>
-        </p:txBody>
-      </p:sp>
-      <p:pic>
-        <p:nvPicPr>
-          <p:cNvPr id="11" name="Picture 10">
-            <a:extLst>
-              <a:ext uri="{FF2B5EF4-FFF2-40B4-BE49-F238E27FC236}">
-                <a16:creationId xmlns:a16="http://schemas.microsoft.com/office/drawing/2014/main" id="{F78EBC1E-F330-4D7C-9866-A878B4C6C426}"/>
-              </a:ext>
-            </a:extLst>
-          </p:cNvPr>
-          <p:cNvPicPr>
-            <a:picLocks noChangeAspect="1"/>
-          </p:cNvPicPr>
-          <p:nvPr/>
-        </p:nvPicPr>
-        <p:blipFill>
-          <a:blip r:embed="rId2"/>
-          <a:stretch>
-            <a:fillRect/>
-          </a:stretch>
-        </p:blipFill>
-        <p:spPr>
-          <a:xfrm>
-            <a:off x="5290246" y="3541133"/>
-            <a:ext cx="3143336" cy="2432048"/>
-          </a:xfrm>
-          <a:prstGeom prst="rect">
-            <a:avLst/>
-          </a:prstGeom>
-          <a:ln w="28575">
-            <a:solidFill>
-              <a:srgbClr val="FFD500"/>
-            </a:solidFill>
-          </a:ln>
-        </p:spPr>
-      </p:pic>
-      <p:pic>
-        <p:nvPicPr>
-          <p:cNvPr id="8" name="Picture 7" descr="A screenshot of a cell phone&#10;&#10;Description automatically generated">
-            <a:extLst>
-              <a:ext uri="{FF2B5EF4-FFF2-40B4-BE49-F238E27FC236}">
-                <a16:creationId xmlns:a16="http://schemas.microsoft.com/office/drawing/2014/main" id="{035DA871-A412-4358-B657-E857525370EF}"/>
-              </a:ext>
-            </a:extLst>
-          </p:cNvPr>
-          <p:cNvPicPr>
-            <a:picLocks noChangeAspect="1"/>
-          </p:cNvPicPr>
-          <p:nvPr/>
-        </p:nvPicPr>
-        <p:blipFill rotWithShape="1">
-          <a:blip r:embed="rId3"/>
-          <a:srcRect l="6150" t="24353" r="5690" b="24012"/>
-          <a:stretch/>
-        </p:blipFill>
-        <p:spPr>
-          <a:xfrm>
-            <a:off x="5290246" y="2525066"/>
-            <a:ext cx="3143336" cy="723795"/>
-          </a:xfrm>
-          <a:prstGeom prst="rect">
-            <a:avLst/>
-          </a:prstGeom>
-          <a:ln w="28575">
-            <a:solidFill>
-              <a:srgbClr val="FFD500"/>
-            </a:solidFill>
-          </a:ln>
-        </p:spPr>
-      </p:pic>
-      <p:grpSp>
-        <p:nvGrpSpPr>
-          <p:cNvPr id="13" name="Group 12">
-            <a:extLst>
-              <a:ext uri="{FF2B5EF4-FFF2-40B4-BE49-F238E27FC236}">
-                <a16:creationId xmlns:a16="http://schemas.microsoft.com/office/drawing/2014/main" id="{53F6B5B2-DCE6-45C8-B97E-96110B72518C}"/>
-              </a:ext>
-            </a:extLst>
-          </p:cNvPr>
-          <p:cNvGrpSpPr/>
-          <p:nvPr/>
-        </p:nvGrpSpPr>
-        <p:grpSpPr>
-          <a:xfrm>
-            <a:off x="4958994" y="1140006"/>
-            <a:ext cx="3381375" cy="1066800"/>
-            <a:chOff x="4548692" y="1471494"/>
-            <a:chExt cx="3381375" cy="1066800"/>
-          </a:xfrm>
-        </p:grpSpPr>
-        <p:pic>
-          <p:nvPicPr>
-            <p:cNvPr id="6" name="Picture 5">
-              <a:extLst>
-                <a:ext uri="{FF2B5EF4-FFF2-40B4-BE49-F238E27FC236}">
-                  <a16:creationId xmlns:a16="http://schemas.microsoft.com/office/drawing/2014/main" id="{199F5234-04C3-4E6B-B194-5E07CBB28CB4}"/>
-                </a:ext>
-              </a:extLst>
-            </p:cNvPr>
-            <p:cNvPicPr>
-              <a:picLocks noChangeAspect="1"/>
-            </p:cNvPicPr>
-            <p:nvPr/>
-          </p:nvPicPr>
-          <p:blipFill>
-            <a:blip r:embed="rId4"/>
-            <a:stretch>
-              <a:fillRect/>
-            </a:stretch>
-          </p:blipFill>
-          <p:spPr>
-            <a:xfrm>
-              <a:off x="4548692" y="1471494"/>
-              <a:ext cx="3381375" cy="1066800"/>
-            </a:xfrm>
-            <a:prstGeom prst="rect">
-              <a:avLst/>
-            </a:prstGeom>
-          </p:spPr>
-        </p:pic>
-        <p:pic>
-          <p:nvPicPr>
-            <p:cNvPr id="12" name="Picture 11" descr="A screenshot of a cell phone&#10;&#10;Description automatically generated">
-              <a:extLst>
-                <a:ext uri="{FF2B5EF4-FFF2-40B4-BE49-F238E27FC236}">
-                  <a16:creationId xmlns:a16="http://schemas.microsoft.com/office/drawing/2014/main" id="{866EBC38-4F6F-4083-8808-CE037DCF74EF}"/>
-                </a:ext>
-              </a:extLst>
-            </p:cNvPr>
-            <p:cNvPicPr>
-              <a:picLocks noChangeAspect="1"/>
-            </p:cNvPicPr>
-            <p:nvPr/>
-          </p:nvPicPr>
-          <p:blipFill rotWithShape="1">
-            <a:blip r:embed="rId5"/>
-            <a:srcRect l="17563" t="35766" r="53849" b="30802"/>
-            <a:stretch/>
-          </p:blipFill>
-          <p:spPr>
-            <a:xfrm>
-              <a:off x="5701089" y="1964517"/>
-              <a:ext cx="1990939" cy="555911"/>
-            </a:xfrm>
-            <a:prstGeom prst="rect">
-              <a:avLst/>
-            </a:prstGeom>
-          </p:spPr>
-        </p:pic>
-        <p:sp>
-          <p:nvSpPr>
-            <p:cNvPr id="9" name="Rectangle 8">
-              <a:extLst>
-                <a:ext uri="{FF2B5EF4-FFF2-40B4-BE49-F238E27FC236}">
-                  <a16:creationId xmlns:a16="http://schemas.microsoft.com/office/drawing/2014/main" id="{A2E7EDB3-DB9C-4DCA-B44A-33C3FAD6D1AF}"/>
-                </a:ext>
-              </a:extLst>
-            </p:cNvPr>
-            <p:cNvSpPr/>
-            <p:nvPr/>
-          </p:nvSpPr>
-          <p:spPr>
-            <a:xfrm>
-              <a:off x="6864104" y="2008219"/>
-              <a:ext cx="683213" cy="200025"/>
-            </a:xfrm>
-            <a:prstGeom prst="rect">
-              <a:avLst/>
-            </a:prstGeom>
-            <a:noFill/>
-            <a:ln>
-              <a:solidFill>
-                <a:schemeClr val="accent3"/>
-              </a:solidFill>
-            </a:ln>
-          </p:spPr>
-          <p:style>
-            <a:lnRef idx="2">
-              <a:schemeClr val="accent1">
-                <a:shade val="50000"/>
-              </a:schemeClr>
-            </a:lnRef>
-            <a:fillRef idx="1">
-              <a:schemeClr val="accent1"/>
-            </a:fillRef>
-            <a:effectRef idx="0">
-              <a:schemeClr val="accent1"/>
-            </a:effectRef>
-            <a:fontRef idx="minor">
-              <a:schemeClr val="lt1"/>
-            </a:fontRef>
-          </p:style>
-          <p:txBody>
-            <a:bodyPr rtlCol="0" anchor="ctr"/>
-            <a:lstStyle/>
-            <a:p>
-              <a:pPr algn="ctr"/>
-              <a:endParaRPr lang="en-US"/>
-            </a:p>
-          </p:txBody>
-        </p:sp>
-      </p:grpSp>
-    </p:spTree>
-    <p:extLst>
-      <p:ext uri="{BB962C8B-B14F-4D97-AF65-F5344CB8AC3E}">
-        <p14:creationId xmlns:p14="http://schemas.microsoft.com/office/powerpoint/2010/main" val="3702209469"/>
-      </p:ext>
-    </p:extLst>
-  </p:cSld>
-  <p:clrMapOvr>
-    <a:masterClrMapping/>
-  </p:clrMapOvr>
-</p:sld>
-</file>
-
-<file path=ppt/slides/slide7.xml><?xml version="1.0" encoding="utf-8"?>
-<p:sld xmlns:a="http://schemas.openxmlformats.org/drawingml/2006/main" xmlns:r="http://schemas.openxmlformats.org/officeDocument/2006/relationships" xmlns:p="http://schemas.openxmlformats.org/presentationml/2006/main">
-  <p:cSld>
-    <p:spTree>
-      <p:nvGrpSpPr>
-        <p:cNvPr id="1" name=""/>
-        <p:cNvGrpSpPr/>
-        <p:nvPr/>
-      </p:nvGrpSpPr>
-      <p:grpSpPr>
-        <a:xfrm>
-          <a:off x="0" y="0"/>
-          <a:ext cx="0" cy="0"/>
-          <a:chOff x="0" y="0"/>
-          <a:chExt cx="0" cy="0"/>
-        </a:xfrm>
-      </p:grpSpPr>
-      <p:sp>
-        <p:nvSpPr>
-          <p:cNvPr id="2" name="Title 1">
-            <a:extLst>
-              <a:ext uri="{FF2B5EF4-FFF2-40B4-BE49-F238E27FC236}">
-                <a16:creationId xmlns:a16="http://schemas.microsoft.com/office/drawing/2014/main" id="{8790F41D-286D-4606-B80B-0E8B7B76F1C8}"/>
-              </a:ext>
-            </a:extLst>
-          </p:cNvPr>
-          <p:cNvSpPr>
-            <a:spLocks noGrp="1"/>
-          </p:cNvSpPr>
-          <p:nvPr>
-            <p:ph type="title"/>
-          </p:nvPr>
-        </p:nvSpPr>
-        <p:spPr/>
-        <p:txBody>
-          <a:bodyPr/>
-          <a:lstStyle/>
-          <a:p>
-            <a:r>
-              <a:rPr lang="en-US" dirty="0"/>
-              <a:t>Install the latest Software</a:t>
-            </a:r>
-          </a:p>
-        </p:txBody>
-      </p:sp>
-      <p:sp>
-        <p:nvSpPr>
-          <p:cNvPr id="3" name="Content Placeholder 2">
-            <a:extLst>
-              <a:ext uri="{FF2B5EF4-FFF2-40B4-BE49-F238E27FC236}">
-                <a16:creationId xmlns:a16="http://schemas.microsoft.com/office/drawing/2014/main" id="{C641DE1A-2D53-4C31-8344-64B82CAB33E2}"/>
-              </a:ext>
-            </a:extLst>
-          </p:cNvPr>
-          <p:cNvSpPr>
-            <a:spLocks noGrp="1"/>
-          </p:cNvSpPr>
-          <p:nvPr>
-            <p:ph idx="1"/>
-          </p:nvPr>
-        </p:nvSpPr>
-        <p:spPr>
-          <a:xfrm>
-            <a:off x="155088" y="1140006"/>
-            <a:ext cx="4712187" cy="5082601"/>
-          </a:xfrm>
-        </p:spPr>
-        <p:txBody>
-          <a:bodyPr/>
-          <a:lstStyle/>
-          <a:p>
-            <a:r>
-              <a:rPr lang="en-US" dirty="0"/>
-              <a:t>You can check for SPIKE Prime Software Updates from inside the App</a:t>
-            </a:r>
-          </a:p>
-          <a:p>
-            <a:r>
-              <a:rPr lang="en-US" dirty="0"/>
-              <a:t>Click on the Help Menu inside a Project and Check for Update</a:t>
-            </a:r>
-          </a:p>
-        </p:txBody>
-      </p:sp>
-      <p:sp>
-        <p:nvSpPr>
-          <p:cNvPr id="4" name="Footer Placeholder 3">
-            <a:extLst>
-              <a:ext uri="{FF2B5EF4-FFF2-40B4-BE49-F238E27FC236}">
-                <a16:creationId xmlns:a16="http://schemas.microsoft.com/office/drawing/2014/main" id="{8A347E62-7E05-4C21-8C7D-6BE327FBE523}"/>
-              </a:ext>
-            </a:extLst>
-          </p:cNvPr>
-          <p:cNvSpPr>
-            <a:spLocks noGrp="1"/>
-          </p:cNvSpPr>
-          <p:nvPr>
-            <p:ph type="ftr" sz="quarter" idx="11"/>
-          </p:nvPr>
-        </p:nvSpPr>
-        <p:spPr/>
-        <p:txBody>
-          <a:bodyPr/>
-          <a:lstStyle/>
-          <a:p>
-            <a:r>
-              <a:rPr lang="en-US"/>
-              <a:t>Copyright © 2020 SPIKE Prime Lessons (primelessons.org) CC-BY-NC-SA.  (Last edit: 1/9/2020)</a:t>
-            </a:r>
-            <a:endParaRPr lang="en-US" dirty="0"/>
-          </a:p>
-        </p:txBody>
-      </p:sp>
-      <p:sp>
-        <p:nvSpPr>
-          <p:cNvPr id="5" name="Slide Number Placeholder 4">
-            <a:extLst>
-              <a:ext uri="{FF2B5EF4-FFF2-40B4-BE49-F238E27FC236}">
-                <a16:creationId xmlns:a16="http://schemas.microsoft.com/office/drawing/2014/main" id="{D8F5DAEF-9381-4B5A-9028-8AF3C04B26BD}"/>
-              </a:ext>
-            </a:extLst>
-          </p:cNvPr>
-          <p:cNvSpPr>
-            <a:spLocks noGrp="1"/>
-          </p:cNvSpPr>
-          <p:nvPr>
-            <p:ph type="sldNum" sz="quarter" idx="12"/>
-          </p:nvPr>
-        </p:nvSpPr>
-        <p:spPr/>
-        <p:txBody>
-          <a:bodyPr/>
-          <a:lstStyle/>
-          <a:p>
-            <a:fld id="{BBD74847-7BE4-4E4D-8159-51DF7B93C616}" type="slidenum">
-              <a:rPr lang="en-US" smtClean="0"/>
-              <a:t>7</a:t>
-            </a:fld>
-            <a:endParaRPr lang="en-US"/>
-          </a:p>
-        </p:txBody>
-      </p:sp>
-      <p:pic>
-        <p:nvPicPr>
-          <p:cNvPr id="8" name="Picture 7" descr="A screenshot of a cell phone&#10;&#10;Description automatically generated">
-            <a:extLst>
-              <a:ext uri="{FF2B5EF4-FFF2-40B4-BE49-F238E27FC236}">
-                <a16:creationId xmlns:a16="http://schemas.microsoft.com/office/drawing/2014/main" id="{8211FEFB-F55D-4F54-BF06-7AD19BE0F78E}"/>
-              </a:ext>
-            </a:extLst>
-          </p:cNvPr>
-          <p:cNvPicPr>
-            <a:picLocks noChangeAspect="1"/>
-          </p:cNvPicPr>
-          <p:nvPr/>
-        </p:nvPicPr>
-        <p:blipFill>
-          <a:blip r:embed="rId2"/>
-          <a:stretch>
-            <a:fillRect/>
-          </a:stretch>
-        </p:blipFill>
-        <p:spPr>
-          <a:xfrm>
-            <a:off x="5492701" y="1545101"/>
-            <a:ext cx="2876550" cy="1447800"/>
-          </a:xfrm>
-          <a:prstGeom prst="rect">
-            <a:avLst/>
-          </a:prstGeom>
-        </p:spPr>
-      </p:pic>
-    </p:spTree>
-    <p:extLst>
-      <p:ext uri="{BB962C8B-B14F-4D97-AF65-F5344CB8AC3E}">
-        <p14:creationId xmlns:p14="http://schemas.microsoft.com/office/powerpoint/2010/main" val="449230849"/>
-      </p:ext>
-    </p:extLst>
-  </p:cSld>
-  <p:clrMapOvr>
-    <a:masterClrMapping/>
-  </p:clrMapOvr>
-</p:sld>
-</file>
-
-<file path=ppt/slides/slide8.xml><?xml version="1.0" encoding="utf-8"?>
-<p:sld xmlns:a="http://schemas.openxmlformats.org/drawingml/2006/main" xmlns:r="http://schemas.openxmlformats.org/officeDocument/2006/relationships" xmlns:p="http://schemas.openxmlformats.org/presentationml/2006/main">
-  <p:cSld>
-    <p:spTree>
-      <p:nvGrpSpPr>
-        <p:cNvPr id="1" name=""/>
-        <p:cNvGrpSpPr/>
-        <p:nvPr/>
-      </p:nvGrpSpPr>
-      <p:grpSpPr>
-        <a:xfrm>
-          <a:off x="0" y="0"/>
-          <a:ext cx="0" cy="0"/>
-          <a:chOff x="0" y="0"/>
-          <a:chExt cx="0" cy="0"/>
-        </a:xfrm>
-      </p:grpSpPr>
-      <p:sp>
-        <p:nvSpPr>
-          <p:cNvPr id="2" name="Title 1"/>
-          <p:cNvSpPr>
-            <a:spLocks noGrp="1"/>
-          </p:cNvSpPr>
-          <p:nvPr>
-            <p:ph type="title"/>
-          </p:nvPr>
-        </p:nvSpPr>
-        <p:spPr/>
-        <p:txBody>
-          <a:bodyPr/>
-          <a:lstStyle/>
-          <a:p>
-            <a:r>
-              <a:rPr lang="en-US" dirty="0"/>
-              <a:t>CREDITS</a:t>
-            </a:r>
-          </a:p>
-        </p:txBody>
-      </p:sp>
-      <p:sp>
-        <p:nvSpPr>
-          <p:cNvPr id="3" name="Content Placeholder 2"/>
-          <p:cNvSpPr>
-            <a:spLocks noGrp="1"/>
-          </p:cNvSpPr>
-          <p:nvPr>
-            <p:ph idx="1"/>
-          </p:nvPr>
-        </p:nvSpPr>
-        <p:spPr>
-          <a:xfrm>
-            <a:off x="457200" y="1317983"/>
-            <a:ext cx="8245474" cy="1145345"/>
-          </a:xfrm>
-        </p:spPr>
-        <p:txBody>
-          <a:bodyPr>
-            <a:normAutofit/>
-          </a:bodyPr>
-          <a:lstStyle/>
-          <a:p>
-            <a:r>
-              <a:rPr lang="en-US" sz="1600" dirty="0"/>
-              <a:t>This lesson was created by Sanjay Seshan and Arvind Seshan for SPIKE Prime Lessons</a:t>
-            </a:r>
-          </a:p>
-          <a:p>
-            <a:r>
-              <a:rPr lang="en-US" sz="1600" dirty="0"/>
-              <a:t>More lessons are available at www.primelessons.org</a:t>
-            </a:r>
-          </a:p>
-        </p:txBody>
-      </p:sp>
-      <p:sp>
-        <p:nvSpPr>
-          <p:cNvPr id="4" name="Footer Placeholder 3"/>
-          <p:cNvSpPr>
-            <a:spLocks noGrp="1"/>
-          </p:cNvSpPr>
-          <p:nvPr>
-            <p:ph type="ftr" sz="quarter" idx="11"/>
-          </p:nvPr>
-        </p:nvSpPr>
-        <p:spPr/>
-        <p:txBody>
-          <a:bodyPr/>
-          <a:lstStyle/>
-          <a:p>
-            <a:r>
-              <a:rPr lang="en-US" dirty="0"/>
-              <a:t>Copyright © 2020 SPIKE Prime Lessons (primelessons.org) CC-BY-NC-SA.  (Last edit: 1/9/2020)</a:t>
-            </a:r>
           </a:p>
         </p:txBody>
       </p:sp>
@@ -7062,7 +7661,7 @@
           <a:effectLst/>
           <a:extLst>
             <a:ext uri="{91240B29-F687-4f45-9708-019B960494DF}">
-              <a14:hiddenLine xmlns="" xmlns:a14="http://schemas.microsoft.com/office/drawing/2010/main" w="9525">
+              <a14:hiddenLine xmlns:a14="http://schemas.microsoft.com/office/drawing/2010/main" xmlns="" w="9525">
                 <a:solidFill>
                   <a:schemeClr val="tx1"/>
                 </a:solidFill>
@@ -7072,7 +7671,7 @@
               </a14:hiddenLine>
             </a:ext>
             <a:ext uri="{AF507438-7753-43e0-B8FC-AC1667EBCBE1}">
-              <a14:hiddenEffects xmlns="" xmlns:a14="http://schemas.microsoft.com/office/drawing/2010/main">
+              <a14:hiddenEffects xmlns:a14="http://schemas.microsoft.com/office/drawing/2010/main" xmlns="">
                 <a:effectLst>
                   <a:outerShdw dist="35921" dir="2700000" algn="ctr" rotWithShape="0">
                     <a:schemeClr val="bg2"/>
@@ -7413,7 +8012,7 @@
           <a:noFill/>
           <a:extLst>
             <a:ext uri="{909E8E84-426E-40dd-AFC4-6F175D3DCCD1}">
-              <a14:hiddenFill xmlns="" xmlns:a14="http://schemas.microsoft.com/office/drawing/2010/main">
+              <a14:hiddenFill xmlns:a14="http://schemas.microsoft.com/office/drawing/2010/main" xmlns="">
                 <a:solidFill>
                   <a:srgbClr val="FFFFFF"/>
                 </a:solidFill>
@@ -7422,35 +8021,6 @@
           </a:extLst>
         </p:spPr>
       </p:pic>
-      <p:sp>
-        <p:nvSpPr>
-          <p:cNvPr id="7" name="Slide Number Placeholder 6">
-            <a:extLst>
-              <a:ext uri="{FF2B5EF4-FFF2-40B4-BE49-F238E27FC236}">
-                <a16:creationId xmlns:a16="http://schemas.microsoft.com/office/drawing/2014/main" id="{F6739919-47A8-43E0-85A2-F648492C26DE}"/>
-              </a:ext>
-            </a:extLst>
-          </p:cNvPr>
-          <p:cNvSpPr>
-            <a:spLocks noGrp="1"/>
-          </p:cNvSpPr>
-          <p:nvPr>
-            <p:ph type="sldNum" sz="quarter" idx="12"/>
-          </p:nvPr>
-        </p:nvSpPr>
-        <p:spPr/>
-        <p:txBody>
-          <a:bodyPr/>
-          <a:lstStyle/>
-          <a:p>
-            <a:fld id="{BBD74847-7BE4-4E4D-8159-51DF7B93C616}" type="slidenum">
-              <a:rPr lang="en-US" smtClean="0"/>
-              <a:t>8</a:t>
-            </a:fld>
-            <a:endParaRPr lang="en-US"/>
-          </a:p>
-        </p:txBody>
-      </p:sp>
     </p:spTree>
     <p:extLst>
       <p:ext uri="{BB962C8B-B14F-4D97-AF65-F5344CB8AC3E}">
@@ -7464,10 +8034,2972 @@
 </p:sld>
 </file>
 
+<file path=ppt/slides/slide2.xml><?xml version="1.0" encoding="utf-8"?>
+<p:sld xmlns:a="http://schemas.openxmlformats.org/drawingml/2006/main" xmlns:r="http://schemas.openxmlformats.org/officeDocument/2006/relationships" xmlns:p="http://schemas.openxmlformats.org/presentationml/2006/main">
+  <p:cSld>
+    <p:spTree>
+      <p:nvGrpSpPr>
+        <p:cNvPr id="1" name=""/>
+        <p:cNvGrpSpPr/>
+        <p:nvPr/>
+      </p:nvGrpSpPr>
+      <p:grpSpPr>
+        <a:xfrm>
+          <a:off x="0" y="0"/>
+          <a:ext cx="0" cy="0"/>
+          <a:chOff x="0" y="0"/>
+          <a:chExt cx="0" cy="0"/>
+        </a:xfrm>
+      </p:grpSpPr>
+      <p:sp>
+        <p:nvSpPr>
+          <p:cNvPr id="2" name="Title 1"/>
+          <p:cNvSpPr>
+            <a:spLocks noGrp="1"/>
+          </p:cNvSpPr>
+          <p:nvPr>
+            <p:ph type="title"/>
+          </p:nvPr>
+        </p:nvSpPr>
+        <p:spPr/>
+        <p:txBody>
+          <a:bodyPr/>
+          <a:lstStyle/>
+          <a:p>
+            <a:r>
+              <a:rPr lang="en-US" dirty="0"/>
+              <a:t>Lesson Objectives</a:t>
+            </a:r>
+          </a:p>
+        </p:txBody>
+      </p:sp>
+      <p:sp>
+        <p:nvSpPr>
+          <p:cNvPr id="3" name="Content Placeholder 2"/>
+          <p:cNvSpPr>
+            <a:spLocks noGrp="1"/>
+          </p:cNvSpPr>
+          <p:nvPr>
+            <p:ph idx="1"/>
+          </p:nvPr>
+        </p:nvSpPr>
+        <p:spPr>
+          <a:xfrm>
+            <a:off x="155088" y="1140007"/>
+            <a:ext cx="8831580" cy="2409220"/>
+          </a:xfrm>
+        </p:spPr>
+        <p:txBody>
+          <a:bodyPr/>
+          <a:lstStyle/>
+          <a:p>
+            <a:r>
+              <a:rPr lang="en-US" dirty="0"/>
+              <a:t>Learn how to update SPIKE Prime and Robot Inventor</a:t>
+            </a:r>
+          </a:p>
+          <a:p>
+            <a:endParaRPr lang="en-US" dirty="0"/>
+          </a:p>
+          <a:p>
+            <a:endParaRPr lang="en-US" dirty="0"/>
+          </a:p>
+        </p:txBody>
+      </p:sp>
+      <p:sp>
+        <p:nvSpPr>
+          <p:cNvPr id="4" name="Footer Placeholder 3"/>
+          <p:cNvSpPr>
+            <a:spLocks noGrp="1"/>
+          </p:cNvSpPr>
+          <p:nvPr>
+            <p:ph type="ftr" sz="quarter" idx="11"/>
+          </p:nvPr>
+        </p:nvSpPr>
+        <p:spPr/>
+        <p:txBody>
+          <a:bodyPr/>
+          <a:lstStyle/>
+          <a:p>
+            <a:r>
+              <a:rPr lang="en-US"/>
+              <a:t>Copyright © 2020 Prime Lessons (primelessons.org) CC-BY-NC-SA.  (Last edit: 12/14/2020)</a:t>
+            </a:r>
+          </a:p>
+        </p:txBody>
+      </p:sp>
+      <p:sp>
+        <p:nvSpPr>
+          <p:cNvPr id="7" name="Slide Number Placeholder 6">
+            <a:extLst>
+              <a:ext uri="{FF2B5EF4-FFF2-40B4-BE49-F238E27FC236}">
+                <a16:creationId xmlns:a16="http://schemas.microsoft.com/office/drawing/2014/main" id="{8D64AAE4-28AB-4B08-8A92-91AD24C926BD}"/>
+              </a:ext>
+            </a:extLst>
+          </p:cNvPr>
+          <p:cNvSpPr>
+            <a:spLocks noGrp="1"/>
+          </p:cNvSpPr>
+          <p:nvPr>
+            <p:ph type="sldNum" sz="quarter" idx="12"/>
+          </p:nvPr>
+        </p:nvSpPr>
+        <p:spPr/>
+        <p:txBody>
+          <a:bodyPr/>
+          <a:lstStyle/>
+          <a:p>
+            <a:fld id="{BBD74847-7BE4-4E4D-8159-51DF7B93C616}" type="slidenum">
+              <a:rPr lang="en-US" smtClean="0"/>
+              <a:t>2</a:t>
+            </a:fld>
+            <a:endParaRPr lang="en-US"/>
+          </a:p>
+        </p:txBody>
+      </p:sp>
+      <p:pic>
+        <p:nvPicPr>
+          <p:cNvPr id="8" name="Picture 7">
+            <a:extLst>
+              <a:ext uri="{FF2B5EF4-FFF2-40B4-BE49-F238E27FC236}">
+                <a16:creationId xmlns:a16="http://schemas.microsoft.com/office/drawing/2014/main" id="{EBBABDFF-CD5F-C148-B660-166C77A740C3}"/>
+              </a:ext>
+            </a:extLst>
+          </p:cNvPr>
+          <p:cNvPicPr>
+            <a:picLocks noChangeAspect="1"/>
+          </p:cNvPicPr>
+          <p:nvPr/>
+        </p:nvPicPr>
+        <p:blipFill>
+          <a:blip r:embed="rId2"/>
+          <a:stretch>
+            <a:fillRect/>
+          </a:stretch>
+        </p:blipFill>
+        <p:spPr>
+          <a:xfrm>
+            <a:off x="175260" y="2189664"/>
+            <a:ext cx="3657600" cy="2743200"/>
+          </a:xfrm>
+          <a:prstGeom prst="rect">
+            <a:avLst/>
+          </a:prstGeom>
+        </p:spPr>
+      </p:pic>
+      <p:pic>
+        <p:nvPicPr>
+          <p:cNvPr id="10" name="Picture 9">
+            <a:extLst>
+              <a:ext uri="{FF2B5EF4-FFF2-40B4-BE49-F238E27FC236}">
+                <a16:creationId xmlns:a16="http://schemas.microsoft.com/office/drawing/2014/main" id="{6FC2904A-9E0B-4D40-936D-F1A13D89DEF0}"/>
+              </a:ext>
+            </a:extLst>
+          </p:cNvPr>
+          <p:cNvPicPr>
+            <a:picLocks noChangeAspect="1"/>
+          </p:cNvPicPr>
+          <p:nvPr/>
+        </p:nvPicPr>
+        <p:blipFill>
+          <a:blip r:embed="rId3"/>
+          <a:stretch>
+            <a:fillRect/>
+          </a:stretch>
+        </p:blipFill>
+        <p:spPr>
+          <a:xfrm>
+            <a:off x="4572000" y="2142031"/>
+            <a:ext cx="4004059" cy="3003044"/>
+          </a:xfrm>
+          <a:prstGeom prst="rect">
+            <a:avLst/>
+          </a:prstGeom>
+        </p:spPr>
+      </p:pic>
+    </p:spTree>
+    <p:extLst>
+      <p:ext uri="{BB962C8B-B14F-4D97-AF65-F5344CB8AC3E}">
+        <p14:creationId xmlns:p14="http://schemas.microsoft.com/office/powerpoint/2010/main" val="675085363"/>
+      </p:ext>
+    </p:extLst>
+  </p:cSld>
+  <p:clrMapOvr>
+    <a:masterClrMapping/>
+  </p:clrMapOvr>
+</p:sld>
+</file>
+
+<file path=ppt/slides/slide3.xml><?xml version="1.0" encoding="utf-8"?>
+<p:sld xmlns:a="http://schemas.openxmlformats.org/drawingml/2006/main" xmlns:r="http://schemas.openxmlformats.org/officeDocument/2006/relationships" xmlns:p="http://schemas.openxmlformats.org/presentationml/2006/main">
+  <p:cSld>
+    <p:spTree>
+      <p:nvGrpSpPr>
+        <p:cNvPr id="1" name=""/>
+        <p:cNvGrpSpPr/>
+        <p:nvPr/>
+      </p:nvGrpSpPr>
+      <p:grpSpPr>
+        <a:xfrm>
+          <a:off x="0" y="0"/>
+          <a:ext cx="0" cy="0"/>
+          <a:chOff x="0" y="0"/>
+          <a:chExt cx="0" cy="0"/>
+        </a:xfrm>
+      </p:grpSpPr>
+      <p:pic>
+        <p:nvPicPr>
+          <p:cNvPr id="5" name="Picture 4">
+            <a:extLst>
+              <a:ext uri="{FF2B5EF4-FFF2-40B4-BE49-F238E27FC236}">
+                <a16:creationId xmlns:a16="http://schemas.microsoft.com/office/drawing/2014/main" id="{FA399B84-BCC1-4BA3-B95D-5928C70046E0}"/>
+              </a:ext>
+            </a:extLst>
+          </p:cNvPr>
+          <p:cNvPicPr>
+            <a:picLocks noChangeAspect="1"/>
+          </p:cNvPicPr>
+          <p:nvPr/>
+        </p:nvPicPr>
+        <p:blipFill rotWithShape="1">
+          <a:blip r:embed="rId2"/>
+          <a:srcRect t="4720"/>
+          <a:stretch/>
+        </p:blipFill>
+        <p:spPr>
+          <a:xfrm>
+            <a:off x="159493" y="1177853"/>
+            <a:ext cx="3144028" cy="2251147"/>
+          </a:xfrm>
+          <a:prstGeom prst="rect">
+            <a:avLst/>
+          </a:prstGeom>
+        </p:spPr>
+      </p:pic>
+      <p:sp>
+        <p:nvSpPr>
+          <p:cNvPr id="2" name="Title 1"/>
+          <p:cNvSpPr>
+            <a:spLocks noGrp="1"/>
+          </p:cNvSpPr>
+          <p:nvPr>
+            <p:ph type="title"/>
+          </p:nvPr>
+        </p:nvSpPr>
+        <p:spPr/>
+        <p:txBody>
+          <a:bodyPr/>
+          <a:lstStyle/>
+          <a:p>
+            <a:r>
+              <a:rPr lang="en-US" dirty="0"/>
+              <a:t>FIRST USE</a:t>
+            </a:r>
+          </a:p>
+        </p:txBody>
+      </p:sp>
+      <p:sp>
+        <p:nvSpPr>
+          <p:cNvPr id="7" name="Content Placeholder 6"/>
+          <p:cNvSpPr>
+            <a:spLocks noGrp="1"/>
+          </p:cNvSpPr>
+          <p:nvPr>
+            <p:ph idx="1"/>
+          </p:nvPr>
+        </p:nvSpPr>
+        <p:spPr>
+          <a:xfrm>
+            <a:off x="3942080" y="1242218"/>
+            <a:ext cx="5042427" cy="4312933"/>
+          </a:xfrm>
+        </p:spPr>
+        <p:txBody>
+          <a:bodyPr>
+            <a:normAutofit/>
+          </a:bodyPr>
+          <a:lstStyle/>
+          <a:p>
+            <a:r>
+              <a:rPr lang="en-US" dirty="0"/>
+              <a:t>Connect your SPIKE Prime or Robot Inventor to your computer using the USB Cable for OS Updates</a:t>
+            </a:r>
+          </a:p>
+          <a:p>
+            <a:r>
+              <a:rPr lang="en-US" dirty="0"/>
+              <a:t>The software will auto-connect to the brick if you are using USB</a:t>
+            </a:r>
+          </a:p>
+          <a:p>
+            <a:r>
+              <a:rPr lang="en-US" dirty="0"/>
+              <a:t>Note: If you are using the iOS,  Android, or Chromebook version of the software, you may need to connect to your Hub using a computer the very first time to update the firmware on the Hub. Subsequent updates may be possible via Bluetooth. [This process may get updated.]</a:t>
+            </a:r>
+          </a:p>
+        </p:txBody>
+      </p:sp>
+      <p:sp>
+        <p:nvSpPr>
+          <p:cNvPr id="4" name="Footer Placeholder 3"/>
+          <p:cNvSpPr>
+            <a:spLocks noGrp="1"/>
+          </p:cNvSpPr>
+          <p:nvPr>
+            <p:ph type="ftr" sz="quarter" idx="11"/>
+          </p:nvPr>
+        </p:nvSpPr>
+        <p:spPr/>
+        <p:txBody>
+          <a:bodyPr/>
+          <a:lstStyle/>
+          <a:p>
+            <a:r>
+              <a:rPr lang="en-US"/>
+              <a:t>Copyright © 2020 Prime Lessons (primelessons.org) CC-BY-NC-SA.  (Last edit: 12/14/2020)</a:t>
+            </a:r>
+          </a:p>
+        </p:txBody>
+      </p:sp>
+      <p:sp>
+        <p:nvSpPr>
+          <p:cNvPr id="14" name="Slide Number Placeholder 13">
+            <a:extLst>
+              <a:ext uri="{FF2B5EF4-FFF2-40B4-BE49-F238E27FC236}">
+                <a16:creationId xmlns:a16="http://schemas.microsoft.com/office/drawing/2014/main" id="{D318FC27-407A-4F8C-85FE-2F82CAB12653}"/>
+              </a:ext>
+            </a:extLst>
+          </p:cNvPr>
+          <p:cNvSpPr>
+            <a:spLocks noGrp="1"/>
+          </p:cNvSpPr>
+          <p:nvPr>
+            <p:ph type="sldNum" sz="quarter" idx="12"/>
+          </p:nvPr>
+        </p:nvSpPr>
+        <p:spPr/>
+        <p:txBody>
+          <a:bodyPr/>
+          <a:lstStyle/>
+          <a:p>
+            <a:fld id="{BBD74847-7BE4-4E4D-8159-51DF7B93C616}" type="slidenum">
+              <a:rPr lang="en-US" smtClean="0"/>
+              <a:t>3</a:t>
+            </a:fld>
+            <a:endParaRPr lang="en-US"/>
+          </a:p>
+        </p:txBody>
+      </p:sp>
+      <p:sp>
+        <p:nvSpPr>
+          <p:cNvPr id="10" name="Rectangle 9"/>
+          <p:cNvSpPr/>
+          <p:nvPr/>
+        </p:nvSpPr>
+        <p:spPr>
+          <a:xfrm>
+            <a:off x="1143862" y="1323609"/>
+            <a:ext cx="325641" cy="312615"/>
+          </a:xfrm>
+          <a:prstGeom prst="rect">
+            <a:avLst/>
+          </a:prstGeom>
+          <a:noFill/>
+          <a:ln w="57150" cmpd="sng">
+            <a:solidFill>
+              <a:srgbClr val="FFD500"/>
+            </a:solidFill>
+          </a:ln>
+        </p:spPr>
+        <p:style>
+          <a:lnRef idx="1">
+            <a:schemeClr val="accent1"/>
+          </a:lnRef>
+          <a:fillRef idx="3">
+            <a:schemeClr val="accent1"/>
+          </a:fillRef>
+          <a:effectRef idx="2">
+            <a:schemeClr val="accent1"/>
+          </a:effectRef>
+          <a:fontRef idx="minor">
+            <a:schemeClr val="lt1"/>
+          </a:fontRef>
+        </p:style>
+        <p:txBody>
+          <a:bodyPr rtlCol="0" anchor="ctr"/>
+          <a:lstStyle/>
+          <a:p>
+            <a:pPr algn="ctr"/>
+            <a:endParaRPr lang="en-US"/>
+          </a:p>
+        </p:txBody>
+      </p:sp>
+      <p:pic>
+        <p:nvPicPr>
+          <p:cNvPr id="3" name="Picture 2">
+            <a:extLst>
+              <a:ext uri="{FF2B5EF4-FFF2-40B4-BE49-F238E27FC236}">
+                <a16:creationId xmlns:a16="http://schemas.microsoft.com/office/drawing/2014/main" id="{CA9604BD-089B-664C-B1F1-8A854E78CAB5}"/>
+              </a:ext>
+            </a:extLst>
+          </p:cNvPr>
+          <p:cNvPicPr>
+            <a:picLocks noChangeAspect="1"/>
+          </p:cNvPicPr>
+          <p:nvPr/>
+        </p:nvPicPr>
+        <p:blipFill>
+          <a:blip r:embed="rId3"/>
+          <a:stretch>
+            <a:fillRect/>
+          </a:stretch>
+        </p:blipFill>
+        <p:spPr>
+          <a:xfrm>
+            <a:off x="137439" y="3568431"/>
+            <a:ext cx="3188135" cy="2679656"/>
+          </a:xfrm>
+          <a:prstGeom prst="rect">
+            <a:avLst/>
+          </a:prstGeom>
+        </p:spPr>
+      </p:pic>
+      <p:sp>
+        <p:nvSpPr>
+          <p:cNvPr id="9" name="Rectangle 8">
+            <a:extLst>
+              <a:ext uri="{FF2B5EF4-FFF2-40B4-BE49-F238E27FC236}">
+                <a16:creationId xmlns:a16="http://schemas.microsoft.com/office/drawing/2014/main" id="{9F7A4D6D-573A-FF4A-B779-BB9737F7956E}"/>
+              </a:ext>
+            </a:extLst>
+          </p:cNvPr>
+          <p:cNvSpPr/>
+          <p:nvPr/>
+        </p:nvSpPr>
+        <p:spPr>
+          <a:xfrm>
+            <a:off x="3069421" y="3680729"/>
+            <a:ext cx="325641" cy="312615"/>
+          </a:xfrm>
+          <a:prstGeom prst="rect">
+            <a:avLst/>
+          </a:prstGeom>
+          <a:noFill/>
+          <a:ln w="57150" cmpd="sng">
+            <a:solidFill>
+              <a:srgbClr val="0EAE9F"/>
+            </a:solidFill>
+          </a:ln>
+        </p:spPr>
+        <p:style>
+          <a:lnRef idx="1">
+            <a:schemeClr val="accent1"/>
+          </a:lnRef>
+          <a:fillRef idx="3">
+            <a:schemeClr val="accent1"/>
+          </a:fillRef>
+          <a:effectRef idx="2">
+            <a:schemeClr val="accent1"/>
+          </a:effectRef>
+          <a:fontRef idx="minor">
+            <a:schemeClr val="lt1"/>
+          </a:fontRef>
+        </p:style>
+        <p:txBody>
+          <a:bodyPr rtlCol="0" anchor="ctr"/>
+          <a:lstStyle/>
+          <a:p>
+            <a:pPr algn="ctr"/>
+            <a:endParaRPr lang="en-US"/>
+          </a:p>
+        </p:txBody>
+      </p:sp>
+    </p:spTree>
+    <p:extLst>
+      <p:ext uri="{BB962C8B-B14F-4D97-AF65-F5344CB8AC3E}">
+        <p14:creationId xmlns:p14="http://schemas.microsoft.com/office/powerpoint/2010/main" val="1494063988"/>
+      </p:ext>
+    </p:extLst>
+  </p:cSld>
+  <p:clrMapOvr>
+    <a:masterClrMapping/>
+  </p:clrMapOvr>
+</p:sld>
+</file>
+
+<file path=ppt/slides/slide4.xml><?xml version="1.0" encoding="utf-8"?>
+<p:sld xmlns:a="http://schemas.openxmlformats.org/drawingml/2006/main" xmlns:r="http://schemas.openxmlformats.org/officeDocument/2006/relationships" xmlns:p="http://schemas.openxmlformats.org/presentationml/2006/main">
+  <p:cSld>
+    <p:spTree>
+      <p:nvGrpSpPr>
+        <p:cNvPr id="1" name=""/>
+        <p:cNvGrpSpPr/>
+        <p:nvPr/>
+      </p:nvGrpSpPr>
+      <p:grpSpPr>
+        <a:xfrm>
+          <a:off x="0" y="0"/>
+          <a:ext cx="0" cy="0"/>
+          <a:chOff x="0" y="0"/>
+          <a:chExt cx="0" cy="0"/>
+        </a:xfrm>
+      </p:grpSpPr>
+      <p:sp>
+        <p:nvSpPr>
+          <p:cNvPr id="2" name="Title 1">
+            <a:extLst>
+              <a:ext uri="{FF2B5EF4-FFF2-40B4-BE49-F238E27FC236}">
+                <a16:creationId xmlns:a16="http://schemas.microsoft.com/office/drawing/2014/main" id="{8790F41D-286D-4606-B80B-0E8B7B76F1C8}"/>
+              </a:ext>
+            </a:extLst>
+          </p:cNvPr>
+          <p:cNvSpPr>
+            <a:spLocks noGrp="1"/>
+          </p:cNvSpPr>
+          <p:nvPr>
+            <p:ph type="title"/>
+          </p:nvPr>
+        </p:nvSpPr>
+        <p:spPr/>
+        <p:txBody>
+          <a:bodyPr/>
+          <a:lstStyle/>
+          <a:p>
+            <a:r>
+              <a:rPr lang="en-US" dirty="0"/>
+              <a:t>Install latest Software</a:t>
+            </a:r>
+          </a:p>
+        </p:txBody>
+      </p:sp>
+      <p:sp>
+        <p:nvSpPr>
+          <p:cNvPr id="3" name="Content Placeholder 2">
+            <a:extLst>
+              <a:ext uri="{FF2B5EF4-FFF2-40B4-BE49-F238E27FC236}">
+                <a16:creationId xmlns:a16="http://schemas.microsoft.com/office/drawing/2014/main" id="{C641DE1A-2D53-4C31-8344-64B82CAB33E2}"/>
+              </a:ext>
+            </a:extLst>
+          </p:cNvPr>
+          <p:cNvSpPr>
+            <a:spLocks noGrp="1"/>
+          </p:cNvSpPr>
+          <p:nvPr>
+            <p:ph idx="1"/>
+          </p:nvPr>
+        </p:nvSpPr>
+        <p:spPr>
+          <a:xfrm>
+            <a:off x="155088" y="1140006"/>
+            <a:ext cx="8851752" cy="5082601"/>
+          </a:xfrm>
+        </p:spPr>
+        <p:txBody>
+          <a:bodyPr/>
+          <a:lstStyle/>
+          <a:p>
+            <a:r>
+              <a:rPr lang="en-US" dirty="0">
+                <a:hlinkClick r:id="rId2"/>
+              </a:rPr>
+              <a:t>SPIKE Prime: https://education.lego.com/en-us/downloads/spike-prime/software</a:t>
+            </a:r>
+            <a:endParaRPr lang="en-US" dirty="0"/>
+          </a:p>
+          <a:p>
+            <a:r>
+              <a:rPr lang="en-US" dirty="0">
+                <a:hlinkClick r:id="rId3"/>
+              </a:rPr>
+              <a:t>Robot Inventor: https://www.lego.com/en-us/service/device-guide/mindstorms-robot-inventor/</a:t>
+            </a:r>
+            <a:endParaRPr lang="en-US" dirty="0"/>
+          </a:p>
+          <a:p>
+            <a:r>
+              <a:rPr lang="en-US" dirty="0"/>
+              <a:t>You can check for SPIKE Prime Software Updates from inside the App</a:t>
+            </a:r>
+          </a:p>
+          <a:p>
+            <a:pPr lvl="1"/>
+            <a:r>
+              <a:rPr lang="en-US" dirty="0"/>
+              <a:t>Click on the Help Menu inside a Project and Check for Update</a:t>
+            </a:r>
+          </a:p>
+          <a:p>
+            <a:r>
+              <a:rPr lang="en-US" dirty="0"/>
+              <a:t>There is no equivalent choice in Robot Inventor (you will be prompted for any updates or you can visit the app store)</a:t>
+            </a:r>
+          </a:p>
+        </p:txBody>
+      </p:sp>
+      <p:sp>
+        <p:nvSpPr>
+          <p:cNvPr id="4" name="Footer Placeholder 3">
+            <a:extLst>
+              <a:ext uri="{FF2B5EF4-FFF2-40B4-BE49-F238E27FC236}">
+                <a16:creationId xmlns:a16="http://schemas.microsoft.com/office/drawing/2014/main" id="{8A347E62-7E05-4C21-8C7D-6BE327FBE523}"/>
+              </a:ext>
+            </a:extLst>
+          </p:cNvPr>
+          <p:cNvSpPr>
+            <a:spLocks noGrp="1"/>
+          </p:cNvSpPr>
+          <p:nvPr>
+            <p:ph type="ftr" sz="quarter" idx="11"/>
+          </p:nvPr>
+        </p:nvSpPr>
+        <p:spPr/>
+        <p:txBody>
+          <a:bodyPr/>
+          <a:lstStyle/>
+          <a:p>
+            <a:r>
+              <a:rPr lang="en-US"/>
+              <a:t>Copyright © 2020 Prime Lessons (primelessons.org) CC-BY-NC-SA.  (Last edit: 12/14/2020)</a:t>
+            </a:r>
+            <a:endParaRPr lang="en-US" dirty="0"/>
+          </a:p>
+        </p:txBody>
+      </p:sp>
+      <p:sp>
+        <p:nvSpPr>
+          <p:cNvPr id="5" name="Slide Number Placeholder 4">
+            <a:extLst>
+              <a:ext uri="{FF2B5EF4-FFF2-40B4-BE49-F238E27FC236}">
+                <a16:creationId xmlns:a16="http://schemas.microsoft.com/office/drawing/2014/main" id="{D8F5DAEF-9381-4B5A-9028-8AF3C04B26BD}"/>
+              </a:ext>
+            </a:extLst>
+          </p:cNvPr>
+          <p:cNvSpPr>
+            <a:spLocks noGrp="1"/>
+          </p:cNvSpPr>
+          <p:nvPr>
+            <p:ph type="sldNum" sz="quarter" idx="12"/>
+          </p:nvPr>
+        </p:nvSpPr>
+        <p:spPr/>
+        <p:txBody>
+          <a:bodyPr/>
+          <a:lstStyle/>
+          <a:p>
+            <a:fld id="{BBD74847-7BE4-4E4D-8159-51DF7B93C616}" type="slidenum">
+              <a:rPr lang="en-US" smtClean="0"/>
+              <a:t>4</a:t>
+            </a:fld>
+            <a:endParaRPr lang="en-US"/>
+          </a:p>
+        </p:txBody>
+      </p:sp>
+      <p:pic>
+        <p:nvPicPr>
+          <p:cNvPr id="8" name="Picture 7" descr="A screenshot of a cell phone&#10;&#10;Description automatically generated">
+            <a:extLst>
+              <a:ext uri="{FF2B5EF4-FFF2-40B4-BE49-F238E27FC236}">
+                <a16:creationId xmlns:a16="http://schemas.microsoft.com/office/drawing/2014/main" id="{8211FEFB-F55D-4F54-BF06-7AD19BE0F78E}"/>
+              </a:ext>
+            </a:extLst>
+          </p:cNvPr>
+          <p:cNvPicPr>
+            <a:picLocks noChangeAspect="1"/>
+          </p:cNvPicPr>
+          <p:nvPr/>
+        </p:nvPicPr>
+        <p:blipFill>
+          <a:blip r:embed="rId4"/>
+          <a:stretch>
+            <a:fillRect/>
+          </a:stretch>
+        </p:blipFill>
+        <p:spPr>
+          <a:xfrm>
+            <a:off x="5538522" y="3963629"/>
+            <a:ext cx="3226475" cy="1623921"/>
+          </a:xfrm>
+          <a:prstGeom prst="rect">
+            <a:avLst/>
+          </a:prstGeom>
+          <a:ln>
+            <a:solidFill>
+              <a:schemeClr val="tx1"/>
+            </a:solidFill>
+          </a:ln>
+        </p:spPr>
+      </p:pic>
+      <p:pic>
+        <p:nvPicPr>
+          <p:cNvPr id="7" name="Picture 6" descr="Text, letter&#10;&#10;Description automatically generated">
+            <a:extLst>
+              <a:ext uri="{FF2B5EF4-FFF2-40B4-BE49-F238E27FC236}">
+                <a16:creationId xmlns:a16="http://schemas.microsoft.com/office/drawing/2014/main" id="{5A50A695-5618-3641-BBAF-5ABA5BBC55D7}"/>
+              </a:ext>
+            </a:extLst>
+          </p:cNvPr>
+          <p:cNvPicPr>
+            <a:picLocks noChangeAspect="1"/>
+          </p:cNvPicPr>
+          <p:nvPr/>
+        </p:nvPicPr>
+        <p:blipFill>
+          <a:blip r:embed="rId5"/>
+          <a:stretch>
+            <a:fillRect/>
+          </a:stretch>
+        </p:blipFill>
+        <p:spPr>
+          <a:xfrm>
+            <a:off x="3062679" y="3926208"/>
+            <a:ext cx="2234001" cy="1959650"/>
+          </a:xfrm>
+          <a:prstGeom prst="rect">
+            <a:avLst/>
+          </a:prstGeom>
+          <a:ln>
+            <a:solidFill>
+              <a:schemeClr val="tx1"/>
+            </a:solidFill>
+          </a:ln>
+        </p:spPr>
+      </p:pic>
+      <p:pic>
+        <p:nvPicPr>
+          <p:cNvPr id="10" name="Picture 9" descr="Graphical user interface, text, application, email&#10;&#10;Description automatically generated">
+            <a:extLst>
+              <a:ext uri="{FF2B5EF4-FFF2-40B4-BE49-F238E27FC236}">
+                <a16:creationId xmlns:a16="http://schemas.microsoft.com/office/drawing/2014/main" id="{964FAA16-6B0D-E041-8007-8826B0B41D96}"/>
+              </a:ext>
+            </a:extLst>
+          </p:cNvPr>
+          <p:cNvPicPr>
+            <a:picLocks noChangeAspect="1"/>
+          </p:cNvPicPr>
+          <p:nvPr/>
+        </p:nvPicPr>
+        <p:blipFill>
+          <a:blip r:embed="rId6"/>
+          <a:stretch>
+            <a:fillRect/>
+          </a:stretch>
+        </p:blipFill>
+        <p:spPr>
+          <a:xfrm>
+            <a:off x="422275" y="3963629"/>
+            <a:ext cx="2302060" cy="2085308"/>
+          </a:xfrm>
+          <a:prstGeom prst="rect">
+            <a:avLst/>
+          </a:prstGeom>
+          <a:ln>
+            <a:solidFill>
+              <a:schemeClr val="tx1"/>
+            </a:solidFill>
+          </a:ln>
+        </p:spPr>
+      </p:pic>
+    </p:spTree>
+    <p:extLst>
+      <p:ext uri="{BB962C8B-B14F-4D97-AF65-F5344CB8AC3E}">
+        <p14:creationId xmlns:p14="http://schemas.microsoft.com/office/powerpoint/2010/main" val="449230849"/>
+      </p:ext>
+    </p:extLst>
+  </p:cSld>
+  <p:clrMapOvr>
+    <a:masterClrMapping/>
+  </p:clrMapOvr>
+</p:sld>
+</file>
+
+<file path=ppt/slides/slide5.xml><?xml version="1.0" encoding="utf-8"?>
+<p:sld xmlns:a="http://schemas.openxmlformats.org/drawingml/2006/main" xmlns:r="http://schemas.openxmlformats.org/officeDocument/2006/relationships" xmlns:p="http://schemas.openxmlformats.org/presentationml/2006/main">
+  <p:cSld>
+    <p:spTree>
+      <p:nvGrpSpPr>
+        <p:cNvPr id="1" name=""/>
+        <p:cNvGrpSpPr/>
+        <p:nvPr/>
+      </p:nvGrpSpPr>
+      <p:grpSpPr>
+        <a:xfrm>
+          <a:off x="0" y="0"/>
+          <a:ext cx="0" cy="0"/>
+          <a:chOff x="0" y="0"/>
+          <a:chExt cx="0" cy="0"/>
+        </a:xfrm>
+      </p:grpSpPr>
+      <p:pic>
+        <p:nvPicPr>
+          <p:cNvPr id="16" name="Picture 15">
+            <a:extLst>
+              <a:ext uri="{FF2B5EF4-FFF2-40B4-BE49-F238E27FC236}">
+                <a16:creationId xmlns:a16="http://schemas.microsoft.com/office/drawing/2014/main" id="{2AEF66B6-E8AF-8046-BB6A-939991D8BE03}"/>
+              </a:ext>
+            </a:extLst>
+          </p:cNvPr>
+          <p:cNvPicPr>
+            <a:picLocks noChangeAspect="1"/>
+          </p:cNvPicPr>
+          <p:nvPr/>
+        </p:nvPicPr>
+        <p:blipFill>
+          <a:blip r:embed="rId2"/>
+          <a:stretch>
+            <a:fillRect/>
+          </a:stretch>
+        </p:blipFill>
+        <p:spPr>
+          <a:xfrm>
+            <a:off x="219004" y="2318415"/>
+            <a:ext cx="3155057" cy="2374011"/>
+          </a:xfrm>
+          <a:prstGeom prst="rect">
+            <a:avLst/>
+          </a:prstGeom>
+        </p:spPr>
+      </p:pic>
+      <p:pic>
+        <p:nvPicPr>
+          <p:cNvPr id="15" name="Picture 14" descr="Graphical user interface, application, Teams&#10;&#10;Description automatically generated">
+            <a:extLst>
+              <a:ext uri="{FF2B5EF4-FFF2-40B4-BE49-F238E27FC236}">
+                <a16:creationId xmlns:a16="http://schemas.microsoft.com/office/drawing/2014/main" id="{8FE097C0-DD19-764D-8E47-265A7CF4E28F}"/>
+              </a:ext>
+            </a:extLst>
+          </p:cNvPr>
+          <p:cNvPicPr>
+            <a:picLocks noChangeAspect="1"/>
+          </p:cNvPicPr>
+          <p:nvPr/>
+        </p:nvPicPr>
+        <p:blipFill>
+          <a:blip r:embed="rId3"/>
+          <a:stretch>
+            <a:fillRect/>
+          </a:stretch>
+        </p:blipFill>
+        <p:spPr>
+          <a:xfrm>
+            <a:off x="1796533" y="3058161"/>
+            <a:ext cx="3289107" cy="2478094"/>
+          </a:xfrm>
+          <a:prstGeom prst="rect">
+            <a:avLst/>
+          </a:prstGeom>
+        </p:spPr>
+      </p:pic>
+      <p:sp>
+        <p:nvSpPr>
+          <p:cNvPr id="2" name="Title 1">
+            <a:extLst>
+              <a:ext uri="{FF2B5EF4-FFF2-40B4-BE49-F238E27FC236}">
+                <a16:creationId xmlns:a16="http://schemas.microsoft.com/office/drawing/2014/main" id="{34EE3150-4D4E-8E44-A531-82760A7C58EE}"/>
+              </a:ext>
+            </a:extLst>
+          </p:cNvPr>
+          <p:cNvSpPr>
+            <a:spLocks noGrp="1"/>
+          </p:cNvSpPr>
+          <p:nvPr>
+            <p:ph type="title"/>
+          </p:nvPr>
+        </p:nvSpPr>
+        <p:spPr/>
+        <p:txBody>
+          <a:bodyPr>
+            <a:normAutofit fontScale="90000"/>
+          </a:bodyPr>
+          <a:lstStyle/>
+          <a:p>
+            <a:r>
+              <a:rPr lang="en-US" dirty="0"/>
+              <a:t>CHECKING WHAT SOFTWARE VERSION YOU ARE RUNNING</a:t>
+            </a:r>
+          </a:p>
+        </p:txBody>
+      </p:sp>
+      <p:pic>
+        <p:nvPicPr>
+          <p:cNvPr id="7" name="Content Placeholder 6">
+            <a:extLst>
+              <a:ext uri="{FF2B5EF4-FFF2-40B4-BE49-F238E27FC236}">
+                <a16:creationId xmlns:a16="http://schemas.microsoft.com/office/drawing/2014/main" id="{50A327FA-9BE3-4B4B-90E9-EB2DAC8209B9}"/>
+              </a:ext>
+            </a:extLst>
+          </p:cNvPr>
+          <p:cNvPicPr>
+            <a:picLocks noGrp="1" noChangeAspect="1"/>
+          </p:cNvPicPr>
+          <p:nvPr>
+            <p:ph idx="1"/>
+          </p:nvPr>
+        </p:nvPicPr>
+        <p:blipFill>
+          <a:blip r:embed="rId4"/>
+          <a:stretch>
+            <a:fillRect/>
+          </a:stretch>
+        </p:blipFill>
+        <p:spPr>
+          <a:xfrm>
+            <a:off x="5313680" y="2452384"/>
+            <a:ext cx="3466204" cy="2939593"/>
+          </a:xfrm>
+        </p:spPr>
+      </p:pic>
+      <p:sp>
+        <p:nvSpPr>
+          <p:cNvPr id="4" name="Footer Placeholder 3">
+            <a:extLst>
+              <a:ext uri="{FF2B5EF4-FFF2-40B4-BE49-F238E27FC236}">
+                <a16:creationId xmlns:a16="http://schemas.microsoft.com/office/drawing/2014/main" id="{BA80DC63-40F6-2743-9607-F647A2FE7464}"/>
+              </a:ext>
+            </a:extLst>
+          </p:cNvPr>
+          <p:cNvSpPr>
+            <a:spLocks noGrp="1"/>
+          </p:cNvSpPr>
+          <p:nvPr>
+            <p:ph type="ftr" sz="quarter" idx="11"/>
+          </p:nvPr>
+        </p:nvSpPr>
+        <p:spPr/>
+        <p:txBody>
+          <a:bodyPr/>
+          <a:lstStyle/>
+          <a:p>
+            <a:r>
+              <a:rPr lang="en-US"/>
+              <a:t>Copyright © 2020 Prime Lessons (primelessons.org) CC-BY-NC-SA.  (Last edit: 12/14/2020)</a:t>
+            </a:r>
+            <a:endParaRPr lang="en-US" dirty="0"/>
+          </a:p>
+        </p:txBody>
+      </p:sp>
+      <p:sp>
+        <p:nvSpPr>
+          <p:cNvPr id="5" name="Slide Number Placeholder 4">
+            <a:extLst>
+              <a:ext uri="{FF2B5EF4-FFF2-40B4-BE49-F238E27FC236}">
+                <a16:creationId xmlns:a16="http://schemas.microsoft.com/office/drawing/2014/main" id="{4B1B5A5B-C962-5B42-9322-F7A7D87EA634}"/>
+              </a:ext>
+            </a:extLst>
+          </p:cNvPr>
+          <p:cNvSpPr>
+            <a:spLocks noGrp="1"/>
+          </p:cNvSpPr>
+          <p:nvPr>
+            <p:ph type="sldNum" sz="quarter" idx="12"/>
+          </p:nvPr>
+        </p:nvSpPr>
+        <p:spPr/>
+        <p:txBody>
+          <a:bodyPr/>
+          <a:lstStyle/>
+          <a:p>
+            <a:fld id="{BBD74847-7BE4-4E4D-8159-51DF7B93C616}" type="slidenum">
+              <a:rPr lang="en-US" smtClean="0"/>
+              <a:t>5</a:t>
+            </a:fld>
+            <a:endParaRPr lang="en-US"/>
+          </a:p>
+        </p:txBody>
+      </p:sp>
+      <p:sp>
+        <p:nvSpPr>
+          <p:cNvPr id="8" name="TextBox 7">
+            <a:extLst>
+              <a:ext uri="{FF2B5EF4-FFF2-40B4-BE49-F238E27FC236}">
+                <a16:creationId xmlns:a16="http://schemas.microsoft.com/office/drawing/2014/main" id="{5E1353B1-20EF-B249-925E-76D6E37411EA}"/>
+              </a:ext>
+            </a:extLst>
+          </p:cNvPr>
+          <p:cNvSpPr txBox="1"/>
+          <p:nvPr/>
+        </p:nvSpPr>
+        <p:spPr>
+          <a:xfrm>
+            <a:off x="872015" y="5781527"/>
+            <a:ext cx="2698985" cy="369332"/>
+          </a:xfrm>
+          <a:prstGeom prst="rect">
+            <a:avLst/>
+          </a:prstGeom>
+          <a:noFill/>
+        </p:spPr>
+        <p:txBody>
+          <a:bodyPr wrap="square" rtlCol="0">
+            <a:spAutoFit/>
+          </a:bodyPr>
+          <a:lstStyle/>
+          <a:p>
+            <a:pPr algn="ctr"/>
+            <a:r>
+              <a:rPr lang="en-US" dirty="0"/>
+              <a:t>SPIKE Prime</a:t>
+            </a:r>
+          </a:p>
+        </p:txBody>
+      </p:sp>
+      <p:sp>
+        <p:nvSpPr>
+          <p:cNvPr id="9" name="TextBox 8">
+            <a:extLst>
+              <a:ext uri="{FF2B5EF4-FFF2-40B4-BE49-F238E27FC236}">
+                <a16:creationId xmlns:a16="http://schemas.microsoft.com/office/drawing/2014/main" id="{DE7B8F4E-9639-E14D-904D-62C13C47429A}"/>
+              </a:ext>
+            </a:extLst>
+          </p:cNvPr>
+          <p:cNvSpPr txBox="1"/>
+          <p:nvPr/>
+        </p:nvSpPr>
+        <p:spPr>
+          <a:xfrm>
+            <a:off x="5697289" y="5750352"/>
+            <a:ext cx="2698985" cy="369332"/>
+          </a:xfrm>
+          <a:prstGeom prst="rect">
+            <a:avLst/>
+          </a:prstGeom>
+          <a:noFill/>
+        </p:spPr>
+        <p:txBody>
+          <a:bodyPr wrap="square" rtlCol="0">
+            <a:spAutoFit/>
+          </a:bodyPr>
+          <a:lstStyle/>
+          <a:p>
+            <a:pPr algn="ctr"/>
+            <a:r>
+              <a:rPr lang="en-US" dirty="0"/>
+              <a:t>Robot Inventor</a:t>
+            </a:r>
+          </a:p>
+        </p:txBody>
+      </p:sp>
+      <p:sp>
+        <p:nvSpPr>
+          <p:cNvPr id="10" name="Rectangle 9">
+            <a:extLst>
+              <a:ext uri="{FF2B5EF4-FFF2-40B4-BE49-F238E27FC236}">
+                <a16:creationId xmlns:a16="http://schemas.microsoft.com/office/drawing/2014/main" id="{44BC46E5-4160-CC4D-A38B-59307170439D}"/>
+              </a:ext>
+            </a:extLst>
+          </p:cNvPr>
+          <p:cNvSpPr/>
+          <p:nvPr/>
+        </p:nvSpPr>
+        <p:spPr>
+          <a:xfrm>
+            <a:off x="1967248" y="5346276"/>
+            <a:ext cx="491472" cy="312615"/>
+          </a:xfrm>
+          <a:prstGeom prst="rect">
+            <a:avLst/>
+          </a:prstGeom>
+          <a:noFill/>
+          <a:ln w="57150" cmpd="sng">
+            <a:solidFill>
+              <a:srgbClr val="FFD500"/>
+            </a:solidFill>
+          </a:ln>
+        </p:spPr>
+        <p:style>
+          <a:lnRef idx="1">
+            <a:schemeClr val="accent1"/>
+          </a:lnRef>
+          <a:fillRef idx="3">
+            <a:schemeClr val="accent1"/>
+          </a:fillRef>
+          <a:effectRef idx="2">
+            <a:schemeClr val="accent1"/>
+          </a:effectRef>
+          <a:fontRef idx="minor">
+            <a:schemeClr val="lt1"/>
+          </a:fontRef>
+        </p:style>
+        <p:txBody>
+          <a:bodyPr rtlCol="0" anchor="ctr"/>
+          <a:lstStyle/>
+          <a:p>
+            <a:pPr algn="ctr"/>
+            <a:endParaRPr lang="en-US"/>
+          </a:p>
+        </p:txBody>
+      </p:sp>
+      <p:sp>
+        <p:nvSpPr>
+          <p:cNvPr id="11" name="Rectangle 10">
+            <a:extLst>
+              <a:ext uri="{FF2B5EF4-FFF2-40B4-BE49-F238E27FC236}">
+                <a16:creationId xmlns:a16="http://schemas.microsoft.com/office/drawing/2014/main" id="{5EC3BC63-F93E-3144-9F0E-5E07E216E6FE}"/>
+              </a:ext>
+            </a:extLst>
+          </p:cNvPr>
+          <p:cNvSpPr/>
+          <p:nvPr/>
+        </p:nvSpPr>
+        <p:spPr>
+          <a:xfrm>
+            <a:off x="5313680" y="4697879"/>
+            <a:ext cx="558800" cy="312615"/>
+          </a:xfrm>
+          <a:prstGeom prst="rect">
+            <a:avLst/>
+          </a:prstGeom>
+          <a:noFill/>
+          <a:ln w="57150" cmpd="sng">
+            <a:solidFill>
+              <a:srgbClr val="0EAE9F"/>
+            </a:solidFill>
+          </a:ln>
+        </p:spPr>
+        <p:style>
+          <a:lnRef idx="1">
+            <a:schemeClr val="accent1"/>
+          </a:lnRef>
+          <a:fillRef idx="3">
+            <a:schemeClr val="accent1"/>
+          </a:fillRef>
+          <a:effectRef idx="2">
+            <a:schemeClr val="accent1"/>
+          </a:effectRef>
+          <a:fontRef idx="minor">
+            <a:schemeClr val="lt1"/>
+          </a:fontRef>
+        </p:style>
+        <p:txBody>
+          <a:bodyPr rtlCol="0" anchor="ctr"/>
+          <a:lstStyle/>
+          <a:p>
+            <a:pPr algn="ctr"/>
+            <a:endParaRPr lang="en-US"/>
+          </a:p>
+        </p:txBody>
+      </p:sp>
+      <p:sp>
+        <p:nvSpPr>
+          <p:cNvPr id="12" name="Content Placeholder 2">
+            <a:extLst>
+              <a:ext uri="{FF2B5EF4-FFF2-40B4-BE49-F238E27FC236}">
+                <a16:creationId xmlns:a16="http://schemas.microsoft.com/office/drawing/2014/main" id="{375BE9C2-2C9A-6241-86CD-0F63377D6BD8}"/>
+              </a:ext>
+            </a:extLst>
+          </p:cNvPr>
+          <p:cNvSpPr txBox="1">
+            <a:spLocks/>
+          </p:cNvSpPr>
+          <p:nvPr/>
+        </p:nvSpPr>
+        <p:spPr>
+          <a:xfrm>
+            <a:off x="155088" y="1140006"/>
+            <a:ext cx="8624796" cy="5082601"/>
+          </a:xfrm>
+          <a:prstGeom prst="rect">
+            <a:avLst/>
+          </a:prstGeom>
+        </p:spPr>
+        <p:txBody>
+          <a:bodyPr vert="horz" lIns="91440" tIns="45720" rIns="91440" bIns="45720" rtlCol="0" anchor="t">
+            <a:normAutofit/>
+          </a:bodyPr>
+          <a:lstStyle>
+            <a:lvl1pPr marL="306000" indent="-306000" algn="l" defTabSz="457200" rtl="0" eaLnBrk="1" latinLnBrk="0" hangingPunct="1">
+              <a:spcBef>
+                <a:spcPct val="20000"/>
+              </a:spcBef>
+              <a:spcAft>
+                <a:spcPts val="600"/>
+              </a:spcAft>
+              <a:buClr>
+                <a:schemeClr val="accent2"/>
+              </a:buClr>
+              <a:buSzPct val="92000"/>
+              <a:buFont typeface="Wingdings 2" charset="2"/>
+              <a:buChar char=""/>
+              <a:defRPr sz="1800" kern="1200">
+                <a:solidFill>
+                  <a:schemeClr val="tx2"/>
+                </a:solidFill>
+                <a:latin typeface="+mn-lt"/>
+                <a:ea typeface="+mn-ea"/>
+                <a:cs typeface="+mn-cs"/>
+              </a:defRPr>
+            </a:lvl1pPr>
+            <a:lvl2pPr marL="630000" indent="-306000" algn="l" defTabSz="457200" rtl="0" eaLnBrk="1" latinLnBrk="0" hangingPunct="1">
+              <a:spcBef>
+                <a:spcPct val="20000"/>
+              </a:spcBef>
+              <a:spcAft>
+                <a:spcPts val="600"/>
+              </a:spcAft>
+              <a:buClr>
+                <a:schemeClr val="accent2"/>
+              </a:buClr>
+              <a:buSzPct val="92000"/>
+              <a:buFont typeface="Wingdings 2" charset="2"/>
+              <a:buChar char=""/>
+              <a:defRPr sz="1600" kern="1200">
+                <a:solidFill>
+                  <a:schemeClr val="tx2"/>
+                </a:solidFill>
+                <a:latin typeface="+mn-lt"/>
+                <a:ea typeface="+mn-ea"/>
+                <a:cs typeface="+mn-cs"/>
+              </a:defRPr>
+            </a:lvl2pPr>
+            <a:lvl3pPr marL="900000" indent="-270000" algn="l" defTabSz="457200" rtl="0" eaLnBrk="1" latinLnBrk="0" hangingPunct="1">
+              <a:spcBef>
+                <a:spcPct val="20000"/>
+              </a:spcBef>
+              <a:spcAft>
+                <a:spcPts val="600"/>
+              </a:spcAft>
+              <a:buClr>
+                <a:schemeClr val="accent2"/>
+              </a:buClr>
+              <a:buSzPct val="92000"/>
+              <a:buFont typeface="Wingdings 2" charset="2"/>
+              <a:buChar char=""/>
+              <a:defRPr sz="1400" kern="1200">
+                <a:solidFill>
+                  <a:schemeClr val="tx2"/>
+                </a:solidFill>
+                <a:latin typeface="+mn-lt"/>
+                <a:ea typeface="+mn-ea"/>
+                <a:cs typeface="+mn-cs"/>
+              </a:defRPr>
+            </a:lvl3pPr>
+            <a:lvl4pPr marL="1242000" indent="-234000" algn="l" defTabSz="457200" rtl="0" eaLnBrk="1" latinLnBrk="0" hangingPunct="1">
+              <a:spcBef>
+                <a:spcPct val="20000"/>
+              </a:spcBef>
+              <a:spcAft>
+                <a:spcPts val="600"/>
+              </a:spcAft>
+              <a:buClr>
+                <a:schemeClr val="accent2"/>
+              </a:buClr>
+              <a:buSzPct val="92000"/>
+              <a:buFont typeface="Wingdings 2" charset="2"/>
+              <a:buChar char=""/>
+              <a:defRPr sz="1200" kern="1200">
+                <a:solidFill>
+                  <a:schemeClr val="tx2"/>
+                </a:solidFill>
+                <a:latin typeface="+mn-lt"/>
+                <a:ea typeface="+mn-ea"/>
+                <a:cs typeface="+mn-cs"/>
+              </a:defRPr>
+            </a:lvl4pPr>
+            <a:lvl5pPr marL="1602000" indent="-234000" algn="l" defTabSz="457200" rtl="0" eaLnBrk="1" latinLnBrk="0" hangingPunct="1">
+              <a:spcBef>
+                <a:spcPct val="20000"/>
+              </a:spcBef>
+              <a:spcAft>
+                <a:spcPts val="600"/>
+              </a:spcAft>
+              <a:buClr>
+                <a:schemeClr val="accent2"/>
+              </a:buClr>
+              <a:buSzPct val="92000"/>
+              <a:buFont typeface="Wingdings 2" charset="2"/>
+              <a:buChar char=""/>
+              <a:defRPr sz="1200" kern="1200">
+                <a:solidFill>
+                  <a:schemeClr val="tx2"/>
+                </a:solidFill>
+                <a:latin typeface="+mn-lt"/>
+                <a:ea typeface="+mn-ea"/>
+                <a:cs typeface="+mn-cs"/>
+              </a:defRPr>
+            </a:lvl5pPr>
+            <a:lvl6pPr marL="1900000" indent="-228600" algn="l" defTabSz="457200" rtl="0" eaLnBrk="1" latinLnBrk="0" hangingPunct="1">
+              <a:spcBef>
+                <a:spcPct val="20000"/>
+              </a:spcBef>
+              <a:spcAft>
+                <a:spcPts val="600"/>
+              </a:spcAft>
+              <a:buClr>
+                <a:schemeClr val="accent2"/>
+              </a:buClr>
+              <a:buSzPct val="92000"/>
+              <a:buFont typeface="Wingdings 2" charset="2"/>
+              <a:buChar char=""/>
+              <a:defRPr sz="1200" kern="1200">
+                <a:solidFill>
+                  <a:schemeClr val="tx2"/>
+                </a:solidFill>
+                <a:latin typeface="+mn-lt"/>
+                <a:ea typeface="+mn-ea"/>
+                <a:cs typeface="+mn-cs"/>
+              </a:defRPr>
+            </a:lvl6pPr>
+            <a:lvl7pPr marL="2200000" indent="-228600" algn="l" defTabSz="457200" rtl="0" eaLnBrk="1" latinLnBrk="0" hangingPunct="1">
+              <a:spcBef>
+                <a:spcPct val="20000"/>
+              </a:spcBef>
+              <a:spcAft>
+                <a:spcPts val="600"/>
+              </a:spcAft>
+              <a:buClr>
+                <a:schemeClr val="accent2"/>
+              </a:buClr>
+              <a:buSzPct val="92000"/>
+              <a:buFont typeface="Wingdings 2" charset="2"/>
+              <a:buChar char=""/>
+              <a:defRPr sz="1200" kern="1200">
+                <a:solidFill>
+                  <a:schemeClr val="tx2"/>
+                </a:solidFill>
+                <a:latin typeface="+mn-lt"/>
+                <a:ea typeface="+mn-ea"/>
+                <a:cs typeface="+mn-cs"/>
+              </a:defRPr>
+            </a:lvl7pPr>
+            <a:lvl8pPr marL="2500000" indent="-228600" algn="l" defTabSz="457200" rtl="0" eaLnBrk="1" latinLnBrk="0" hangingPunct="1">
+              <a:spcBef>
+                <a:spcPct val="20000"/>
+              </a:spcBef>
+              <a:spcAft>
+                <a:spcPts val="600"/>
+              </a:spcAft>
+              <a:buClr>
+                <a:schemeClr val="accent2"/>
+              </a:buClr>
+              <a:buSzPct val="92000"/>
+              <a:buFont typeface="Wingdings 2" charset="2"/>
+              <a:buChar char=""/>
+              <a:defRPr sz="1200" kern="1200">
+                <a:solidFill>
+                  <a:schemeClr val="tx2"/>
+                </a:solidFill>
+                <a:latin typeface="+mn-lt"/>
+                <a:ea typeface="+mn-ea"/>
+                <a:cs typeface="+mn-cs"/>
+              </a:defRPr>
+            </a:lvl8pPr>
+            <a:lvl9pPr marL="2800000" indent="-228600" algn="l" defTabSz="457200" rtl="0" eaLnBrk="1" latinLnBrk="0" hangingPunct="1">
+              <a:spcBef>
+                <a:spcPct val="20000"/>
+              </a:spcBef>
+              <a:spcAft>
+                <a:spcPts val="600"/>
+              </a:spcAft>
+              <a:buClr>
+                <a:schemeClr val="accent2"/>
+              </a:buClr>
+              <a:buSzPct val="92000"/>
+              <a:buFont typeface="Wingdings 2" panose="05020102010507070707" pitchFamily="18" charset="2"/>
+              <a:buChar char=""/>
+              <a:defRPr sz="1200" kern="1200">
+                <a:solidFill>
+                  <a:schemeClr val="tx2"/>
+                </a:solidFill>
+                <a:latin typeface="+mn-lt"/>
+                <a:ea typeface="+mn-ea"/>
+                <a:cs typeface="+mn-cs"/>
+              </a:defRPr>
+            </a:lvl9pPr>
+          </a:lstStyle>
+          <a:p>
+            <a:r>
+              <a:rPr lang="en-US" dirty="0"/>
+              <a:t>In SPIKE Prime, the version is at the top of all screens.  You can also click on the gear icon on the top right of the home screen to access the Settings page.</a:t>
+            </a:r>
+          </a:p>
+          <a:p>
+            <a:r>
+              <a:rPr lang="en-US" dirty="0"/>
+              <a:t>In Robot Inventor, click on Settings at the bottom of the home screen</a:t>
+            </a:r>
+          </a:p>
+        </p:txBody>
+      </p:sp>
+      <p:sp>
+        <p:nvSpPr>
+          <p:cNvPr id="13" name="Rectangle 12">
+            <a:extLst>
+              <a:ext uri="{FF2B5EF4-FFF2-40B4-BE49-F238E27FC236}">
+                <a16:creationId xmlns:a16="http://schemas.microsoft.com/office/drawing/2014/main" id="{C0E4B517-5AF2-8745-BA0D-B404EB8D84B5}"/>
+              </a:ext>
+            </a:extLst>
+          </p:cNvPr>
+          <p:cNvSpPr/>
+          <p:nvPr/>
+        </p:nvSpPr>
+        <p:spPr>
+          <a:xfrm>
+            <a:off x="7016302" y="5010494"/>
+            <a:ext cx="558800" cy="312615"/>
+          </a:xfrm>
+          <a:prstGeom prst="rect">
+            <a:avLst/>
+          </a:prstGeom>
+          <a:noFill/>
+          <a:ln w="57150" cmpd="sng">
+            <a:solidFill>
+              <a:srgbClr val="0EAE9F"/>
+            </a:solidFill>
+          </a:ln>
+        </p:spPr>
+        <p:style>
+          <a:lnRef idx="1">
+            <a:schemeClr val="accent1"/>
+          </a:lnRef>
+          <a:fillRef idx="3">
+            <a:schemeClr val="accent1"/>
+          </a:fillRef>
+          <a:effectRef idx="2">
+            <a:schemeClr val="accent1"/>
+          </a:effectRef>
+          <a:fontRef idx="minor">
+            <a:schemeClr val="lt1"/>
+          </a:fontRef>
+        </p:style>
+        <p:txBody>
+          <a:bodyPr rtlCol="0" anchor="ctr"/>
+          <a:lstStyle/>
+          <a:p>
+            <a:pPr algn="ctr"/>
+            <a:endParaRPr lang="en-US"/>
+          </a:p>
+        </p:txBody>
+      </p:sp>
+      <p:sp>
+        <p:nvSpPr>
+          <p:cNvPr id="17" name="Rectangle 16">
+            <a:extLst>
+              <a:ext uri="{FF2B5EF4-FFF2-40B4-BE49-F238E27FC236}">
+                <a16:creationId xmlns:a16="http://schemas.microsoft.com/office/drawing/2014/main" id="{A6B7E7C7-176D-8B44-9699-9B5D50757F88}"/>
+              </a:ext>
+            </a:extLst>
+          </p:cNvPr>
+          <p:cNvSpPr/>
+          <p:nvPr/>
+        </p:nvSpPr>
+        <p:spPr>
+          <a:xfrm>
+            <a:off x="1399509" y="2215501"/>
+            <a:ext cx="821998" cy="312615"/>
+          </a:xfrm>
+          <a:prstGeom prst="rect">
+            <a:avLst/>
+          </a:prstGeom>
+          <a:noFill/>
+          <a:ln w="57150" cmpd="sng">
+            <a:solidFill>
+              <a:srgbClr val="FFD500"/>
+            </a:solidFill>
+          </a:ln>
+        </p:spPr>
+        <p:style>
+          <a:lnRef idx="1">
+            <a:schemeClr val="accent1"/>
+          </a:lnRef>
+          <a:fillRef idx="3">
+            <a:schemeClr val="accent1"/>
+          </a:fillRef>
+          <a:effectRef idx="2">
+            <a:schemeClr val="accent1"/>
+          </a:effectRef>
+          <a:fontRef idx="minor">
+            <a:schemeClr val="lt1"/>
+          </a:fontRef>
+        </p:style>
+        <p:txBody>
+          <a:bodyPr rtlCol="0" anchor="ctr"/>
+          <a:lstStyle/>
+          <a:p>
+            <a:pPr algn="ctr"/>
+            <a:endParaRPr lang="en-US"/>
+          </a:p>
+        </p:txBody>
+      </p:sp>
+      <p:sp>
+        <p:nvSpPr>
+          <p:cNvPr id="18" name="Rectangle 17">
+            <a:extLst>
+              <a:ext uri="{FF2B5EF4-FFF2-40B4-BE49-F238E27FC236}">
+                <a16:creationId xmlns:a16="http://schemas.microsoft.com/office/drawing/2014/main" id="{5E76FF15-4A8E-0D48-9DF1-46AFC8E4BDBB}"/>
+              </a:ext>
+            </a:extLst>
+          </p:cNvPr>
+          <p:cNvSpPr/>
+          <p:nvPr/>
+        </p:nvSpPr>
+        <p:spPr>
+          <a:xfrm>
+            <a:off x="4846320" y="3092264"/>
+            <a:ext cx="239320" cy="312615"/>
+          </a:xfrm>
+          <a:prstGeom prst="rect">
+            <a:avLst/>
+          </a:prstGeom>
+          <a:noFill/>
+          <a:ln w="57150" cmpd="sng">
+            <a:solidFill>
+              <a:srgbClr val="FFD500"/>
+            </a:solidFill>
+          </a:ln>
+        </p:spPr>
+        <p:style>
+          <a:lnRef idx="1">
+            <a:schemeClr val="accent1"/>
+          </a:lnRef>
+          <a:fillRef idx="3">
+            <a:schemeClr val="accent1"/>
+          </a:fillRef>
+          <a:effectRef idx="2">
+            <a:schemeClr val="accent1"/>
+          </a:effectRef>
+          <a:fontRef idx="minor">
+            <a:schemeClr val="lt1"/>
+          </a:fontRef>
+        </p:style>
+        <p:txBody>
+          <a:bodyPr rtlCol="0" anchor="ctr"/>
+          <a:lstStyle/>
+          <a:p>
+            <a:pPr algn="ctr"/>
+            <a:endParaRPr lang="en-US"/>
+          </a:p>
+        </p:txBody>
+      </p:sp>
+    </p:spTree>
+    <p:extLst>
+      <p:ext uri="{BB962C8B-B14F-4D97-AF65-F5344CB8AC3E}">
+        <p14:creationId xmlns:p14="http://schemas.microsoft.com/office/powerpoint/2010/main" val="2330229996"/>
+      </p:ext>
+    </p:extLst>
+  </p:cSld>
+  <p:clrMapOvr>
+    <a:masterClrMapping/>
+  </p:clrMapOvr>
+</p:sld>
+</file>
+
+<file path=ppt/slides/slide6.xml><?xml version="1.0" encoding="utf-8"?>
+<p:sld xmlns:a="http://schemas.openxmlformats.org/drawingml/2006/main" xmlns:r="http://schemas.openxmlformats.org/officeDocument/2006/relationships" xmlns:p="http://schemas.openxmlformats.org/presentationml/2006/main">
+  <p:cSld>
+    <p:spTree>
+      <p:nvGrpSpPr>
+        <p:cNvPr id="1" name=""/>
+        <p:cNvGrpSpPr/>
+        <p:nvPr/>
+      </p:nvGrpSpPr>
+      <p:grpSpPr>
+        <a:xfrm>
+          <a:off x="0" y="0"/>
+          <a:ext cx="0" cy="0"/>
+          <a:chOff x="0" y="0"/>
+          <a:chExt cx="0" cy="0"/>
+        </a:xfrm>
+      </p:grpSpPr>
+      <p:sp>
+        <p:nvSpPr>
+          <p:cNvPr id="2" name="Title 1">
+            <a:extLst>
+              <a:ext uri="{FF2B5EF4-FFF2-40B4-BE49-F238E27FC236}">
+                <a16:creationId xmlns:a16="http://schemas.microsoft.com/office/drawing/2014/main" id="{49DA58AE-222D-48A7-8021-BF3B6C1588BF}"/>
+              </a:ext>
+            </a:extLst>
+          </p:cNvPr>
+          <p:cNvSpPr>
+            <a:spLocks noGrp="1"/>
+          </p:cNvSpPr>
+          <p:nvPr>
+            <p:ph type="title"/>
+          </p:nvPr>
+        </p:nvSpPr>
+        <p:spPr/>
+        <p:txBody>
+          <a:bodyPr/>
+          <a:lstStyle/>
+          <a:p>
+            <a:r>
+              <a:rPr lang="en-US" dirty="0"/>
+              <a:t>Updating the hub operating system</a:t>
+            </a:r>
+          </a:p>
+        </p:txBody>
+      </p:sp>
+      <p:sp>
+        <p:nvSpPr>
+          <p:cNvPr id="3" name="Content Placeholder 2">
+            <a:extLst>
+              <a:ext uri="{FF2B5EF4-FFF2-40B4-BE49-F238E27FC236}">
+                <a16:creationId xmlns:a16="http://schemas.microsoft.com/office/drawing/2014/main" id="{386D02E9-0BA2-4B2E-939C-285D30C79977}"/>
+              </a:ext>
+            </a:extLst>
+          </p:cNvPr>
+          <p:cNvSpPr>
+            <a:spLocks noGrp="1"/>
+          </p:cNvSpPr>
+          <p:nvPr>
+            <p:ph idx="1"/>
+          </p:nvPr>
+        </p:nvSpPr>
+        <p:spPr>
+          <a:xfrm>
+            <a:off x="155088" y="1140006"/>
+            <a:ext cx="8767036" cy="5082601"/>
+          </a:xfrm>
+        </p:spPr>
+        <p:txBody>
+          <a:bodyPr/>
+          <a:lstStyle/>
+          <a:p>
+            <a:r>
+              <a:rPr lang="en-US" dirty="0"/>
+              <a:t>If there is an Update for SPIKE Prime or Robot Inventor available, you will get a popup telling you to do so</a:t>
+            </a:r>
+          </a:p>
+        </p:txBody>
+      </p:sp>
+      <p:sp>
+        <p:nvSpPr>
+          <p:cNvPr id="4" name="Footer Placeholder 3">
+            <a:extLst>
+              <a:ext uri="{FF2B5EF4-FFF2-40B4-BE49-F238E27FC236}">
+                <a16:creationId xmlns:a16="http://schemas.microsoft.com/office/drawing/2014/main" id="{481B2C6E-16E0-4A03-AA7A-0AF57CE982F4}"/>
+              </a:ext>
+            </a:extLst>
+          </p:cNvPr>
+          <p:cNvSpPr>
+            <a:spLocks noGrp="1"/>
+          </p:cNvSpPr>
+          <p:nvPr>
+            <p:ph type="ftr" sz="quarter" idx="11"/>
+          </p:nvPr>
+        </p:nvSpPr>
+        <p:spPr/>
+        <p:txBody>
+          <a:bodyPr/>
+          <a:lstStyle/>
+          <a:p>
+            <a:r>
+              <a:rPr lang="en-US"/>
+              <a:t>Copyright © 2020 Prime Lessons (primelessons.org) CC-BY-NC-SA.  (Last edit: 12/14/2020)</a:t>
+            </a:r>
+            <a:endParaRPr lang="en-US" dirty="0"/>
+          </a:p>
+        </p:txBody>
+      </p:sp>
+      <p:sp>
+        <p:nvSpPr>
+          <p:cNvPr id="5" name="Slide Number Placeholder 4">
+            <a:extLst>
+              <a:ext uri="{FF2B5EF4-FFF2-40B4-BE49-F238E27FC236}">
+                <a16:creationId xmlns:a16="http://schemas.microsoft.com/office/drawing/2014/main" id="{216512AA-9E5F-4D92-A3C5-2FB2AB5721AB}"/>
+              </a:ext>
+            </a:extLst>
+          </p:cNvPr>
+          <p:cNvSpPr>
+            <a:spLocks noGrp="1"/>
+          </p:cNvSpPr>
+          <p:nvPr>
+            <p:ph type="sldNum" sz="quarter" idx="12"/>
+          </p:nvPr>
+        </p:nvSpPr>
+        <p:spPr/>
+        <p:txBody>
+          <a:bodyPr/>
+          <a:lstStyle/>
+          <a:p>
+            <a:fld id="{BBD74847-7BE4-4E4D-8159-51DF7B93C616}" type="slidenum">
+              <a:rPr lang="en-US" smtClean="0"/>
+              <a:t>6</a:t>
+            </a:fld>
+            <a:endParaRPr lang="en-US"/>
+          </a:p>
+        </p:txBody>
+      </p:sp>
+      <p:pic>
+        <p:nvPicPr>
+          <p:cNvPr id="6" name="Picture 5">
+            <a:extLst>
+              <a:ext uri="{FF2B5EF4-FFF2-40B4-BE49-F238E27FC236}">
+                <a16:creationId xmlns:a16="http://schemas.microsoft.com/office/drawing/2014/main" id="{9EFC5250-7415-470B-AD57-8C240B0C14CF}"/>
+              </a:ext>
+            </a:extLst>
+          </p:cNvPr>
+          <p:cNvPicPr>
+            <a:picLocks noChangeAspect="1"/>
+          </p:cNvPicPr>
+          <p:nvPr/>
+        </p:nvPicPr>
+        <p:blipFill rotWithShape="1">
+          <a:blip r:embed="rId2"/>
+          <a:srcRect l="30369" t="31650" r="30642" b="28307"/>
+          <a:stretch/>
+        </p:blipFill>
+        <p:spPr>
+          <a:xfrm>
+            <a:off x="1172445" y="2087033"/>
+            <a:ext cx="2918460" cy="2179320"/>
+          </a:xfrm>
+          <a:prstGeom prst="rect">
+            <a:avLst/>
+          </a:prstGeom>
+          <a:ln w="38100" cap="sq">
+            <a:solidFill>
+              <a:srgbClr val="000000"/>
+            </a:solidFill>
+            <a:prstDash val="solid"/>
+            <a:miter lim="800000"/>
+          </a:ln>
+          <a:effectLst>
+            <a:outerShdw blurRad="50800" dist="38100" dir="2700000" algn="tl" rotWithShape="0">
+              <a:srgbClr val="000000">
+                <a:alpha val="43000"/>
+              </a:srgbClr>
+            </a:outerShdw>
+          </a:effectLst>
+        </p:spPr>
+      </p:pic>
+      <p:pic>
+        <p:nvPicPr>
+          <p:cNvPr id="11" name="Picture 10">
+            <a:extLst>
+              <a:ext uri="{FF2B5EF4-FFF2-40B4-BE49-F238E27FC236}">
+                <a16:creationId xmlns:a16="http://schemas.microsoft.com/office/drawing/2014/main" id="{875E3043-E765-C24D-98B0-2334F9BE7183}"/>
+              </a:ext>
+            </a:extLst>
+          </p:cNvPr>
+          <p:cNvPicPr>
+            <a:picLocks noChangeAspect="1"/>
+          </p:cNvPicPr>
+          <p:nvPr/>
+        </p:nvPicPr>
+        <p:blipFill>
+          <a:blip r:embed="rId3"/>
+          <a:stretch>
+            <a:fillRect/>
+          </a:stretch>
+        </p:blipFill>
+        <p:spPr>
+          <a:xfrm>
+            <a:off x="4675114" y="2033788"/>
+            <a:ext cx="3662801" cy="2232565"/>
+          </a:xfrm>
+          <a:prstGeom prst="rect">
+            <a:avLst/>
+          </a:prstGeom>
+        </p:spPr>
+      </p:pic>
+      <p:sp>
+        <p:nvSpPr>
+          <p:cNvPr id="12" name="TextBox 11">
+            <a:extLst>
+              <a:ext uri="{FF2B5EF4-FFF2-40B4-BE49-F238E27FC236}">
+                <a16:creationId xmlns:a16="http://schemas.microsoft.com/office/drawing/2014/main" id="{71D97759-4C97-0446-9F4B-2122BB412188}"/>
+              </a:ext>
+            </a:extLst>
+          </p:cNvPr>
+          <p:cNvSpPr txBox="1"/>
+          <p:nvPr/>
+        </p:nvSpPr>
+        <p:spPr>
+          <a:xfrm>
+            <a:off x="1172445" y="4360678"/>
+            <a:ext cx="2698985" cy="369332"/>
+          </a:xfrm>
+          <a:prstGeom prst="rect">
+            <a:avLst/>
+          </a:prstGeom>
+          <a:noFill/>
+        </p:spPr>
+        <p:txBody>
+          <a:bodyPr wrap="square" rtlCol="0">
+            <a:spAutoFit/>
+          </a:bodyPr>
+          <a:lstStyle/>
+          <a:p>
+            <a:pPr algn="ctr"/>
+            <a:r>
+              <a:rPr lang="en-US" dirty="0"/>
+              <a:t>SPIKE Prime</a:t>
+            </a:r>
+          </a:p>
+        </p:txBody>
+      </p:sp>
+      <p:sp>
+        <p:nvSpPr>
+          <p:cNvPr id="13" name="TextBox 12">
+            <a:extLst>
+              <a:ext uri="{FF2B5EF4-FFF2-40B4-BE49-F238E27FC236}">
+                <a16:creationId xmlns:a16="http://schemas.microsoft.com/office/drawing/2014/main" id="{A30095DC-16CA-C549-94E1-D09FF5F1E603}"/>
+              </a:ext>
+            </a:extLst>
+          </p:cNvPr>
+          <p:cNvSpPr txBox="1"/>
+          <p:nvPr/>
+        </p:nvSpPr>
+        <p:spPr>
+          <a:xfrm>
+            <a:off x="5157021" y="4360678"/>
+            <a:ext cx="2698985" cy="369332"/>
+          </a:xfrm>
+          <a:prstGeom prst="rect">
+            <a:avLst/>
+          </a:prstGeom>
+          <a:noFill/>
+        </p:spPr>
+        <p:txBody>
+          <a:bodyPr wrap="square" rtlCol="0">
+            <a:spAutoFit/>
+          </a:bodyPr>
+          <a:lstStyle/>
+          <a:p>
+            <a:pPr algn="ctr"/>
+            <a:r>
+              <a:rPr lang="en-US" dirty="0"/>
+              <a:t>Robot Inventor</a:t>
+            </a:r>
+          </a:p>
+        </p:txBody>
+      </p:sp>
+    </p:spTree>
+    <p:extLst>
+      <p:ext uri="{BB962C8B-B14F-4D97-AF65-F5344CB8AC3E}">
+        <p14:creationId xmlns:p14="http://schemas.microsoft.com/office/powerpoint/2010/main" val="2648309337"/>
+      </p:ext>
+    </p:extLst>
+  </p:cSld>
+  <p:clrMapOvr>
+    <a:masterClrMapping/>
+  </p:clrMapOvr>
+</p:sld>
+</file>
+
+<file path=ppt/slides/slide7.xml><?xml version="1.0" encoding="utf-8"?>
+<p:sld xmlns:a="http://schemas.openxmlformats.org/drawingml/2006/main" xmlns:r="http://schemas.openxmlformats.org/officeDocument/2006/relationships" xmlns:p="http://schemas.openxmlformats.org/presentationml/2006/main">
+  <p:cSld>
+    <p:spTree>
+      <p:nvGrpSpPr>
+        <p:cNvPr id="1" name=""/>
+        <p:cNvGrpSpPr/>
+        <p:nvPr/>
+      </p:nvGrpSpPr>
+      <p:grpSpPr>
+        <a:xfrm>
+          <a:off x="0" y="0"/>
+          <a:ext cx="0" cy="0"/>
+          <a:chOff x="0" y="0"/>
+          <a:chExt cx="0" cy="0"/>
+        </a:xfrm>
+      </p:grpSpPr>
+      <p:sp>
+        <p:nvSpPr>
+          <p:cNvPr id="2" name="Title 1">
+            <a:extLst>
+              <a:ext uri="{FF2B5EF4-FFF2-40B4-BE49-F238E27FC236}">
+                <a16:creationId xmlns:a16="http://schemas.microsoft.com/office/drawing/2014/main" id="{6FC96A1A-9317-4BB3-AD5C-605881A5C949}"/>
+              </a:ext>
+            </a:extLst>
+          </p:cNvPr>
+          <p:cNvSpPr>
+            <a:spLocks noGrp="1"/>
+          </p:cNvSpPr>
+          <p:nvPr>
+            <p:ph type="title"/>
+          </p:nvPr>
+        </p:nvSpPr>
+        <p:spPr/>
+        <p:txBody>
+          <a:bodyPr/>
+          <a:lstStyle/>
+          <a:p>
+            <a:r>
+              <a:rPr lang="en-US" dirty="0"/>
+              <a:t>INSTALL LATEST HUB OS</a:t>
+            </a:r>
+          </a:p>
+        </p:txBody>
+      </p:sp>
+      <p:sp>
+        <p:nvSpPr>
+          <p:cNvPr id="3" name="Content Placeholder 2">
+            <a:extLst>
+              <a:ext uri="{FF2B5EF4-FFF2-40B4-BE49-F238E27FC236}">
+                <a16:creationId xmlns:a16="http://schemas.microsoft.com/office/drawing/2014/main" id="{BBBC0176-2A9F-4007-A517-D511C43E9FBC}"/>
+              </a:ext>
+            </a:extLst>
+          </p:cNvPr>
+          <p:cNvSpPr>
+            <a:spLocks noGrp="1"/>
+          </p:cNvSpPr>
+          <p:nvPr>
+            <p:ph idx="1"/>
+          </p:nvPr>
+        </p:nvSpPr>
+        <p:spPr>
+          <a:xfrm>
+            <a:off x="155088" y="1140006"/>
+            <a:ext cx="4028292" cy="5082601"/>
+          </a:xfrm>
+        </p:spPr>
+        <p:txBody>
+          <a:bodyPr/>
+          <a:lstStyle/>
+          <a:p>
+            <a:r>
+              <a:rPr lang="en-US" dirty="0"/>
+              <a:t>When a new Hub OS is available a button labeled Update will appear next to the current Hub OS in the Hub Dashboard </a:t>
+            </a:r>
+          </a:p>
+          <a:p>
+            <a:r>
+              <a:rPr lang="en-US" dirty="0"/>
+              <a:t>You may also see a pop-up show up on the right side of the screen indicating a Hub OS update is available</a:t>
+            </a:r>
+          </a:p>
+          <a:p>
+            <a:r>
+              <a:rPr lang="en-US" dirty="0"/>
+              <a:t>Never disconnect the Hub while the update is in progress</a:t>
+            </a:r>
+          </a:p>
+        </p:txBody>
+      </p:sp>
+      <p:sp>
+        <p:nvSpPr>
+          <p:cNvPr id="4" name="Footer Placeholder 3">
+            <a:extLst>
+              <a:ext uri="{FF2B5EF4-FFF2-40B4-BE49-F238E27FC236}">
+                <a16:creationId xmlns:a16="http://schemas.microsoft.com/office/drawing/2014/main" id="{5D1B66A8-24BD-4123-B6A1-613DC0F066AF}"/>
+              </a:ext>
+            </a:extLst>
+          </p:cNvPr>
+          <p:cNvSpPr>
+            <a:spLocks noGrp="1"/>
+          </p:cNvSpPr>
+          <p:nvPr>
+            <p:ph type="ftr" sz="quarter" idx="11"/>
+          </p:nvPr>
+        </p:nvSpPr>
+        <p:spPr/>
+        <p:txBody>
+          <a:bodyPr/>
+          <a:lstStyle/>
+          <a:p>
+            <a:r>
+              <a:rPr lang="en-US"/>
+              <a:t>Copyright © 2020 Prime Lessons (primelessons.org) CC-BY-NC-SA.  (Last edit: 12/14/2020)</a:t>
+            </a:r>
+            <a:endParaRPr lang="en-US" dirty="0"/>
+          </a:p>
+        </p:txBody>
+      </p:sp>
+      <p:sp>
+        <p:nvSpPr>
+          <p:cNvPr id="5" name="Slide Number Placeholder 4">
+            <a:extLst>
+              <a:ext uri="{FF2B5EF4-FFF2-40B4-BE49-F238E27FC236}">
+                <a16:creationId xmlns:a16="http://schemas.microsoft.com/office/drawing/2014/main" id="{491CEB4A-7D09-4DBC-A075-6B4167FD56C8}"/>
+              </a:ext>
+            </a:extLst>
+          </p:cNvPr>
+          <p:cNvSpPr>
+            <a:spLocks noGrp="1"/>
+          </p:cNvSpPr>
+          <p:nvPr>
+            <p:ph type="sldNum" sz="quarter" idx="12"/>
+          </p:nvPr>
+        </p:nvSpPr>
+        <p:spPr/>
+        <p:txBody>
+          <a:bodyPr/>
+          <a:lstStyle/>
+          <a:p>
+            <a:fld id="{BBD74847-7BE4-4E4D-8159-51DF7B93C616}" type="slidenum">
+              <a:rPr lang="en-US" smtClean="0"/>
+              <a:t>7</a:t>
+            </a:fld>
+            <a:endParaRPr lang="en-US"/>
+          </a:p>
+        </p:txBody>
+      </p:sp>
+      <p:pic>
+        <p:nvPicPr>
+          <p:cNvPr id="11" name="Picture 10">
+            <a:extLst>
+              <a:ext uri="{FF2B5EF4-FFF2-40B4-BE49-F238E27FC236}">
+                <a16:creationId xmlns:a16="http://schemas.microsoft.com/office/drawing/2014/main" id="{F78EBC1E-F330-4D7C-9866-A878B4C6C426}"/>
+              </a:ext>
+            </a:extLst>
+          </p:cNvPr>
+          <p:cNvPicPr>
+            <a:picLocks noChangeAspect="1"/>
+          </p:cNvPicPr>
+          <p:nvPr/>
+        </p:nvPicPr>
+        <p:blipFill>
+          <a:blip r:embed="rId2"/>
+          <a:stretch>
+            <a:fillRect/>
+          </a:stretch>
+        </p:blipFill>
+        <p:spPr>
+          <a:xfrm>
+            <a:off x="5290246" y="3541133"/>
+            <a:ext cx="3143336" cy="2432048"/>
+          </a:xfrm>
+          <a:prstGeom prst="rect">
+            <a:avLst/>
+          </a:prstGeom>
+          <a:ln w="28575">
+            <a:solidFill>
+              <a:srgbClr val="FFD500"/>
+            </a:solidFill>
+          </a:ln>
+        </p:spPr>
+      </p:pic>
+      <p:pic>
+        <p:nvPicPr>
+          <p:cNvPr id="8" name="Picture 7" descr="A screenshot of a cell phone&#10;&#10;Description automatically generated">
+            <a:extLst>
+              <a:ext uri="{FF2B5EF4-FFF2-40B4-BE49-F238E27FC236}">
+                <a16:creationId xmlns:a16="http://schemas.microsoft.com/office/drawing/2014/main" id="{035DA871-A412-4358-B657-E857525370EF}"/>
+              </a:ext>
+            </a:extLst>
+          </p:cNvPr>
+          <p:cNvPicPr>
+            <a:picLocks noChangeAspect="1"/>
+          </p:cNvPicPr>
+          <p:nvPr/>
+        </p:nvPicPr>
+        <p:blipFill rotWithShape="1">
+          <a:blip r:embed="rId3"/>
+          <a:srcRect l="6150" t="24353" r="5690" b="24012"/>
+          <a:stretch/>
+        </p:blipFill>
+        <p:spPr>
+          <a:xfrm>
+            <a:off x="5290246" y="2525066"/>
+            <a:ext cx="3143336" cy="723795"/>
+          </a:xfrm>
+          <a:prstGeom prst="rect">
+            <a:avLst/>
+          </a:prstGeom>
+          <a:ln w="28575">
+            <a:solidFill>
+              <a:srgbClr val="FFD500"/>
+            </a:solidFill>
+          </a:ln>
+        </p:spPr>
+      </p:pic>
+      <p:grpSp>
+        <p:nvGrpSpPr>
+          <p:cNvPr id="13" name="Group 12">
+            <a:extLst>
+              <a:ext uri="{FF2B5EF4-FFF2-40B4-BE49-F238E27FC236}">
+                <a16:creationId xmlns:a16="http://schemas.microsoft.com/office/drawing/2014/main" id="{53F6B5B2-DCE6-45C8-B97E-96110B72518C}"/>
+              </a:ext>
+            </a:extLst>
+          </p:cNvPr>
+          <p:cNvGrpSpPr/>
+          <p:nvPr/>
+        </p:nvGrpSpPr>
+        <p:grpSpPr>
+          <a:xfrm>
+            <a:off x="4958994" y="1140006"/>
+            <a:ext cx="3381375" cy="1066800"/>
+            <a:chOff x="4548692" y="1471494"/>
+            <a:chExt cx="3381375" cy="1066800"/>
+          </a:xfrm>
+        </p:grpSpPr>
+        <p:pic>
+          <p:nvPicPr>
+            <p:cNvPr id="6" name="Picture 5">
+              <a:extLst>
+                <a:ext uri="{FF2B5EF4-FFF2-40B4-BE49-F238E27FC236}">
+                  <a16:creationId xmlns:a16="http://schemas.microsoft.com/office/drawing/2014/main" id="{199F5234-04C3-4E6B-B194-5E07CBB28CB4}"/>
+                </a:ext>
+              </a:extLst>
+            </p:cNvPr>
+            <p:cNvPicPr>
+              <a:picLocks noChangeAspect="1"/>
+            </p:cNvPicPr>
+            <p:nvPr/>
+          </p:nvPicPr>
+          <p:blipFill>
+            <a:blip r:embed="rId4"/>
+            <a:stretch>
+              <a:fillRect/>
+            </a:stretch>
+          </p:blipFill>
+          <p:spPr>
+            <a:xfrm>
+              <a:off x="4548692" y="1471494"/>
+              <a:ext cx="3381375" cy="1066800"/>
+            </a:xfrm>
+            <a:prstGeom prst="rect">
+              <a:avLst/>
+            </a:prstGeom>
+          </p:spPr>
+        </p:pic>
+        <p:pic>
+          <p:nvPicPr>
+            <p:cNvPr id="12" name="Picture 11" descr="A screenshot of a cell phone&#10;&#10;Description automatically generated">
+              <a:extLst>
+                <a:ext uri="{FF2B5EF4-FFF2-40B4-BE49-F238E27FC236}">
+                  <a16:creationId xmlns:a16="http://schemas.microsoft.com/office/drawing/2014/main" id="{866EBC38-4F6F-4083-8808-CE037DCF74EF}"/>
+                </a:ext>
+              </a:extLst>
+            </p:cNvPr>
+            <p:cNvPicPr>
+              <a:picLocks noChangeAspect="1"/>
+            </p:cNvPicPr>
+            <p:nvPr/>
+          </p:nvPicPr>
+          <p:blipFill rotWithShape="1">
+            <a:blip r:embed="rId5"/>
+            <a:srcRect l="17563" t="35766" r="53849" b="30802"/>
+            <a:stretch/>
+          </p:blipFill>
+          <p:spPr>
+            <a:xfrm>
+              <a:off x="5701089" y="1964517"/>
+              <a:ext cx="1990939" cy="555911"/>
+            </a:xfrm>
+            <a:prstGeom prst="rect">
+              <a:avLst/>
+            </a:prstGeom>
+          </p:spPr>
+        </p:pic>
+        <p:sp>
+          <p:nvSpPr>
+            <p:cNvPr id="9" name="Rectangle 8">
+              <a:extLst>
+                <a:ext uri="{FF2B5EF4-FFF2-40B4-BE49-F238E27FC236}">
+                  <a16:creationId xmlns:a16="http://schemas.microsoft.com/office/drawing/2014/main" id="{A2E7EDB3-DB9C-4DCA-B44A-33C3FAD6D1AF}"/>
+                </a:ext>
+              </a:extLst>
+            </p:cNvPr>
+            <p:cNvSpPr/>
+            <p:nvPr/>
+          </p:nvSpPr>
+          <p:spPr>
+            <a:xfrm>
+              <a:off x="6864104" y="2008219"/>
+              <a:ext cx="683213" cy="200025"/>
+            </a:xfrm>
+            <a:prstGeom prst="rect">
+              <a:avLst/>
+            </a:prstGeom>
+            <a:noFill/>
+            <a:ln>
+              <a:solidFill>
+                <a:schemeClr val="accent3"/>
+              </a:solidFill>
+            </a:ln>
+          </p:spPr>
+          <p:style>
+            <a:lnRef idx="2">
+              <a:schemeClr val="accent1">
+                <a:shade val="50000"/>
+              </a:schemeClr>
+            </a:lnRef>
+            <a:fillRef idx="1">
+              <a:schemeClr val="accent1"/>
+            </a:fillRef>
+            <a:effectRef idx="0">
+              <a:schemeClr val="accent1"/>
+            </a:effectRef>
+            <a:fontRef idx="minor">
+              <a:schemeClr val="lt1"/>
+            </a:fontRef>
+          </p:style>
+          <p:txBody>
+            <a:bodyPr rtlCol="0" anchor="ctr"/>
+            <a:lstStyle/>
+            <a:p>
+              <a:pPr algn="ctr"/>
+              <a:endParaRPr lang="en-US"/>
+            </a:p>
+          </p:txBody>
+        </p:sp>
+      </p:grpSp>
+    </p:spTree>
+    <p:extLst>
+      <p:ext uri="{BB962C8B-B14F-4D97-AF65-F5344CB8AC3E}">
+        <p14:creationId xmlns:p14="http://schemas.microsoft.com/office/powerpoint/2010/main" val="3702209469"/>
+      </p:ext>
+    </p:extLst>
+  </p:cSld>
+  <p:clrMapOvr>
+    <a:masterClrMapping/>
+  </p:clrMapOvr>
+</p:sld>
+</file>
+
+<file path=ppt/slides/slide8.xml><?xml version="1.0" encoding="utf-8"?>
+<p:sld xmlns:a="http://schemas.openxmlformats.org/drawingml/2006/main" xmlns:r="http://schemas.openxmlformats.org/officeDocument/2006/relationships" xmlns:p="http://schemas.openxmlformats.org/presentationml/2006/main">
+  <p:cSld>
+    <p:spTree>
+      <p:nvGrpSpPr>
+        <p:cNvPr id="1" name=""/>
+        <p:cNvGrpSpPr/>
+        <p:nvPr/>
+      </p:nvGrpSpPr>
+      <p:grpSpPr>
+        <a:xfrm>
+          <a:off x="0" y="0"/>
+          <a:ext cx="0" cy="0"/>
+          <a:chOff x="0" y="0"/>
+          <a:chExt cx="0" cy="0"/>
+        </a:xfrm>
+      </p:grpSpPr>
+      <p:sp>
+        <p:nvSpPr>
+          <p:cNvPr id="2" name="Title 1">
+            <a:extLst>
+              <a:ext uri="{FF2B5EF4-FFF2-40B4-BE49-F238E27FC236}">
+                <a16:creationId xmlns:a16="http://schemas.microsoft.com/office/drawing/2014/main" id="{34EE3150-4D4E-8E44-A531-82760A7C58EE}"/>
+              </a:ext>
+            </a:extLst>
+          </p:cNvPr>
+          <p:cNvSpPr>
+            <a:spLocks noGrp="1"/>
+          </p:cNvSpPr>
+          <p:nvPr>
+            <p:ph type="title"/>
+          </p:nvPr>
+        </p:nvSpPr>
+        <p:spPr/>
+        <p:txBody>
+          <a:bodyPr>
+            <a:normAutofit fontScale="90000"/>
+          </a:bodyPr>
+          <a:lstStyle/>
+          <a:p>
+            <a:r>
+              <a:rPr lang="en-US" dirty="0"/>
+              <a:t>CHECKING WHAT HUB OS  VERSION YOU ARE RUNNING</a:t>
+            </a:r>
+          </a:p>
+        </p:txBody>
+      </p:sp>
+      <p:sp>
+        <p:nvSpPr>
+          <p:cNvPr id="4" name="Footer Placeholder 3">
+            <a:extLst>
+              <a:ext uri="{FF2B5EF4-FFF2-40B4-BE49-F238E27FC236}">
+                <a16:creationId xmlns:a16="http://schemas.microsoft.com/office/drawing/2014/main" id="{BA80DC63-40F6-2743-9607-F647A2FE7464}"/>
+              </a:ext>
+            </a:extLst>
+          </p:cNvPr>
+          <p:cNvSpPr>
+            <a:spLocks noGrp="1"/>
+          </p:cNvSpPr>
+          <p:nvPr>
+            <p:ph type="ftr" sz="quarter" idx="11"/>
+          </p:nvPr>
+        </p:nvSpPr>
+        <p:spPr/>
+        <p:txBody>
+          <a:bodyPr/>
+          <a:lstStyle/>
+          <a:p>
+            <a:r>
+              <a:rPr lang="en-US"/>
+              <a:t>Copyright © 2020 Prime Lessons (primelessons.org) CC-BY-NC-SA.  (Last edit: 12/14/2020)</a:t>
+            </a:r>
+            <a:endParaRPr lang="en-US" dirty="0"/>
+          </a:p>
+        </p:txBody>
+      </p:sp>
+      <p:sp>
+        <p:nvSpPr>
+          <p:cNvPr id="5" name="Slide Number Placeholder 4">
+            <a:extLst>
+              <a:ext uri="{FF2B5EF4-FFF2-40B4-BE49-F238E27FC236}">
+                <a16:creationId xmlns:a16="http://schemas.microsoft.com/office/drawing/2014/main" id="{4B1B5A5B-C962-5B42-9322-F7A7D87EA634}"/>
+              </a:ext>
+            </a:extLst>
+          </p:cNvPr>
+          <p:cNvSpPr>
+            <a:spLocks noGrp="1"/>
+          </p:cNvSpPr>
+          <p:nvPr>
+            <p:ph type="sldNum" sz="quarter" idx="12"/>
+          </p:nvPr>
+        </p:nvSpPr>
+        <p:spPr/>
+        <p:txBody>
+          <a:bodyPr/>
+          <a:lstStyle/>
+          <a:p>
+            <a:fld id="{BBD74847-7BE4-4E4D-8159-51DF7B93C616}" type="slidenum">
+              <a:rPr lang="en-US" smtClean="0"/>
+              <a:t>8</a:t>
+            </a:fld>
+            <a:endParaRPr lang="en-US"/>
+          </a:p>
+        </p:txBody>
+      </p:sp>
+      <p:sp>
+        <p:nvSpPr>
+          <p:cNvPr id="6" name="Content Placeholder 5">
+            <a:extLst>
+              <a:ext uri="{FF2B5EF4-FFF2-40B4-BE49-F238E27FC236}">
+                <a16:creationId xmlns:a16="http://schemas.microsoft.com/office/drawing/2014/main" id="{181D56FB-60C8-5E4B-B391-3FD7F599E48A}"/>
+              </a:ext>
+            </a:extLst>
+          </p:cNvPr>
+          <p:cNvSpPr>
+            <a:spLocks noGrp="1"/>
+          </p:cNvSpPr>
+          <p:nvPr>
+            <p:ph idx="1"/>
+          </p:nvPr>
+        </p:nvSpPr>
+        <p:spPr/>
+        <p:txBody>
+          <a:bodyPr/>
+          <a:lstStyle/>
+          <a:p>
+            <a:r>
+              <a:rPr lang="en-US" dirty="0"/>
+              <a:t>To check what version of firmware you are running, you can click on the small Hub icon in either SPIKE Prime or Robot Inventor from inside a Project file</a:t>
+            </a:r>
+          </a:p>
+          <a:p>
+            <a:r>
+              <a:rPr lang="en-US" dirty="0"/>
+              <a:t>This will take you to the Dashboard where you can see the firmware version on the top left.</a:t>
+            </a:r>
+          </a:p>
+          <a:p>
+            <a:endParaRPr lang="en-US" dirty="0"/>
+          </a:p>
+        </p:txBody>
+      </p:sp>
+      <p:pic>
+        <p:nvPicPr>
+          <p:cNvPr id="9" name="Picture 8">
+            <a:extLst>
+              <a:ext uri="{FF2B5EF4-FFF2-40B4-BE49-F238E27FC236}">
+                <a16:creationId xmlns:a16="http://schemas.microsoft.com/office/drawing/2014/main" id="{058D0B4E-264E-DD45-9F71-7BE1E652558B}"/>
+              </a:ext>
+            </a:extLst>
+          </p:cNvPr>
+          <p:cNvPicPr>
+            <a:picLocks noChangeAspect="1"/>
+          </p:cNvPicPr>
+          <p:nvPr/>
+        </p:nvPicPr>
+        <p:blipFill>
+          <a:blip r:embed="rId2"/>
+          <a:stretch>
+            <a:fillRect/>
+          </a:stretch>
+        </p:blipFill>
+        <p:spPr>
+          <a:xfrm>
+            <a:off x="4494900" y="2699422"/>
+            <a:ext cx="4000445" cy="2823033"/>
+          </a:xfrm>
+          <a:prstGeom prst="rect">
+            <a:avLst/>
+          </a:prstGeom>
+        </p:spPr>
+      </p:pic>
+      <p:pic>
+        <p:nvPicPr>
+          <p:cNvPr id="10" name="Picture 9">
+            <a:extLst>
+              <a:ext uri="{FF2B5EF4-FFF2-40B4-BE49-F238E27FC236}">
+                <a16:creationId xmlns:a16="http://schemas.microsoft.com/office/drawing/2014/main" id="{4B9E4797-830D-D745-A625-059268E706E0}"/>
+              </a:ext>
+            </a:extLst>
+          </p:cNvPr>
+          <p:cNvPicPr>
+            <a:picLocks noChangeAspect="1"/>
+          </p:cNvPicPr>
+          <p:nvPr/>
+        </p:nvPicPr>
+        <p:blipFill>
+          <a:blip r:embed="rId3"/>
+          <a:stretch>
+            <a:fillRect/>
+          </a:stretch>
+        </p:blipFill>
+        <p:spPr>
+          <a:xfrm>
+            <a:off x="515721" y="2691836"/>
+            <a:ext cx="3638866" cy="2815447"/>
+          </a:xfrm>
+          <a:prstGeom prst="rect">
+            <a:avLst/>
+          </a:prstGeom>
+          <a:ln w="28575">
+            <a:solidFill>
+              <a:schemeClr val="tx1"/>
+            </a:solidFill>
+          </a:ln>
+        </p:spPr>
+      </p:pic>
+      <p:sp>
+        <p:nvSpPr>
+          <p:cNvPr id="11" name="Rectangle 10">
+            <a:extLst>
+              <a:ext uri="{FF2B5EF4-FFF2-40B4-BE49-F238E27FC236}">
+                <a16:creationId xmlns:a16="http://schemas.microsoft.com/office/drawing/2014/main" id="{51CF9DF9-AA66-8C48-95C1-AE9A70E9F915}"/>
+              </a:ext>
+            </a:extLst>
+          </p:cNvPr>
+          <p:cNvSpPr/>
+          <p:nvPr/>
+        </p:nvSpPr>
+        <p:spPr>
+          <a:xfrm>
+            <a:off x="4979314" y="2691836"/>
+            <a:ext cx="1035406" cy="325120"/>
+          </a:xfrm>
+          <a:prstGeom prst="rect">
+            <a:avLst/>
+          </a:prstGeom>
+          <a:noFill/>
+          <a:ln>
+            <a:solidFill>
+              <a:srgbClr val="0EAE9F"/>
+            </a:solidFill>
+          </a:ln>
+        </p:spPr>
+        <p:style>
+          <a:lnRef idx="2">
+            <a:schemeClr val="accent1">
+              <a:shade val="50000"/>
+            </a:schemeClr>
+          </a:lnRef>
+          <a:fillRef idx="1">
+            <a:schemeClr val="accent1"/>
+          </a:fillRef>
+          <a:effectRef idx="0">
+            <a:schemeClr val="accent1"/>
+          </a:effectRef>
+          <a:fontRef idx="minor">
+            <a:schemeClr val="lt1"/>
+          </a:fontRef>
+        </p:style>
+        <p:txBody>
+          <a:bodyPr rtlCol="0" anchor="ctr"/>
+          <a:lstStyle/>
+          <a:p>
+            <a:pPr algn="ctr"/>
+            <a:endParaRPr lang="en-US"/>
+          </a:p>
+        </p:txBody>
+      </p:sp>
+      <p:sp>
+        <p:nvSpPr>
+          <p:cNvPr id="12" name="Rectangle 11">
+            <a:extLst>
+              <a:ext uri="{FF2B5EF4-FFF2-40B4-BE49-F238E27FC236}">
+                <a16:creationId xmlns:a16="http://schemas.microsoft.com/office/drawing/2014/main" id="{415914BE-03AD-F743-AD40-9468B3FE84A7}"/>
+              </a:ext>
+            </a:extLst>
+          </p:cNvPr>
+          <p:cNvSpPr/>
+          <p:nvPr/>
+        </p:nvSpPr>
+        <p:spPr>
+          <a:xfrm>
+            <a:off x="951640" y="2691836"/>
+            <a:ext cx="1035406" cy="457764"/>
+          </a:xfrm>
+          <a:prstGeom prst="rect">
+            <a:avLst/>
+          </a:prstGeom>
+          <a:noFill/>
+          <a:ln>
+            <a:solidFill>
+              <a:srgbClr val="FFD500"/>
+            </a:solidFill>
+          </a:ln>
+        </p:spPr>
+        <p:style>
+          <a:lnRef idx="2">
+            <a:schemeClr val="accent1">
+              <a:shade val="50000"/>
+            </a:schemeClr>
+          </a:lnRef>
+          <a:fillRef idx="1">
+            <a:schemeClr val="accent1"/>
+          </a:fillRef>
+          <a:effectRef idx="0">
+            <a:schemeClr val="accent1"/>
+          </a:effectRef>
+          <a:fontRef idx="minor">
+            <a:schemeClr val="lt1"/>
+          </a:fontRef>
+        </p:style>
+        <p:txBody>
+          <a:bodyPr rtlCol="0" anchor="ctr"/>
+          <a:lstStyle/>
+          <a:p>
+            <a:pPr algn="ctr"/>
+            <a:endParaRPr lang="en-US"/>
+          </a:p>
+        </p:txBody>
+      </p:sp>
+      <p:sp>
+        <p:nvSpPr>
+          <p:cNvPr id="13" name="TextBox 12">
+            <a:extLst>
+              <a:ext uri="{FF2B5EF4-FFF2-40B4-BE49-F238E27FC236}">
+                <a16:creationId xmlns:a16="http://schemas.microsoft.com/office/drawing/2014/main" id="{52E856FA-91C4-C041-B260-46B8385D426E}"/>
+              </a:ext>
+            </a:extLst>
+          </p:cNvPr>
+          <p:cNvSpPr txBox="1"/>
+          <p:nvPr/>
+        </p:nvSpPr>
+        <p:spPr>
+          <a:xfrm>
+            <a:off x="1202925" y="5533328"/>
+            <a:ext cx="2698985" cy="369332"/>
+          </a:xfrm>
+          <a:prstGeom prst="rect">
+            <a:avLst/>
+          </a:prstGeom>
+          <a:noFill/>
+        </p:spPr>
+        <p:txBody>
+          <a:bodyPr wrap="square" rtlCol="0">
+            <a:spAutoFit/>
+          </a:bodyPr>
+          <a:lstStyle/>
+          <a:p>
+            <a:pPr algn="ctr"/>
+            <a:r>
+              <a:rPr lang="en-US" dirty="0"/>
+              <a:t>SPIKE Prime</a:t>
+            </a:r>
+          </a:p>
+        </p:txBody>
+      </p:sp>
+      <p:sp>
+        <p:nvSpPr>
+          <p:cNvPr id="14" name="TextBox 13">
+            <a:extLst>
+              <a:ext uri="{FF2B5EF4-FFF2-40B4-BE49-F238E27FC236}">
+                <a16:creationId xmlns:a16="http://schemas.microsoft.com/office/drawing/2014/main" id="{F75FF9FE-E408-E544-A018-D37F975E7438}"/>
+              </a:ext>
+            </a:extLst>
+          </p:cNvPr>
+          <p:cNvSpPr txBox="1"/>
+          <p:nvPr/>
+        </p:nvSpPr>
+        <p:spPr>
+          <a:xfrm>
+            <a:off x="5187501" y="5533328"/>
+            <a:ext cx="2698985" cy="369332"/>
+          </a:xfrm>
+          <a:prstGeom prst="rect">
+            <a:avLst/>
+          </a:prstGeom>
+          <a:noFill/>
+        </p:spPr>
+        <p:txBody>
+          <a:bodyPr wrap="square" rtlCol="0">
+            <a:spAutoFit/>
+          </a:bodyPr>
+          <a:lstStyle/>
+          <a:p>
+            <a:pPr algn="ctr"/>
+            <a:r>
+              <a:rPr lang="en-US" dirty="0"/>
+              <a:t>Robot Inventor</a:t>
+            </a:r>
+          </a:p>
+        </p:txBody>
+      </p:sp>
+    </p:spTree>
+    <p:extLst>
+      <p:ext uri="{BB962C8B-B14F-4D97-AF65-F5344CB8AC3E}">
+        <p14:creationId xmlns:p14="http://schemas.microsoft.com/office/powerpoint/2010/main" val="1504758484"/>
+      </p:ext>
+    </p:extLst>
+  </p:cSld>
+  <p:clrMapOvr>
+    <a:masterClrMapping/>
+  </p:clrMapOvr>
+</p:sld>
+</file>
+
+<file path=ppt/slides/slide9.xml><?xml version="1.0" encoding="utf-8"?>
+<p:sld xmlns:a="http://schemas.openxmlformats.org/drawingml/2006/main" xmlns:r="http://schemas.openxmlformats.org/officeDocument/2006/relationships" xmlns:p="http://schemas.openxmlformats.org/presentationml/2006/main">
+  <p:cSld>
+    <p:spTree>
+      <p:nvGrpSpPr>
+        <p:cNvPr id="1" name=""/>
+        <p:cNvGrpSpPr/>
+        <p:nvPr/>
+      </p:nvGrpSpPr>
+      <p:grpSpPr>
+        <a:xfrm>
+          <a:off x="0" y="0"/>
+          <a:ext cx="0" cy="0"/>
+          <a:chOff x="0" y="0"/>
+          <a:chExt cx="0" cy="0"/>
+        </a:xfrm>
+      </p:grpSpPr>
+      <p:sp>
+        <p:nvSpPr>
+          <p:cNvPr id="2" name="Title 1">
+            <a:extLst>
+              <a:ext uri="{FF2B5EF4-FFF2-40B4-BE49-F238E27FC236}">
+                <a16:creationId xmlns:a16="http://schemas.microsoft.com/office/drawing/2014/main" id="{6EBC100A-53EB-49A5-9E3B-8D22B2B28DDD}"/>
+              </a:ext>
+            </a:extLst>
+          </p:cNvPr>
+          <p:cNvSpPr>
+            <a:spLocks noGrp="1"/>
+          </p:cNvSpPr>
+          <p:nvPr>
+            <p:ph type="title"/>
+          </p:nvPr>
+        </p:nvSpPr>
+        <p:spPr/>
+        <p:txBody>
+          <a:bodyPr/>
+          <a:lstStyle/>
+          <a:p>
+            <a:r>
+              <a:rPr lang="en-US" dirty="0"/>
+              <a:t>Renaming </a:t>
+            </a:r>
+            <a:r>
+              <a:rPr lang="en-US" dirty="0" err="1"/>
+              <a:t>ThE</a:t>
+            </a:r>
+            <a:r>
+              <a:rPr lang="en-US" dirty="0"/>
+              <a:t> </a:t>
+            </a:r>
+            <a:r>
+              <a:rPr lang="en-US" dirty="0" err="1"/>
+              <a:t>HUb</a:t>
+            </a:r>
+            <a:endParaRPr lang="en-US" dirty="0"/>
+          </a:p>
+        </p:txBody>
+      </p:sp>
+      <p:sp>
+        <p:nvSpPr>
+          <p:cNvPr id="3" name="Content Placeholder 2">
+            <a:extLst>
+              <a:ext uri="{FF2B5EF4-FFF2-40B4-BE49-F238E27FC236}">
+                <a16:creationId xmlns:a16="http://schemas.microsoft.com/office/drawing/2014/main" id="{B3A3AC9A-7C8D-4733-A46D-365835E6A716}"/>
+              </a:ext>
+            </a:extLst>
+          </p:cNvPr>
+          <p:cNvSpPr>
+            <a:spLocks noGrp="1"/>
+          </p:cNvSpPr>
+          <p:nvPr>
+            <p:ph idx="1"/>
+          </p:nvPr>
+        </p:nvSpPr>
+        <p:spPr>
+          <a:xfrm>
+            <a:off x="155088" y="1140006"/>
+            <a:ext cx="8767036" cy="4915353"/>
+          </a:xfrm>
+        </p:spPr>
+        <p:txBody>
+          <a:bodyPr>
+            <a:normAutofit/>
+          </a:bodyPr>
+          <a:lstStyle/>
+          <a:p>
+            <a:r>
+              <a:rPr lang="en-US" dirty="0"/>
+              <a:t>The first time you update your Hub OS, you will be prompted to rename your Hub</a:t>
+            </a:r>
+          </a:p>
+          <a:p>
+            <a:r>
+              <a:rPr lang="en-US" dirty="0"/>
+              <a:t>After that you can rename your Hub by clicking on small the Hub icon in a Project and entering the Hub Dashboard</a:t>
+            </a:r>
+          </a:p>
+          <a:p>
+            <a:r>
+              <a:rPr lang="en-US" dirty="0"/>
+              <a:t>In the SPIKE Prime or Robot Inventor Dashboard, click on the three dots on the top right and rename your Hub</a:t>
+            </a:r>
+          </a:p>
+        </p:txBody>
+      </p:sp>
+      <p:sp>
+        <p:nvSpPr>
+          <p:cNvPr id="4" name="Footer Placeholder 3">
+            <a:extLst>
+              <a:ext uri="{FF2B5EF4-FFF2-40B4-BE49-F238E27FC236}">
+                <a16:creationId xmlns:a16="http://schemas.microsoft.com/office/drawing/2014/main" id="{D2F77D15-F323-4FCD-BF5D-CFEF54AAC392}"/>
+              </a:ext>
+            </a:extLst>
+          </p:cNvPr>
+          <p:cNvSpPr>
+            <a:spLocks noGrp="1"/>
+          </p:cNvSpPr>
+          <p:nvPr>
+            <p:ph type="ftr" sz="quarter" idx="11"/>
+          </p:nvPr>
+        </p:nvSpPr>
+        <p:spPr/>
+        <p:txBody>
+          <a:bodyPr/>
+          <a:lstStyle/>
+          <a:p>
+            <a:r>
+              <a:rPr lang="en-US"/>
+              <a:t>Copyright © 2020 Prime Lessons (primelessons.org) CC-BY-NC-SA.  (Last edit: 12/14/2020)</a:t>
+            </a:r>
+            <a:endParaRPr lang="en-US" dirty="0"/>
+          </a:p>
+        </p:txBody>
+      </p:sp>
+      <p:sp>
+        <p:nvSpPr>
+          <p:cNvPr id="5" name="Slide Number Placeholder 4">
+            <a:extLst>
+              <a:ext uri="{FF2B5EF4-FFF2-40B4-BE49-F238E27FC236}">
+                <a16:creationId xmlns:a16="http://schemas.microsoft.com/office/drawing/2014/main" id="{9B90A42F-B1D0-45E7-B8FF-F78AC16759A4}"/>
+              </a:ext>
+            </a:extLst>
+          </p:cNvPr>
+          <p:cNvSpPr>
+            <a:spLocks noGrp="1"/>
+          </p:cNvSpPr>
+          <p:nvPr>
+            <p:ph type="sldNum" sz="quarter" idx="12"/>
+          </p:nvPr>
+        </p:nvSpPr>
+        <p:spPr/>
+        <p:txBody>
+          <a:bodyPr/>
+          <a:lstStyle/>
+          <a:p>
+            <a:fld id="{BBD74847-7BE4-4E4D-8159-51DF7B93C616}" type="slidenum">
+              <a:rPr lang="en-US" smtClean="0"/>
+              <a:t>9</a:t>
+            </a:fld>
+            <a:endParaRPr lang="en-US"/>
+          </a:p>
+        </p:txBody>
+      </p:sp>
+      <p:pic>
+        <p:nvPicPr>
+          <p:cNvPr id="7" name="Content Placeholder 5">
+            <a:extLst>
+              <a:ext uri="{FF2B5EF4-FFF2-40B4-BE49-F238E27FC236}">
+                <a16:creationId xmlns:a16="http://schemas.microsoft.com/office/drawing/2014/main" id="{ADC99FA2-F9C5-49A3-80FB-8C73CD850DE3}"/>
+              </a:ext>
+            </a:extLst>
+          </p:cNvPr>
+          <p:cNvPicPr>
+            <a:picLocks noChangeAspect="1"/>
+          </p:cNvPicPr>
+          <p:nvPr/>
+        </p:nvPicPr>
+        <p:blipFill rotWithShape="1">
+          <a:blip r:embed="rId2"/>
+          <a:srcRect t="1439" r="1057" b="1439"/>
+          <a:stretch/>
+        </p:blipFill>
+        <p:spPr>
+          <a:xfrm>
+            <a:off x="371428" y="2920173"/>
+            <a:ext cx="3814492" cy="2991685"/>
+          </a:xfrm>
+          <a:prstGeom prst="rect">
+            <a:avLst/>
+          </a:prstGeom>
+          <a:ln w="28575">
+            <a:solidFill>
+              <a:srgbClr val="FFD500"/>
+            </a:solidFill>
+          </a:ln>
+        </p:spPr>
+      </p:pic>
+      <p:pic>
+        <p:nvPicPr>
+          <p:cNvPr id="9" name="Picture 8">
+            <a:extLst>
+              <a:ext uri="{FF2B5EF4-FFF2-40B4-BE49-F238E27FC236}">
+                <a16:creationId xmlns:a16="http://schemas.microsoft.com/office/drawing/2014/main" id="{29AB1507-313C-464F-9B5A-D6CEE8134CC7}"/>
+              </a:ext>
+            </a:extLst>
+          </p:cNvPr>
+          <p:cNvPicPr>
+            <a:picLocks noChangeAspect="1"/>
+          </p:cNvPicPr>
+          <p:nvPr/>
+        </p:nvPicPr>
+        <p:blipFill>
+          <a:blip r:embed="rId3"/>
+          <a:stretch>
+            <a:fillRect/>
+          </a:stretch>
+        </p:blipFill>
+        <p:spPr>
+          <a:xfrm>
+            <a:off x="4453530" y="2920174"/>
+            <a:ext cx="4273909" cy="3016010"/>
+          </a:xfrm>
+          <a:prstGeom prst="rect">
+            <a:avLst/>
+          </a:prstGeom>
+        </p:spPr>
+      </p:pic>
+      <p:sp>
+        <p:nvSpPr>
+          <p:cNvPr id="10" name="TextBox 9">
+            <a:extLst>
+              <a:ext uri="{FF2B5EF4-FFF2-40B4-BE49-F238E27FC236}">
+                <a16:creationId xmlns:a16="http://schemas.microsoft.com/office/drawing/2014/main" id="{F0FDD740-98F7-074E-9858-5402B62CA19C}"/>
+              </a:ext>
+            </a:extLst>
+          </p:cNvPr>
+          <p:cNvSpPr txBox="1"/>
+          <p:nvPr/>
+        </p:nvSpPr>
+        <p:spPr>
+          <a:xfrm>
+            <a:off x="994075" y="5911858"/>
+            <a:ext cx="2698985" cy="369332"/>
+          </a:xfrm>
+          <a:prstGeom prst="rect">
+            <a:avLst/>
+          </a:prstGeom>
+          <a:noFill/>
+        </p:spPr>
+        <p:txBody>
+          <a:bodyPr wrap="square" rtlCol="0">
+            <a:spAutoFit/>
+          </a:bodyPr>
+          <a:lstStyle/>
+          <a:p>
+            <a:pPr algn="ctr"/>
+            <a:r>
+              <a:rPr lang="en-US" dirty="0"/>
+              <a:t>SPIKE Prime</a:t>
+            </a:r>
+          </a:p>
+        </p:txBody>
+      </p:sp>
+      <p:sp>
+        <p:nvSpPr>
+          <p:cNvPr id="11" name="TextBox 10">
+            <a:extLst>
+              <a:ext uri="{FF2B5EF4-FFF2-40B4-BE49-F238E27FC236}">
+                <a16:creationId xmlns:a16="http://schemas.microsoft.com/office/drawing/2014/main" id="{9DCC0A61-DE22-DD4B-B50C-A88B4C915677}"/>
+              </a:ext>
+            </a:extLst>
+          </p:cNvPr>
+          <p:cNvSpPr txBox="1"/>
+          <p:nvPr/>
+        </p:nvSpPr>
+        <p:spPr>
+          <a:xfrm>
+            <a:off x="5450941" y="5936184"/>
+            <a:ext cx="2698985" cy="369332"/>
+          </a:xfrm>
+          <a:prstGeom prst="rect">
+            <a:avLst/>
+          </a:prstGeom>
+          <a:noFill/>
+        </p:spPr>
+        <p:txBody>
+          <a:bodyPr wrap="square" rtlCol="0">
+            <a:spAutoFit/>
+          </a:bodyPr>
+          <a:lstStyle/>
+          <a:p>
+            <a:pPr algn="ctr"/>
+            <a:r>
+              <a:rPr lang="en-US" dirty="0"/>
+              <a:t>Robot Inventor</a:t>
+            </a:r>
+          </a:p>
+        </p:txBody>
+      </p:sp>
+      <p:sp>
+        <p:nvSpPr>
+          <p:cNvPr id="12" name="Rectangle 11">
+            <a:extLst>
+              <a:ext uri="{FF2B5EF4-FFF2-40B4-BE49-F238E27FC236}">
+                <a16:creationId xmlns:a16="http://schemas.microsoft.com/office/drawing/2014/main" id="{163498F7-14E7-0F4A-A67C-A7942337BD97}"/>
+              </a:ext>
+            </a:extLst>
+          </p:cNvPr>
+          <p:cNvSpPr/>
+          <p:nvPr/>
+        </p:nvSpPr>
+        <p:spPr>
+          <a:xfrm>
+            <a:off x="7956971" y="3144467"/>
+            <a:ext cx="770467" cy="878893"/>
+          </a:xfrm>
+          <a:prstGeom prst="rect">
+            <a:avLst/>
+          </a:prstGeom>
+          <a:noFill/>
+          <a:ln w="57150" cmpd="sng">
+            <a:solidFill>
+              <a:srgbClr val="0EAE9F"/>
+            </a:solidFill>
+          </a:ln>
+        </p:spPr>
+        <p:style>
+          <a:lnRef idx="1">
+            <a:schemeClr val="accent1"/>
+          </a:lnRef>
+          <a:fillRef idx="3">
+            <a:schemeClr val="accent1"/>
+          </a:fillRef>
+          <a:effectRef idx="2">
+            <a:schemeClr val="accent1"/>
+          </a:effectRef>
+          <a:fontRef idx="minor">
+            <a:schemeClr val="lt1"/>
+          </a:fontRef>
+        </p:style>
+        <p:txBody>
+          <a:bodyPr rtlCol="0" anchor="ctr"/>
+          <a:lstStyle/>
+          <a:p>
+            <a:pPr algn="ctr"/>
+            <a:endParaRPr lang="en-US"/>
+          </a:p>
+        </p:txBody>
+      </p:sp>
+    </p:spTree>
+    <p:extLst>
+      <p:ext uri="{BB962C8B-B14F-4D97-AF65-F5344CB8AC3E}">
+        <p14:creationId xmlns:p14="http://schemas.microsoft.com/office/powerpoint/2010/main" val="2051401757"/>
+      </p:ext>
+    </p:extLst>
+  </p:cSld>
+  <p:clrMapOvr>
+    <a:masterClrMapping/>
+  </p:clrMapOvr>
+</p:sld>
+</file>
+
 <file path=ppt/theme/theme1.xml><?xml version="1.0" encoding="utf-8"?>
 <a:theme xmlns:a="http://schemas.openxmlformats.org/drawingml/2006/main" name="Dividend">
   <a:themeElements>
-    <a:clrScheme name="Spike Prime Lessons">
+    <a:clrScheme name="Custom 1">
       <a:dk1>
         <a:srgbClr val="000000"/>
       </a:dk1>
@@ -7478,31 +11010,31 @@
         <a:srgbClr val="000000"/>
       </a:dk2>
       <a:lt2>
-        <a:srgbClr val="FFFFFF"/>
+        <a:srgbClr val="F8F8F8"/>
       </a:lt2>
       <a:accent1>
-        <a:srgbClr val="FFD500"/>
+        <a:srgbClr val="DDDDDD"/>
       </a:accent1>
       <a:accent2>
-        <a:srgbClr val="961BDB"/>
+        <a:srgbClr val="B2B2B2"/>
       </a:accent2>
       <a:accent3>
-        <a:srgbClr val="FF0000"/>
+        <a:srgbClr val="969696"/>
       </a:accent3>
       <a:accent4>
-        <a:srgbClr val="65D7FF"/>
+        <a:srgbClr val="000000"/>
       </a:accent4>
       <a:accent5>
-        <a:srgbClr val="5B9BD5"/>
+        <a:srgbClr val="5F5F5F"/>
       </a:accent5>
       <a:accent6>
-        <a:srgbClr val="70AD47"/>
+        <a:srgbClr val="4D4D4D"/>
       </a:accent6>
       <a:hlink>
-        <a:srgbClr val="961BDB"/>
+        <a:srgbClr val="5F5F5F"/>
       </a:hlink>
       <a:folHlink>
-        <a:srgbClr val="65D7FF"/>
+        <a:srgbClr val="919191"/>
       </a:folHlink>
     </a:clrScheme>
     <a:fontScheme name="Dividend">
@@ -7727,7 +11259,7 @@
   <a:extraClrSchemeLst/>
   <a:extLst>
     <a:ext uri="{05A4C25C-085E-4340-85A3-A5531E510DB2}">
-      <thm15:themeFamily xmlns:thm15="http://schemas.microsoft.com/office/thememl/2012/main" name="Spike Prime Template.potx" id="{C1D969FE-89B1-4BE4-BDFA-C32471023150}" vid="{4149DA99-3325-4DAE-8A1C-4D0296C099A1}"/>
+      <thm15:themeFamily xmlns:thm15="http://schemas.microsoft.com/office/thememl/2012/main" name="HowtoUse" id="{7DD8E111-BC3A-4444-A06C-BD4DCB2344B2}" vid="{5D8D2880-D206-C442-A283-BCAB763DE85D}"/>
     </a:ext>
   </a:extLst>
 </a:theme>

--- a/en/ProgrammingLessons/SoftwareandFirmware.pptx
+++ b/en/ProgrammingLessons/SoftwareandFirmware.pptx
@@ -220,7 +220,7 @@
           <a:p>
             <a:fld id="{58040048-1E4D-CD41-AC49-0750EB72586B}" type="datetimeFigureOut">
               <a:rPr lang="en-US" smtClean="0"/>
-              <a:t>12/17/20</a:t>
+              <a:t>5/11/23</a:t>
             </a:fld>
             <a:endParaRPr lang="en-US"/>
           </a:p>
@@ -386,7 +386,7 @@
           <a:p>
             <a:fld id="{2B8484CF-5098-F24E-8881-583515D5C406}" type="datetimeFigureOut">
               <a:rPr lang="en-US" smtClean="0"/>
-              <a:t>12/17/20</a:t>
+              <a:t>5/11/23</a:t>
             </a:fld>
             <a:endParaRPr lang="en-US"/>
           </a:p>
@@ -1665,7 +1665,7 @@
           <a:p>
             <a:r>
               <a:rPr lang="en-US"/>
-              <a:t>Copyright © 2020 Prime Lessons (primelessons.org) CC-BY-NC-SA.  (Last edit: 12/14/2020)</a:t>
+              <a:t>Copyright © 2023 Prime Lessons (primelessons.org) CC-BY-NC-SA.  (Last edit: 05/11/2023)</a:t>
             </a:r>
             <a:endParaRPr lang="en-US" dirty="0"/>
           </a:p>
@@ -1919,7 +1919,7 @@
           <a:p>
             <a:r>
               <a:rPr lang="en-US"/>
-              <a:t>Copyright © 2020 Prime Lessons (primelessons.org) CC-BY-NC-SA.  (Last edit: 12/14/2020)</a:t>
+              <a:t>Copyright © 2023 Prime Lessons (primelessons.org) CC-BY-NC-SA.  (Last edit: 05/11/2023)</a:t>
             </a:r>
             <a:endParaRPr lang="en-US" dirty="0"/>
           </a:p>
@@ -2178,7 +2178,7 @@
           <a:p>
             <a:r>
               <a:rPr lang="en-US"/>
-              <a:t>Copyright © 2020 Prime Lessons (primelessons.org) CC-BY-NC-SA.  (Last edit: 12/14/2020)</a:t>
+              <a:t>Copyright © 2023 Prime Lessons (primelessons.org) CC-BY-NC-SA.  (Last edit: 05/11/2023)</a:t>
             </a:r>
             <a:endParaRPr lang="en-US" dirty="0"/>
           </a:p>
@@ -2692,7 +2692,7 @@
           <a:p>
             <a:r>
               <a:rPr lang="en-US"/>
-              <a:t>Copyright © 2020 Prime Lessons (primelessons.org) CC-BY-NC-SA.  (Last edit: 12/14/2020)</a:t>
+              <a:t>Copyright © 2023 Prime Lessons (primelessons.org) CC-BY-NC-SA.  (Last edit: 05/11/2023)</a:t>
             </a:r>
             <a:endParaRPr lang="en-US" dirty="0"/>
           </a:p>
@@ -2883,7 +2883,7 @@
           <a:p>
             <a:r>
               <a:rPr lang="en-US"/>
-              <a:t>Copyright © 2020 Prime Lessons (primelessons.org) CC-BY-NC-SA.  (Last edit: 12/14/2020)</a:t>
+              <a:t>Copyright © 2023 Prime Lessons (primelessons.org) CC-BY-NC-SA.  (Last edit: 05/11/2023)</a:t>
             </a:r>
             <a:endParaRPr lang="en-US" dirty="0"/>
           </a:p>
@@ -3282,7 +3282,7 @@
           <a:p>
             <a:r>
               <a:rPr lang="en-US"/>
-              <a:t>Copyright © 2020 Prime Lessons (primelessons.org) CC-BY-NC-SA.  (Last edit: 12/14/2020)</a:t>
+              <a:t>Copyright © 2023 Prime Lessons (primelessons.org) CC-BY-NC-SA.  (Last edit: 05/11/2023)</a:t>
             </a:r>
             <a:endParaRPr lang="en-US" dirty="0"/>
           </a:p>
@@ -3486,7 +3486,7 @@
           <a:p>
             <a:r>
               <a:rPr lang="en-US"/>
-              <a:t>Copyright © 2020 Prime Lessons (primelessons.org) CC-BY-NC-SA.  (Last edit: 12/14/2020)</a:t>
+              <a:t>Copyright © 2023 Prime Lessons (primelessons.org) CC-BY-NC-SA.  (Last edit: 05/11/2023)</a:t>
             </a:r>
             <a:endParaRPr lang="en-US" dirty="0"/>
           </a:p>
@@ -3895,7 +3895,7 @@
           <a:p>
             <a:r>
               <a:rPr lang="en-US"/>
-              <a:t>Copyright © 2020 Prime Lessons (primelessons.org) CC-BY-NC-SA.  (Last edit: 12/14/2020)</a:t>
+              <a:t>Copyright © 2023 Prime Lessons (primelessons.org) CC-BY-NC-SA.  (Last edit: 05/11/2023)</a:t>
             </a:r>
             <a:endParaRPr lang="en-US" dirty="0"/>
           </a:p>
@@ -4474,7 +4474,7 @@
           <a:p>
             <a:r>
               <a:rPr lang="en-US"/>
-              <a:t>Copyright © 2020 Prime Lessons (primelessons.org) CC-BY-NC-SA.  (Last edit: 12/14/2020)</a:t>
+              <a:t>Copyright © 2023 Prime Lessons (primelessons.org) CC-BY-NC-SA.  (Last edit: 05/11/2023)</a:t>
             </a:r>
             <a:endParaRPr lang="en-US" dirty="0"/>
           </a:p>
@@ -5077,7 +5077,7 @@
           <a:p>
             <a:r>
               <a:rPr lang="en-US"/>
-              <a:t>Copyright © 2020 Prime Lessons (primelessons.org) CC-BY-NC-SA.  (Last edit: 12/14/2020)</a:t>
+              <a:t>Copyright © 2023 Prime Lessons (primelessons.org) CC-BY-NC-SA.  (Last edit: 05/11/2023)</a:t>
             </a:r>
             <a:endParaRPr lang="en-US" dirty="0"/>
           </a:p>
@@ -5321,7 +5321,7 @@
           <a:p>
             <a:r>
               <a:rPr lang="en-US"/>
-              <a:t>Copyright © 2020 Prime Lessons (primelessons.org) CC-BY-NC-SA.  (Last edit: 12/14/2020)</a:t>
+              <a:t>Copyright © 2023 Prime Lessons (primelessons.org) CC-BY-NC-SA.  (Last edit: 05/11/2023)</a:t>
             </a:r>
             <a:endParaRPr lang="en-US" dirty="0"/>
           </a:p>
@@ -5810,7 +5810,7 @@
           <a:p>
             <a:r>
               <a:rPr lang="en-US"/>
-              <a:t>Copyright © 2020 Prime Lessons (primelessons.org) CC-BY-NC-SA.  (Last edit: 12/14/2020)</a:t>
+              <a:t>Copyright © 2023 Prime Lessons (primelessons.org) CC-BY-NC-SA.  (Last edit: 05/11/2023)</a:t>
             </a:r>
             <a:endParaRPr lang="en-US" dirty="0"/>
           </a:p>
@@ -6280,7 +6280,7 @@
           <a:p>
             <a:r>
               <a:rPr lang="en-US"/>
-              <a:t>Copyright © 2020 Prime Lessons (primelessons.org) CC-BY-NC-SA.  (Last edit: 12/14/2020)</a:t>
+              <a:t>Copyright © 2023 Prime Lessons (primelessons.org) CC-BY-NC-SA.  (Last edit: 05/11/2023)</a:t>
             </a:r>
           </a:p>
         </p:txBody>
@@ -6581,7 +6581,7 @@
           <a:p>
             <a:r>
               <a:rPr lang="en-US"/>
-              <a:t>Copyright © 2020 Prime Lessons (primelessons.org) CC-BY-NC-SA.  (Last edit: 12/14/2020)</a:t>
+              <a:t>Copyright © 2023 Prime Lessons (primelessons.org) CC-BY-NC-SA.  (Last edit: 05/11/2023)</a:t>
             </a:r>
             <a:endParaRPr lang="en-US" dirty="0"/>
           </a:p>
@@ -6901,7 +6901,7 @@
           <a:p>
             <a:r>
               <a:rPr lang="en-US"/>
-              <a:t>Copyright © 2020 Prime Lessons (primelessons.org) CC-BY-NC-SA.  (Last edit: 12/14/2020)</a:t>
+              <a:t>Copyright © 2023 Prime Lessons (primelessons.org) CC-BY-NC-SA.  (Last edit: 05/11/2023)</a:t>
             </a:r>
             <a:endParaRPr lang="en-US" dirty="0"/>
           </a:p>
@@ -7601,7 +7601,7 @@
           <a:p>
             <a:r>
               <a:rPr lang="en-US"/>
-              <a:t>Copyright © 2020 Prime Lessons (primelessons.org) CC-BY-NC-SA.  (Last edit: 12/14/2020)</a:t>
+              <a:t>Copyright © 2023 Prime Lessons (primelessons.org) CC-BY-NC-SA.  (Last edit: 05/11/2023)</a:t>
             </a:r>
             <a:endParaRPr lang="en-US" dirty="0"/>
           </a:p>
@@ -7661,7 +7661,7 @@
           <a:effectLst/>
           <a:extLst>
             <a:ext uri="{91240B29-F687-4f45-9708-019B960494DF}">
-              <a14:hiddenLine xmlns:a14="http://schemas.microsoft.com/office/drawing/2010/main" xmlns="" w="9525">
+              <a14:hiddenLine xmlns="" xmlns:a14="http://schemas.microsoft.com/office/drawing/2010/main" w="9525">
                 <a:solidFill>
                   <a:schemeClr val="tx1"/>
                 </a:solidFill>
@@ -7671,7 +7671,7 @@
               </a14:hiddenLine>
             </a:ext>
             <a:ext uri="{AF507438-7753-43e0-B8FC-AC1667EBCBE1}">
-              <a14:hiddenEffects xmlns:a14="http://schemas.microsoft.com/office/drawing/2010/main" xmlns="">
+              <a14:hiddenEffects xmlns="" xmlns:a14="http://schemas.microsoft.com/office/drawing/2010/main">
                 <a:effectLst>
                   <a:outerShdw dist="35921" dir="2700000" algn="ctr" rotWithShape="0">
                     <a:schemeClr val="bg2"/>
@@ -8012,7 +8012,7 @@
           <a:noFill/>
           <a:extLst>
             <a:ext uri="{909E8E84-426E-40dd-AFC4-6F175D3DCCD1}">
-              <a14:hiddenFill xmlns:a14="http://schemas.microsoft.com/office/drawing/2010/main" xmlns="">
+              <a14:hiddenFill xmlns="" xmlns:a14="http://schemas.microsoft.com/office/drawing/2010/main">
                 <a:solidFill>
                   <a:srgbClr val="FFFFFF"/>
                 </a:solidFill>
@@ -8123,7 +8123,7 @@
           <a:p>
             <a:r>
               <a:rPr lang="en-US"/>
-              <a:t>Copyright © 2020 Prime Lessons (primelessons.org) CC-BY-NC-SA.  (Last edit: 12/14/2020)</a:t>
+              <a:t>Copyright © 2023 Prime Lessons (primelessons.org) CC-BY-NC-SA.  (Last edit: 05/11/2023)</a:t>
             </a:r>
           </a:p>
         </p:txBody>
@@ -8356,7 +8356,7 @@
           <a:p>
             <a:r>
               <a:rPr lang="en-US"/>
-              <a:t>Copyright © 2020 Prime Lessons (primelessons.org) CC-BY-NC-SA.  (Last edit: 12/14/2020)</a:t>
+              <a:t>Copyright © 2023 Prime Lessons (primelessons.org) CC-BY-NC-SA.  (Last edit: 05/11/2023)</a:t>
             </a:r>
           </a:p>
         </p:txBody>
@@ -8659,7 +8659,7 @@
           <a:p>
             <a:r>
               <a:rPr lang="en-US"/>
-              <a:t>Copyright © 2020 Prime Lessons (primelessons.org) CC-BY-NC-SA.  (Last edit: 12/14/2020)</a:t>
+              <a:t>Copyright © 2023 Prime Lessons (primelessons.org) CC-BY-NC-SA.  (Last edit: 05/11/2023)</a:t>
             </a:r>
             <a:endParaRPr lang="en-US" dirty="0"/>
           </a:p>
@@ -8696,10 +8696,10 @@
       </p:sp>
       <p:pic>
         <p:nvPicPr>
-          <p:cNvPr id="8" name="Picture 7" descr="A screenshot of a cell phone&#10;&#10;Description automatically generated">
-            <a:extLst>
-              <a:ext uri="{FF2B5EF4-FFF2-40B4-BE49-F238E27FC236}">
-                <a16:creationId xmlns:a16="http://schemas.microsoft.com/office/drawing/2014/main" id="{8211FEFB-F55D-4F54-BF06-7AD19BE0F78E}"/>
+          <p:cNvPr id="7" name="Picture 6" descr="Text, letter&#10;&#10;Description automatically generated">
+            <a:extLst>
+              <a:ext uri="{FF2B5EF4-FFF2-40B4-BE49-F238E27FC236}">
+                <a16:creationId xmlns:a16="http://schemas.microsoft.com/office/drawing/2014/main" id="{5A50A695-5618-3641-BBAF-5ABA5BBC55D7}"/>
               </a:ext>
             </a:extLst>
           </p:cNvPr>
@@ -8716,8 +8716,8 @@
         </p:blipFill>
         <p:spPr>
           <a:xfrm>
-            <a:off x="5538522" y="3963629"/>
-            <a:ext cx="3226475" cy="1623921"/>
+            <a:off x="5262709" y="3890452"/>
+            <a:ext cx="2321432" cy="2036344"/>
           </a:xfrm>
           <a:prstGeom prst="rect">
             <a:avLst/>
@@ -8731,10 +8731,10 @@
       </p:pic>
       <p:pic>
         <p:nvPicPr>
-          <p:cNvPr id="7" name="Picture 6" descr="Text, letter&#10;&#10;Description automatically generated">
-            <a:extLst>
-              <a:ext uri="{FF2B5EF4-FFF2-40B4-BE49-F238E27FC236}">
-                <a16:creationId xmlns:a16="http://schemas.microsoft.com/office/drawing/2014/main" id="{5A50A695-5618-3641-BBAF-5ABA5BBC55D7}"/>
+          <p:cNvPr id="9" name="Picture 8" descr="A screenshot of a computer&#10;&#10;Description automatically generated with medium confidence">
+            <a:extLst>
+              <a:ext uri="{FF2B5EF4-FFF2-40B4-BE49-F238E27FC236}">
+                <a16:creationId xmlns:a16="http://schemas.microsoft.com/office/drawing/2014/main" id="{9338DC4D-CEAB-AF53-40C7-98E8EF828016}"/>
               </a:ext>
             </a:extLst>
           </p:cNvPr>
@@ -8751,43 +8751,8 @@
         </p:blipFill>
         <p:spPr>
           <a:xfrm>
-            <a:off x="3062679" y="3926208"/>
-            <a:ext cx="2234001" cy="1959650"/>
-          </a:xfrm>
-          <a:prstGeom prst="rect">
-            <a:avLst/>
-          </a:prstGeom>
-          <a:ln>
-            <a:solidFill>
-              <a:schemeClr val="tx1"/>
-            </a:solidFill>
-          </a:ln>
-        </p:spPr>
-      </p:pic>
-      <p:pic>
-        <p:nvPicPr>
-          <p:cNvPr id="10" name="Picture 9" descr="Graphical user interface, text, application, email&#10;&#10;Description automatically generated">
-            <a:extLst>
-              <a:ext uri="{FF2B5EF4-FFF2-40B4-BE49-F238E27FC236}">
-                <a16:creationId xmlns:a16="http://schemas.microsoft.com/office/drawing/2014/main" id="{964FAA16-6B0D-E041-8007-8826B0B41D96}"/>
-              </a:ext>
-            </a:extLst>
-          </p:cNvPr>
-          <p:cNvPicPr>
-            <a:picLocks noChangeAspect="1"/>
-          </p:cNvPicPr>
-          <p:nvPr/>
-        </p:nvPicPr>
-        <p:blipFill>
-          <a:blip r:embed="rId6"/>
-          <a:stretch>
-            <a:fillRect/>
-          </a:stretch>
-        </p:blipFill>
-        <p:spPr>
-          <a:xfrm>
-            <a:off x="422275" y="3963629"/>
-            <a:ext cx="2302060" cy="2085308"/>
+            <a:off x="927023" y="3890452"/>
+            <a:ext cx="4031972" cy="2031328"/>
           </a:xfrm>
           <a:prstGeom prst="rect">
             <a:avLst/>
@@ -8971,7 +8936,7 @@
           <a:p>
             <a:r>
               <a:rPr lang="en-US"/>
-              <a:t>Copyright © 2020 Prime Lessons (primelessons.org) CC-BY-NC-SA.  (Last edit: 12/14/2020)</a:t>
+              <a:t>Copyright © 2023 Prime Lessons (primelessons.org) CC-BY-NC-SA.  (Last edit: 05/11/2023)</a:t>
             </a:r>
             <a:endParaRPr lang="en-US" dirty="0"/>
           </a:p>
@@ -9683,7 +9648,7 @@
           <a:p>
             <a:r>
               <a:rPr lang="en-US"/>
-              <a:t>Copyright © 2020 Prime Lessons (primelessons.org) CC-BY-NC-SA.  (Last edit: 12/14/2020)</a:t>
+              <a:t>Copyright © 2023 Prime Lessons (primelessons.org) CC-BY-NC-SA.  (Last edit: 05/11/2023)</a:t>
             </a:r>
             <a:endParaRPr lang="en-US" dirty="0"/>
           </a:p>
@@ -9989,7 +9954,7 @@
           <a:p>
             <a:r>
               <a:rPr lang="en-US"/>
-              <a:t>Copyright © 2020 Prime Lessons (primelessons.org) CC-BY-NC-SA.  (Last edit: 12/14/2020)</a:t>
+              <a:t>Copyright © 2023 Prime Lessons (primelessons.org) CC-BY-NC-SA.  (Last edit: 05/11/2023)</a:t>
             </a:r>
             <a:endParaRPr lang="en-US" dirty="0"/>
           </a:p>
@@ -10308,7 +10273,7 @@
           <a:p>
             <a:r>
               <a:rPr lang="en-US"/>
-              <a:t>Copyright © 2020 Prime Lessons (primelessons.org) CC-BY-NC-SA.  (Last edit: 12/14/2020)</a:t>
+              <a:t>Copyright © 2023 Prime Lessons (primelessons.org) CC-BY-NC-SA.  (Last edit: 05/11/2023)</a:t>
             </a:r>
             <a:endParaRPr lang="en-US" dirty="0"/>
           </a:p>
@@ -10762,7 +10727,7 @@
           <a:p>
             <a:r>
               <a:rPr lang="en-US"/>
-              <a:t>Copyright © 2020 Prime Lessons (primelessons.org) CC-BY-NC-SA.  (Last edit: 12/14/2020)</a:t>
+              <a:t>Copyright © 2023 Prime Lessons (primelessons.org) CC-BY-NC-SA.  (Last edit: 05/11/2023)</a:t>
             </a:r>
             <a:endParaRPr lang="en-US" dirty="0"/>
           </a:p>

--- a/en/ProgrammingLessons/SoftwareandFirmware.pptx
+++ b/en/ProgrammingLessons/SoftwareandFirmware.pptx
@@ -220,7 +220,7 @@
           <a:p>
             <a:fld id="{58040048-1E4D-CD41-AC49-0750EB72586B}" type="datetimeFigureOut">
               <a:rPr lang="en-US" smtClean="0"/>
-              <a:t>5/11/23</a:t>
+              <a:t>5/12/23</a:t>
             </a:fld>
             <a:endParaRPr lang="en-US"/>
           </a:p>
@@ -386,7 +386,7 @@
           <a:p>
             <a:fld id="{2B8484CF-5098-F24E-8881-583515D5C406}" type="datetimeFigureOut">
               <a:rPr lang="en-US" smtClean="0"/>
-              <a:t>5/11/23</a:t>
+              <a:t>5/12/23</a:t>
             </a:fld>
             <a:endParaRPr lang="en-US"/>
           </a:p>
@@ -7661,7 +7661,7 @@
           <a:effectLst/>
           <a:extLst>
             <a:ext uri="{91240B29-F687-4f45-9708-019B960494DF}">
-              <a14:hiddenLine xmlns="" xmlns:a14="http://schemas.microsoft.com/office/drawing/2010/main" w="9525">
+              <a14:hiddenLine xmlns:a14="http://schemas.microsoft.com/office/drawing/2010/main" xmlns="" w="9525">
                 <a:solidFill>
                   <a:schemeClr val="tx1"/>
                 </a:solidFill>
@@ -7671,7 +7671,7 @@
               </a14:hiddenLine>
             </a:ext>
             <a:ext uri="{AF507438-7753-43e0-B8FC-AC1667EBCBE1}">
-              <a14:hiddenEffects xmlns="" xmlns:a14="http://schemas.microsoft.com/office/drawing/2010/main">
+              <a14:hiddenEffects xmlns:a14="http://schemas.microsoft.com/office/drawing/2010/main" xmlns="">
                 <a:effectLst>
                   <a:outerShdw dist="35921" dir="2700000" algn="ctr" rotWithShape="0">
                     <a:schemeClr val="bg2"/>
@@ -8012,7 +8012,7 @@
           <a:noFill/>
           <a:extLst>
             <a:ext uri="{909E8E84-426E-40dd-AFC4-6F175D3DCCD1}">
-              <a14:hiddenFill xmlns="" xmlns:a14="http://schemas.microsoft.com/office/drawing/2010/main">
+              <a14:hiddenFill xmlns:a14="http://schemas.microsoft.com/office/drawing/2010/main" xmlns="">
                 <a:solidFill>
                   <a:srgbClr val="FFFFFF"/>
                 </a:solidFill>
@@ -8249,10 +8249,10 @@
       </p:grpSpPr>
       <p:pic>
         <p:nvPicPr>
-          <p:cNvPr id="5" name="Picture 4">
-            <a:extLst>
-              <a:ext uri="{FF2B5EF4-FFF2-40B4-BE49-F238E27FC236}">
-                <a16:creationId xmlns:a16="http://schemas.microsoft.com/office/drawing/2014/main" id="{FA399B84-BCC1-4BA3-B95D-5928C70046E0}"/>
+          <p:cNvPr id="8" name="Picture 7" descr="A screenshot of a chat&#10;&#10;Description automatically generated with medium confidence">
+            <a:extLst>
+              <a:ext uri="{FF2B5EF4-FFF2-40B4-BE49-F238E27FC236}">
+                <a16:creationId xmlns:a16="http://schemas.microsoft.com/office/drawing/2014/main" id="{2F2BDC34-EC11-AF89-D1C8-23676EC9B493}"/>
               </a:ext>
             </a:extLst>
           </p:cNvPr>
@@ -8261,15 +8261,16 @@
           </p:cNvPicPr>
           <p:nvPr/>
         </p:nvPicPr>
-        <p:blipFill rotWithShape="1">
+        <p:blipFill>
           <a:blip r:embed="rId2"/>
-          <a:srcRect t="4720"/>
-          <a:stretch/>
+          <a:stretch>
+            <a:fillRect/>
+          </a:stretch>
         </p:blipFill>
         <p:spPr>
           <a:xfrm>
-            <a:off x="159493" y="1177853"/>
-            <a:ext cx="3144028" cy="2251147"/>
+            <a:off x="137439" y="1201521"/>
+            <a:ext cx="3188135" cy="2642221"/>
           </a:xfrm>
           <a:prstGeom prst="rect">
             <a:avLst/>
@@ -8398,7 +8399,7 @@
         </p:nvSpPr>
         <p:spPr>
           <a:xfrm>
-            <a:off x="1143862" y="1323609"/>
+            <a:off x="1104952" y="1323609"/>
             <a:ext cx="325641" cy="312615"/>
           </a:xfrm>
           <a:prstGeom prst="rect">
@@ -8456,7 +8457,7 @@
         </p:blipFill>
         <p:spPr>
           <a:xfrm>
-            <a:off x="137439" y="3568431"/>
+            <a:off x="137439" y="3529517"/>
             <a:ext cx="3188135" cy="2679656"/>
           </a:xfrm>
           <a:prstGeom prst="rect">
@@ -8794,66 +8795,6 @@
           <a:chExt cx="0" cy="0"/>
         </a:xfrm>
       </p:grpSpPr>
-      <p:pic>
-        <p:nvPicPr>
-          <p:cNvPr id="16" name="Picture 15">
-            <a:extLst>
-              <a:ext uri="{FF2B5EF4-FFF2-40B4-BE49-F238E27FC236}">
-                <a16:creationId xmlns:a16="http://schemas.microsoft.com/office/drawing/2014/main" id="{2AEF66B6-E8AF-8046-BB6A-939991D8BE03}"/>
-              </a:ext>
-            </a:extLst>
-          </p:cNvPr>
-          <p:cNvPicPr>
-            <a:picLocks noChangeAspect="1"/>
-          </p:cNvPicPr>
-          <p:nvPr/>
-        </p:nvPicPr>
-        <p:blipFill>
-          <a:blip r:embed="rId2"/>
-          <a:stretch>
-            <a:fillRect/>
-          </a:stretch>
-        </p:blipFill>
-        <p:spPr>
-          <a:xfrm>
-            <a:off x="219004" y="2318415"/>
-            <a:ext cx="3155057" cy="2374011"/>
-          </a:xfrm>
-          <a:prstGeom prst="rect">
-            <a:avLst/>
-          </a:prstGeom>
-        </p:spPr>
-      </p:pic>
-      <p:pic>
-        <p:nvPicPr>
-          <p:cNvPr id="15" name="Picture 14" descr="Graphical user interface, application, Teams&#10;&#10;Description automatically generated">
-            <a:extLst>
-              <a:ext uri="{FF2B5EF4-FFF2-40B4-BE49-F238E27FC236}">
-                <a16:creationId xmlns:a16="http://schemas.microsoft.com/office/drawing/2014/main" id="{8FE097C0-DD19-764D-8E47-265A7CF4E28F}"/>
-              </a:ext>
-            </a:extLst>
-          </p:cNvPr>
-          <p:cNvPicPr>
-            <a:picLocks noChangeAspect="1"/>
-          </p:cNvPicPr>
-          <p:nvPr/>
-        </p:nvPicPr>
-        <p:blipFill>
-          <a:blip r:embed="rId3"/>
-          <a:stretch>
-            <a:fillRect/>
-          </a:stretch>
-        </p:blipFill>
-        <p:spPr>
-          <a:xfrm>
-            <a:off x="1796533" y="3058161"/>
-            <a:ext cx="3289107" cy="2478094"/>
-          </a:xfrm>
-          <a:prstGeom prst="rect">
-            <a:avLst/>
-          </a:prstGeom>
-        </p:spPr>
-      </p:pic>
       <p:sp>
         <p:nvSpPr>
           <p:cNvPr id="2" name="Title 1">
@@ -8884,35 +8825,6 @@
           </a:p>
         </p:txBody>
       </p:sp>
-      <p:pic>
-        <p:nvPicPr>
-          <p:cNvPr id="7" name="Content Placeholder 6">
-            <a:extLst>
-              <a:ext uri="{FF2B5EF4-FFF2-40B4-BE49-F238E27FC236}">
-                <a16:creationId xmlns:a16="http://schemas.microsoft.com/office/drawing/2014/main" id="{50A327FA-9BE3-4B4B-90E9-EB2DAC8209B9}"/>
-              </a:ext>
-            </a:extLst>
-          </p:cNvPr>
-          <p:cNvPicPr>
-            <a:picLocks noGrp="1" noChangeAspect="1"/>
-          </p:cNvPicPr>
-          <p:nvPr>
-            <p:ph idx="1"/>
-          </p:nvPr>
-        </p:nvPicPr>
-        <p:blipFill>
-          <a:blip r:embed="rId4"/>
-          <a:stretch>
-            <a:fillRect/>
-          </a:stretch>
-        </p:blipFill>
-        <p:spPr>
-          <a:xfrm>
-            <a:off x="5313680" y="2452384"/>
-            <a:ext cx="3466204" cy="2939593"/>
-          </a:xfrm>
-        </p:spPr>
-      </p:pic>
       <p:sp>
         <p:nvSpPr>
           <p:cNvPr id="4" name="Footer Placeholder 3">
@@ -8985,7 +8897,7 @@
         </p:nvSpPr>
         <p:spPr>
           <a:xfrm>
-            <a:off x="872015" y="5781527"/>
+            <a:off x="440900" y="5723600"/>
             <a:ext cx="2698985" cy="369332"/>
           </a:xfrm>
           <a:prstGeom prst="rect">
@@ -9040,106 +8952,6 @@
               <a:rPr lang="en-US" dirty="0"/>
               <a:t>Robot Inventor</a:t>
             </a:r>
-          </a:p>
-        </p:txBody>
-      </p:sp>
-      <p:sp>
-        <p:nvSpPr>
-          <p:cNvPr id="10" name="Rectangle 9">
-            <a:extLst>
-              <a:ext uri="{FF2B5EF4-FFF2-40B4-BE49-F238E27FC236}">
-                <a16:creationId xmlns:a16="http://schemas.microsoft.com/office/drawing/2014/main" id="{44BC46E5-4160-CC4D-A38B-59307170439D}"/>
-              </a:ext>
-            </a:extLst>
-          </p:cNvPr>
-          <p:cNvSpPr/>
-          <p:nvPr/>
-        </p:nvSpPr>
-        <p:spPr>
-          <a:xfrm>
-            <a:off x="1967248" y="5346276"/>
-            <a:ext cx="491472" cy="312615"/>
-          </a:xfrm>
-          <a:prstGeom prst="rect">
-            <a:avLst/>
-          </a:prstGeom>
-          <a:noFill/>
-          <a:ln w="57150" cmpd="sng">
-            <a:solidFill>
-              <a:srgbClr val="FFD500"/>
-            </a:solidFill>
-          </a:ln>
-        </p:spPr>
-        <p:style>
-          <a:lnRef idx="1">
-            <a:schemeClr val="accent1"/>
-          </a:lnRef>
-          <a:fillRef idx="3">
-            <a:schemeClr val="accent1"/>
-          </a:fillRef>
-          <a:effectRef idx="2">
-            <a:schemeClr val="accent1"/>
-          </a:effectRef>
-          <a:fontRef idx="minor">
-            <a:schemeClr val="lt1"/>
-          </a:fontRef>
-        </p:style>
-        <p:txBody>
-          <a:bodyPr rtlCol="0" anchor="ctr"/>
-          <a:lstStyle/>
-          <a:p>
-            <a:pPr algn="ctr"/>
-            <a:endParaRPr lang="en-US"/>
-          </a:p>
-        </p:txBody>
-      </p:sp>
-      <p:sp>
-        <p:nvSpPr>
-          <p:cNvPr id="11" name="Rectangle 10">
-            <a:extLst>
-              <a:ext uri="{FF2B5EF4-FFF2-40B4-BE49-F238E27FC236}">
-                <a16:creationId xmlns:a16="http://schemas.microsoft.com/office/drawing/2014/main" id="{5EC3BC63-F93E-3144-9F0E-5E07E216E6FE}"/>
-              </a:ext>
-            </a:extLst>
-          </p:cNvPr>
-          <p:cNvSpPr/>
-          <p:nvPr/>
-        </p:nvSpPr>
-        <p:spPr>
-          <a:xfrm>
-            <a:off x="5313680" y="4697879"/>
-            <a:ext cx="558800" cy="312615"/>
-          </a:xfrm>
-          <a:prstGeom prst="rect">
-            <a:avLst/>
-          </a:prstGeom>
-          <a:noFill/>
-          <a:ln w="57150" cmpd="sng">
-            <a:solidFill>
-              <a:srgbClr val="0EAE9F"/>
-            </a:solidFill>
-          </a:ln>
-        </p:spPr>
-        <p:style>
-          <a:lnRef idx="1">
-            <a:schemeClr val="accent1"/>
-          </a:lnRef>
-          <a:fillRef idx="3">
-            <a:schemeClr val="accent1"/>
-          </a:fillRef>
-          <a:effectRef idx="2">
-            <a:schemeClr val="accent1"/>
-          </a:effectRef>
-          <a:fontRef idx="minor">
-            <a:schemeClr val="lt1"/>
-          </a:fontRef>
-        </p:style>
-        <p:txBody>
-          <a:bodyPr rtlCol="0" anchor="ctr"/>
-          <a:lstStyle/>
-          <a:p>
-            <a:pPr algn="ctr"/>
-            <a:endParaRPr lang="en-US"/>
           </a:p>
         </p:txBody>
       </p:sp>
@@ -9373,23 +9185,83 @@
           <a:p>
             <a:r>
               <a:rPr lang="en-US" dirty="0"/>
-              <a:t>In SPIKE Prime, the version is at the top of all screens.  You can also click on the gear icon on the top right of the home screen to access the Settings page.</a:t>
+              <a:t>In SPIKE, Click on the SPIKE button and select About </a:t>
             </a:r>
           </a:p>
           <a:p>
             <a:r>
               <a:rPr lang="en-US" dirty="0"/>
-              <a:t>In Robot Inventor, click on Settings at the bottom of the home screen</a:t>
-            </a:r>
-          </a:p>
-        </p:txBody>
-      </p:sp>
-      <p:sp>
-        <p:nvSpPr>
-          <p:cNvPr id="13" name="Rectangle 12">
-            <a:extLst>
-              <a:ext uri="{FF2B5EF4-FFF2-40B4-BE49-F238E27FC236}">
-                <a16:creationId xmlns:a16="http://schemas.microsoft.com/office/drawing/2014/main" id="{C0E4B517-5AF2-8745-BA0D-B404EB8D84B5}"/>
+              <a:t>In Robot Inventor, click on MINDSTORMS at select About</a:t>
+            </a:r>
+          </a:p>
+        </p:txBody>
+      </p:sp>
+      <p:pic>
+        <p:nvPicPr>
+          <p:cNvPr id="6" name="Picture 5" descr="A screenshot of a phone&#10;&#10;Description automatically generated with medium confidence">
+            <a:extLst>
+              <a:ext uri="{FF2B5EF4-FFF2-40B4-BE49-F238E27FC236}">
+                <a16:creationId xmlns:a16="http://schemas.microsoft.com/office/drawing/2014/main" id="{0EF07D37-CB03-E173-B8E4-E1BF1F4CF58F}"/>
+              </a:ext>
+            </a:extLst>
+          </p:cNvPr>
+          <p:cNvPicPr>
+            <a:picLocks noChangeAspect="1"/>
+          </p:cNvPicPr>
+          <p:nvPr/>
+        </p:nvPicPr>
+        <p:blipFill>
+          <a:blip r:embed="rId2"/>
+          <a:stretch>
+            <a:fillRect/>
+          </a:stretch>
+        </p:blipFill>
+        <p:spPr>
+          <a:xfrm>
+            <a:off x="175261" y="2134104"/>
+            <a:ext cx="2082800" cy="2552700"/>
+          </a:xfrm>
+          <a:prstGeom prst="rect">
+            <a:avLst/>
+          </a:prstGeom>
+        </p:spPr>
+      </p:pic>
+      <p:pic>
+        <p:nvPicPr>
+          <p:cNvPr id="19" name="Picture 18" descr="A screenshot of a phone&#10;&#10;Description automatically generated with medium confidence">
+            <a:extLst>
+              <a:ext uri="{FF2B5EF4-FFF2-40B4-BE49-F238E27FC236}">
+                <a16:creationId xmlns:a16="http://schemas.microsoft.com/office/drawing/2014/main" id="{6962D7C7-7452-705A-37DA-9E2A1B1E92E6}"/>
+              </a:ext>
+            </a:extLst>
+          </p:cNvPr>
+          <p:cNvPicPr>
+            <a:picLocks noChangeAspect="1"/>
+          </p:cNvPicPr>
+          <p:nvPr/>
+        </p:nvPicPr>
+        <p:blipFill>
+          <a:blip r:embed="rId3"/>
+          <a:stretch>
+            <a:fillRect/>
+          </a:stretch>
+        </p:blipFill>
+        <p:spPr>
+          <a:xfrm>
+            <a:off x="1912347" y="3662094"/>
+            <a:ext cx="2839863" cy="1999181"/>
+          </a:xfrm>
+          <a:prstGeom prst="rect">
+            <a:avLst/>
+          </a:prstGeom>
+        </p:spPr>
+      </p:pic>
+      <p:sp>
+        <p:nvSpPr>
+          <p:cNvPr id="10" name="Rectangle 9">
+            <a:extLst>
+              <a:ext uri="{FF2B5EF4-FFF2-40B4-BE49-F238E27FC236}">
+                <a16:creationId xmlns:a16="http://schemas.microsoft.com/office/drawing/2014/main" id="{44BC46E5-4160-CC4D-A38B-59307170439D}"/>
               </a:ext>
             </a:extLst>
           </p:cNvPr>
@@ -9398,8 +9270,8 @@
         </p:nvSpPr>
         <p:spPr>
           <a:xfrm>
-            <a:off x="7016302" y="5010494"/>
-            <a:ext cx="558800" cy="312615"/>
+            <a:off x="175260" y="2410897"/>
+            <a:ext cx="2082800" cy="374254"/>
           </a:xfrm>
           <a:prstGeom prst="rect">
             <a:avLst/>
@@ -9407,7 +9279,7 @@
           <a:noFill/>
           <a:ln w="57150" cmpd="sng">
             <a:solidFill>
-              <a:srgbClr val="0EAE9F"/>
+              <a:srgbClr val="FFD500"/>
             </a:solidFill>
           </a:ln>
         </p:spPr>
@@ -9434,12 +9306,42 @@
           </a:p>
         </p:txBody>
       </p:sp>
-      <p:sp>
-        <p:nvSpPr>
-          <p:cNvPr id="17" name="Rectangle 16">
-            <a:extLst>
-              <a:ext uri="{FF2B5EF4-FFF2-40B4-BE49-F238E27FC236}">
-                <a16:creationId xmlns:a16="http://schemas.microsoft.com/office/drawing/2014/main" id="{A6B7E7C7-176D-8B44-9699-9B5D50757F88}"/>
+      <p:pic>
+        <p:nvPicPr>
+          <p:cNvPr id="25" name="Picture 24" descr="A screenshot of a phone&#10;&#10;Description automatically generated with medium confidence">
+            <a:extLst>
+              <a:ext uri="{FF2B5EF4-FFF2-40B4-BE49-F238E27FC236}">
+                <a16:creationId xmlns:a16="http://schemas.microsoft.com/office/drawing/2014/main" id="{951B86DC-E227-F1A0-7F13-1D77936A8F45}"/>
+              </a:ext>
+            </a:extLst>
+          </p:cNvPr>
+          <p:cNvPicPr>
+            <a:picLocks noChangeAspect="1"/>
+          </p:cNvPicPr>
+          <p:nvPr/>
+        </p:nvPicPr>
+        <p:blipFill>
+          <a:blip r:embed="rId4"/>
+          <a:stretch>
+            <a:fillRect/>
+          </a:stretch>
+        </p:blipFill>
+        <p:spPr>
+          <a:xfrm>
+            <a:off x="4958994" y="2222116"/>
+            <a:ext cx="2768600" cy="2527300"/>
+          </a:xfrm>
+          <a:prstGeom prst="rect">
+            <a:avLst/>
+          </a:prstGeom>
+        </p:spPr>
+      </p:pic>
+      <p:sp>
+        <p:nvSpPr>
+          <p:cNvPr id="11" name="Rectangle 10">
+            <a:extLst>
+              <a:ext uri="{FF2B5EF4-FFF2-40B4-BE49-F238E27FC236}">
+                <a16:creationId xmlns:a16="http://schemas.microsoft.com/office/drawing/2014/main" id="{5EC3BC63-F93E-3144-9F0E-5E07E216E6FE}"/>
               </a:ext>
             </a:extLst>
           </p:cNvPr>
@@ -9448,8 +9350,8 @@
         </p:nvSpPr>
         <p:spPr>
           <a:xfrm>
-            <a:off x="1399509" y="2215501"/>
-            <a:ext cx="821998" cy="312615"/>
+            <a:off x="4960172" y="2563943"/>
+            <a:ext cx="2767422" cy="312615"/>
           </a:xfrm>
           <a:prstGeom prst="rect">
             <a:avLst/>
@@ -9457,7 +9359,7 @@
           <a:noFill/>
           <a:ln w="57150" cmpd="sng">
             <a:solidFill>
-              <a:srgbClr val="FFD500"/>
+              <a:srgbClr val="0EAE9F"/>
             </a:solidFill>
           </a:ln>
         </p:spPr>
@@ -9484,56 +9386,36 @@
           </a:p>
         </p:txBody>
       </p:sp>
-      <p:sp>
-        <p:nvSpPr>
-          <p:cNvPr id="18" name="Rectangle 17">
-            <a:extLst>
-              <a:ext uri="{FF2B5EF4-FFF2-40B4-BE49-F238E27FC236}">
-                <a16:creationId xmlns:a16="http://schemas.microsoft.com/office/drawing/2014/main" id="{5E76FF15-4A8E-0D48-9DF1-46AFC8E4BDBB}"/>
-              </a:ext>
-            </a:extLst>
-          </p:cNvPr>
-          <p:cNvSpPr/>
+      <p:pic>
+        <p:nvPicPr>
+          <p:cNvPr id="24" name="Picture 23" descr="A screenshot of a phone&#10;&#10;Description automatically generated with medium confidence">
+            <a:extLst>
+              <a:ext uri="{FF2B5EF4-FFF2-40B4-BE49-F238E27FC236}">
+                <a16:creationId xmlns:a16="http://schemas.microsoft.com/office/drawing/2014/main" id="{5597DA95-A76D-494B-B7BE-4A0F6507B193}"/>
+              </a:ext>
+            </a:extLst>
+          </p:cNvPr>
+          <p:cNvPicPr>
+            <a:picLocks noChangeAspect="1"/>
+          </p:cNvPicPr>
           <p:nvPr/>
-        </p:nvSpPr>
-        <p:spPr>
-          <a:xfrm>
-            <a:off x="4846320" y="3092264"/>
-            <a:ext cx="239320" cy="312615"/>
+        </p:nvPicPr>
+        <p:blipFill>
+          <a:blip r:embed="rId5"/>
+          <a:stretch>
+            <a:fillRect/>
+          </a:stretch>
+        </p:blipFill>
+        <p:spPr>
+          <a:xfrm>
+            <a:off x="5971965" y="3662095"/>
+            <a:ext cx="2810778" cy="1926823"/>
           </a:xfrm>
           <a:prstGeom prst="rect">
             <a:avLst/>
           </a:prstGeom>
-          <a:noFill/>
-          <a:ln w="57150" cmpd="sng">
-            <a:solidFill>
-              <a:srgbClr val="FFD500"/>
-            </a:solidFill>
-          </a:ln>
-        </p:spPr>
-        <p:style>
-          <a:lnRef idx="1">
-            <a:schemeClr val="accent1"/>
-          </a:lnRef>
-          <a:fillRef idx="3">
-            <a:schemeClr val="accent1"/>
-          </a:fillRef>
-          <a:effectRef idx="2">
-            <a:schemeClr val="accent1"/>
-          </a:effectRef>
-          <a:fontRef idx="minor">
-            <a:schemeClr val="lt1"/>
-          </a:fontRef>
-        </p:style>
-        <p:txBody>
-          <a:bodyPr rtlCol="0" anchor="ctr"/>
-          <a:lstStyle/>
-          <a:p>
-            <a:pPr algn="ctr"/>
-            <a:endParaRPr lang="en-US"/>
-          </a:p>
-        </p:txBody>
-      </p:sp>
+        </p:spPr>
+      </p:pic>
     </p:spTree>
     <p:extLst>
       <p:ext uri="{BB962C8B-B14F-4D97-AF65-F5344CB8AC3E}">
@@ -9620,7 +9502,7 @@
           <a:p>
             <a:r>
               <a:rPr lang="en-US" dirty="0"/>
-              <a:t>If there is an Update for SPIKE Prime or Robot Inventor available, you will get a popup telling you to do so</a:t>
+              <a:t>If there is an Update for SPIKE Prime or Robot Inventor available, you will get a popup telling you to do s</a:t>
             </a:r>
           </a:p>
         </p:txBody>
@@ -9704,7 +9586,7 @@
         </p:blipFill>
         <p:spPr>
           <a:xfrm>
-            <a:off x="1172445" y="2087033"/>
+            <a:off x="1172445" y="2958403"/>
             <a:ext cx="2918460" cy="2179320"/>
           </a:xfrm>
           <a:prstGeom prst="rect">
@@ -9748,7 +9630,7 @@
         </p:blipFill>
         <p:spPr>
           <a:xfrm>
-            <a:off x="4675114" y="2033788"/>
+            <a:off x="4675114" y="2905158"/>
             <a:ext cx="3662801" cy="2232565"/>
           </a:xfrm>
           <a:prstGeom prst="rect">
@@ -9770,7 +9652,7 @@
         </p:nvSpPr>
         <p:spPr>
           <a:xfrm>
-            <a:off x="1172445" y="4360678"/>
+            <a:off x="1172445" y="5232048"/>
             <a:ext cx="2698985" cy="369332"/>
           </a:xfrm>
           <a:prstGeom prst="rect">
@@ -9806,7 +9688,7 @@
         </p:nvSpPr>
         <p:spPr>
           <a:xfrm>
-            <a:off x="5157021" y="4360678"/>
+            <a:off x="5272572" y="5232048"/>
             <a:ext cx="2698985" cy="369332"/>
           </a:xfrm>
           <a:prstGeom prst="rect">
@@ -10424,8 +10306,8 @@
         </p:nvSpPr>
         <p:spPr>
           <a:xfrm>
-            <a:off x="4979314" y="2691836"/>
-            <a:ext cx="1035406" cy="325120"/>
+            <a:off x="4873214" y="2691836"/>
+            <a:ext cx="1141506" cy="325120"/>
           </a:xfrm>
           <a:prstGeom prst="rect">
             <a:avLst/>
